--- a/Caching_Patterns.pptx
+++ b/Caching_Patterns.pptx
@@ -6,14 +6,22 @@
   </p:sldMasterIdLst>
   <p:sldIdLst>
     <p:sldId id="256" r:id="rId2"/>
-    <p:sldId id="257" r:id="rId3"/>
-    <p:sldId id="258" r:id="rId4"/>
-    <p:sldId id="259" r:id="rId5"/>
-    <p:sldId id="260" r:id="rId6"/>
-    <p:sldId id="261" r:id="rId7"/>
-    <p:sldId id="262" r:id="rId8"/>
-    <p:sldId id="264" r:id="rId9"/>
-    <p:sldId id="265" r:id="rId10"/>
+    <p:sldId id="266" r:id="rId3"/>
+    <p:sldId id="267" r:id="rId4"/>
+    <p:sldId id="269" r:id="rId5"/>
+    <p:sldId id="268" r:id="rId6"/>
+    <p:sldId id="270" r:id="rId7"/>
+    <p:sldId id="271" r:id="rId8"/>
+    <p:sldId id="272" r:id="rId9"/>
+    <p:sldId id="273" r:id="rId10"/>
+    <p:sldId id="258" r:id="rId11"/>
+    <p:sldId id="259" r:id="rId12"/>
+    <p:sldId id="260" r:id="rId13"/>
+    <p:sldId id="261" r:id="rId14"/>
+    <p:sldId id="262" r:id="rId15"/>
+    <p:sldId id="264" r:id="rId16"/>
+    <p:sldId id="265" r:id="rId17"/>
+    <p:sldId id="274" r:id="rId18"/>
   </p:sldIdLst>
   <p:sldSz cx="12192000" cy="6858000"/>
   <p:notesSz cx="6858000" cy="9144000"/>
@@ -112,6 +120,11 @@
       </a:defRPr>
     </a:lvl9pPr>
   </p:defaultTextStyle>
+  <p:extLst>
+    <p:ext uri="{EFAFB233-063F-42B5-8137-9DF3F51BA10A}">
+      <p15:sldGuideLst xmlns:p15="http://schemas.microsoft.com/office/powerpoint/2012/main"/>
+    </p:ext>
+  </p:extLst>
 </p:presentation>
 </file>
 
@@ -3344,7 +3357,7 @@
         <p:spPr>
           <a:xfrm>
             <a:off x="1762125" y="2967335"/>
-            <a:ext cx="9791700" cy="1569660"/>
+            <a:ext cx="9791700" cy="3046988"/>
           </a:xfrm>
           <a:prstGeom prst="rect">
             <a:avLst/>
@@ -3379,6 +3392,44 @@
                 </a:effectLst>
               </a:rPr>
               <a:t>Caching</a:t>
+            </a:r>
+          </a:p>
+          <a:p>
+            <a:pPr algn="ctr"/>
+            <a:r>
+              <a:rPr lang="en-US" sz="3200" dirty="0">
+                <a:solidFill>
+                  <a:srgbClr val="666666"/>
+                </a:solidFill>
+                <a:effectLst/>
+                <a:latin typeface="Arial" panose="020B0604020202020204" pitchFamily="34" charset="0"/>
+              </a:rPr>
+              <a:t>JSR-000107</a:t>
+            </a:r>
+          </a:p>
+          <a:p>
+            <a:pPr algn="ctr"/>
+            <a:r>
+              <a:rPr lang="en-US" sz="3200" b="1" cap="none" spc="0" dirty="0">
+                <a:ln w="9525">
+                  <a:solidFill>
+                    <a:schemeClr val="bg1"/>
+                  </a:solidFill>
+                  <a:prstDash val="solid"/>
+                </a:ln>
+                <a:solidFill>
+                  <a:schemeClr val="accent5"/>
+                </a:solidFill>
+                <a:effectLst>
+                  <a:outerShdw blurRad="12700" dist="38100" dir="2700000" algn="tl" rotWithShape="0">
+                    <a:schemeClr val="accent5">
+                      <a:lumMod val="60000"/>
+                      <a:lumOff val="40000"/>
+                    </a:schemeClr>
+                  </a:outerShdw>
+                </a:effectLst>
+              </a:rPr>
+              <a:t>https://jcp.org/aboutJava/communityprocess/implementations/jsr107/index.html</a:t>
             </a:r>
           </a:p>
         </p:txBody>
@@ -3396,192 +3447,7 @@
 </p:sld>
 </file>
 
-<file path=ppt/slides/slide2.xml><?xml version="1.0" encoding="utf-8"?>
-<p:sld xmlns:a="http://schemas.openxmlformats.org/drawingml/2006/main" xmlns:r="http://schemas.openxmlformats.org/officeDocument/2006/relationships" xmlns:p="http://schemas.openxmlformats.org/presentationml/2006/main">
-  <p:cSld>
-    <p:spTree>
-      <p:nvGrpSpPr>
-        <p:cNvPr id="1" name=""/>
-        <p:cNvGrpSpPr/>
-        <p:nvPr/>
-      </p:nvGrpSpPr>
-      <p:grpSpPr>
-        <a:xfrm>
-          <a:off x="0" y="0"/>
-          <a:ext cx="0" cy="0"/>
-          <a:chOff x="0" y="0"/>
-          <a:chExt cx="0" cy="0"/>
-        </a:xfrm>
-      </p:grpSpPr>
-      <p:sp>
-        <p:nvSpPr>
-          <p:cNvPr id="3" name="Subtitle 2">
-            <a:extLst>
-              <a:ext uri="{FF2B5EF4-FFF2-40B4-BE49-F238E27FC236}">
-                <a16:creationId xmlns:a16="http://schemas.microsoft.com/office/drawing/2014/main" id="{1706560F-0C47-4F41-81FC-A2B998220E25}"/>
-              </a:ext>
-            </a:extLst>
-          </p:cNvPr>
-          <p:cNvSpPr>
-            <a:spLocks noGrp="1"/>
-          </p:cNvSpPr>
-          <p:nvPr>
-            <p:ph type="subTitle" idx="1"/>
-          </p:nvPr>
-        </p:nvSpPr>
-        <p:spPr>
-          <a:xfrm>
-            <a:off x="1330960" y="960437"/>
-            <a:ext cx="9144000" cy="5278437"/>
-          </a:xfrm>
-        </p:spPr>
-        <p:txBody>
-          <a:bodyPr>
-            <a:normAutofit fontScale="85000" lnSpcReduction="10000"/>
-          </a:bodyPr>
-          <a:lstStyle/>
-          <a:p>
-            <a:pPr marL="457200" indent="-457200" algn="l">
-              <a:buFont typeface="Arial" panose="020B0604020202020204" pitchFamily="34" charset="0"/>
-              <a:buChar char="•"/>
-            </a:pPr>
-            <a:r>
-              <a:rPr lang="en-US" sz="3300" b="0" i="0" dirty="0">
-                <a:solidFill>
-                  <a:srgbClr val="000000"/>
-                </a:solidFill>
-                <a:effectLst/>
-                <a:latin typeface="Roboto" panose="02000000000000000000" pitchFamily="2" charset="0"/>
-              </a:rPr>
-              <a:t>When your application starts slowing down, the reason is probably a bottleneck somewhere in the execution chain. </a:t>
-            </a:r>
-          </a:p>
-          <a:p>
-            <a:pPr marL="457200" indent="-457200" algn="l">
-              <a:buFont typeface="Arial" panose="020B0604020202020204" pitchFamily="34" charset="0"/>
-              <a:buChar char="•"/>
-            </a:pPr>
-            <a:r>
-              <a:rPr lang="en-US" sz="3300" b="0" i="0" dirty="0">
-                <a:solidFill>
-                  <a:srgbClr val="000000"/>
-                </a:solidFill>
-                <a:effectLst/>
-                <a:latin typeface="Roboto" panose="02000000000000000000" pitchFamily="2" charset="0"/>
-              </a:rPr>
-              <a:t>Sometimes, this bottleneck is due to a bug. </a:t>
-            </a:r>
-          </a:p>
-          <a:p>
-            <a:pPr marL="457200" indent="-457200" algn="l">
-              <a:buFont typeface="Arial" panose="020B0604020202020204" pitchFamily="34" charset="0"/>
-              <a:buChar char="•"/>
-            </a:pPr>
-            <a:r>
-              <a:rPr lang="en-US" sz="3300" b="0" i="0" dirty="0">
-                <a:solidFill>
-                  <a:srgbClr val="000000"/>
-                </a:solidFill>
-                <a:effectLst/>
-                <a:latin typeface="Roboto" panose="02000000000000000000" pitchFamily="2" charset="0"/>
-              </a:rPr>
-              <a:t>Sometimes, somebody didn’t set up the optimal configuration. </a:t>
-            </a:r>
-          </a:p>
-          <a:p>
-            <a:pPr marL="457200" indent="-457200" algn="l">
-              <a:buFont typeface="Arial" panose="020B0604020202020204" pitchFamily="34" charset="0"/>
-              <a:buChar char="•"/>
-            </a:pPr>
-            <a:r>
-              <a:rPr lang="en-US" sz="3300" b="0" i="0" dirty="0">
-                <a:solidFill>
-                  <a:srgbClr val="000000"/>
-                </a:solidFill>
-                <a:effectLst/>
-                <a:latin typeface="Roboto" panose="02000000000000000000" pitchFamily="2" charset="0"/>
-              </a:rPr>
-              <a:t>And sometimes, the process of fetching the data is the bottleneck.</a:t>
-            </a:r>
-          </a:p>
-          <a:p>
-            <a:pPr marL="457200" indent="-457200" algn="l">
-              <a:buFont typeface="Arial" panose="020B0604020202020204" pitchFamily="34" charset="0"/>
-              <a:buChar char="•"/>
-            </a:pPr>
-            <a:r>
-              <a:rPr lang="en-US" sz="3300" b="0" i="0" dirty="0">
-                <a:solidFill>
-                  <a:srgbClr val="000000"/>
-                </a:solidFill>
-                <a:effectLst/>
-                <a:latin typeface="Roboto" panose="02000000000000000000" pitchFamily="2" charset="0"/>
-              </a:rPr>
-              <a:t>Deciding to use caching is just the first step in a long journey. </a:t>
-            </a:r>
-          </a:p>
-          <a:p>
-            <a:pPr marL="457200" indent="-457200" algn="l">
-              <a:buFont typeface="Arial" panose="020B0604020202020204" pitchFamily="34" charset="0"/>
-              <a:buChar char="•"/>
-            </a:pPr>
-            <a:r>
-              <a:rPr lang="en-US" sz="3300" b="0" i="0" dirty="0">
-                <a:solidFill>
-                  <a:srgbClr val="000000"/>
-                </a:solidFill>
-                <a:effectLst/>
-                <a:latin typeface="Roboto" panose="02000000000000000000" pitchFamily="2" charset="0"/>
-              </a:rPr>
-              <a:t>The next step is to think about </a:t>
-            </a:r>
-            <a:r>
-              <a:rPr lang="en-US" sz="3300" b="1" i="0" dirty="0">
-                <a:solidFill>
-                  <a:srgbClr val="000000"/>
-                </a:solidFill>
-                <a:effectLst/>
-                <a:latin typeface="Roboto" panose="02000000000000000000" pitchFamily="2" charset="0"/>
-              </a:rPr>
-              <a:t>how</a:t>
-            </a:r>
-            <a:r>
-              <a:rPr lang="en-US" sz="3300" b="0" i="0" dirty="0">
-                <a:solidFill>
-                  <a:srgbClr val="000000"/>
-                </a:solidFill>
-                <a:effectLst/>
-                <a:latin typeface="Roboto" panose="02000000000000000000" pitchFamily="2" charset="0"/>
-              </a:rPr>
-              <a:t> your application and the cache will interact. This post focuses on your options regarding those interactions.</a:t>
-            </a:r>
-            <a:endParaRPr lang="en-US" sz="3300" dirty="0">
-              <a:solidFill>
-                <a:srgbClr val="000000"/>
-              </a:solidFill>
-              <a:latin typeface="Roboto" panose="02000000000000000000" pitchFamily="2" charset="0"/>
-            </a:endParaRPr>
-          </a:p>
-          <a:p>
-            <a:pPr algn="l"/>
-            <a:endParaRPr lang="en-US" sz="4800" dirty="0"/>
-          </a:p>
-        </p:txBody>
-      </p:sp>
-    </p:spTree>
-    <p:extLst>
-      <p:ext uri="{BB962C8B-B14F-4D97-AF65-F5344CB8AC3E}">
-        <p14:creationId xmlns:p14="http://schemas.microsoft.com/office/powerpoint/2010/main" val="2529192512"/>
-      </p:ext>
-    </p:extLst>
-  </p:cSld>
-  <p:clrMapOvr>
-    <a:masterClrMapping/>
-  </p:clrMapOvr>
-</p:sld>
-</file>
-
-<file path=ppt/slides/slide3.xml><?xml version="1.0" encoding="utf-8"?>
+<file path=ppt/slides/slide10.xml><?xml version="1.0" encoding="utf-8"?>
 <p:sld xmlns:a="http://schemas.openxmlformats.org/drawingml/2006/main" xmlns:r="http://schemas.openxmlformats.org/officeDocument/2006/relationships" xmlns:p="http://schemas.openxmlformats.org/presentationml/2006/main">
   <p:cSld>
     <p:spTree>
@@ -4383,6 +4249,4281 @@
 </p:sld>
 </file>
 
+<file path=ppt/slides/slide11.xml><?xml version="1.0" encoding="utf-8"?>
+<p:sld xmlns:a="http://schemas.openxmlformats.org/drawingml/2006/main" xmlns:r="http://schemas.openxmlformats.org/officeDocument/2006/relationships" xmlns:p="http://schemas.openxmlformats.org/presentationml/2006/main">
+  <p:cSld>
+    <p:spTree>
+      <p:nvGrpSpPr>
+        <p:cNvPr id="1" name=""/>
+        <p:cNvGrpSpPr/>
+        <p:nvPr/>
+      </p:nvGrpSpPr>
+      <p:grpSpPr>
+        <a:xfrm>
+          <a:off x="0" y="0"/>
+          <a:ext cx="0" cy="0"/>
+          <a:chOff x="0" y="0"/>
+          <a:chExt cx="0" cy="0"/>
+        </a:xfrm>
+      </p:grpSpPr>
+      <p:sp>
+        <p:nvSpPr>
+          <p:cNvPr id="2" name="Title 1">
+            <a:extLst>
+              <a:ext uri="{FF2B5EF4-FFF2-40B4-BE49-F238E27FC236}">
+                <a16:creationId xmlns:a16="http://schemas.microsoft.com/office/drawing/2014/main" id="{4EF8F62C-E012-4E00-A529-5E8CCAD2239E}"/>
+              </a:ext>
+            </a:extLst>
+          </p:cNvPr>
+          <p:cNvSpPr>
+            <a:spLocks noGrp="1"/>
+          </p:cNvSpPr>
+          <p:nvPr>
+            <p:ph type="title"/>
+          </p:nvPr>
+        </p:nvSpPr>
+        <p:spPr/>
+        <p:txBody>
+          <a:bodyPr/>
+          <a:lstStyle/>
+          <a:p>
+            <a:pPr algn="ctr"/>
+            <a:r>
+              <a:rPr lang="en-US" sz="4400" b="0" i="0" kern="1200" dirty="0">
+                <a:solidFill>
+                  <a:schemeClr val="dk1"/>
+                </a:solidFill>
+                <a:effectLst/>
+                <a:latin typeface="+mn-lt"/>
+                <a:ea typeface="+mn-ea"/>
+                <a:cs typeface="+mn-cs"/>
+              </a:rPr>
+              <a:t>Cache-Aside</a:t>
+            </a:r>
+            <a:endParaRPr lang="en-US" dirty="0"/>
+          </a:p>
+        </p:txBody>
+      </p:sp>
+      <p:sp>
+        <p:nvSpPr>
+          <p:cNvPr id="4" name="Rectangle: Rounded Corners 3">
+            <a:extLst>
+              <a:ext uri="{FF2B5EF4-FFF2-40B4-BE49-F238E27FC236}">
+                <a16:creationId xmlns:a16="http://schemas.microsoft.com/office/drawing/2014/main" id="{E8383B85-00BE-4F0D-8606-121986230C70}"/>
+              </a:ext>
+            </a:extLst>
+          </p:cNvPr>
+          <p:cNvSpPr/>
+          <p:nvPr/>
+        </p:nvSpPr>
+        <p:spPr>
+          <a:xfrm>
+            <a:off x="1362075" y="2019300"/>
+            <a:ext cx="1733550" cy="914400"/>
+          </a:xfrm>
+          <a:prstGeom prst="roundRect">
+            <a:avLst/>
+          </a:prstGeom>
+        </p:spPr>
+        <p:style>
+          <a:lnRef idx="2">
+            <a:schemeClr val="accent1">
+              <a:shade val="50000"/>
+            </a:schemeClr>
+          </a:lnRef>
+          <a:fillRef idx="1">
+            <a:schemeClr val="accent1"/>
+          </a:fillRef>
+          <a:effectRef idx="0">
+            <a:schemeClr val="accent1"/>
+          </a:effectRef>
+          <a:fontRef idx="minor">
+            <a:schemeClr val="lt1"/>
+          </a:fontRef>
+        </p:style>
+        <p:txBody>
+          <a:bodyPr rtlCol="0" anchor="ctr"/>
+          <a:lstStyle/>
+          <a:p>
+            <a:pPr algn="ctr"/>
+            <a:r>
+              <a:rPr lang="en-US" dirty="0"/>
+              <a:t>Client</a:t>
+            </a:r>
+          </a:p>
+        </p:txBody>
+      </p:sp>
+      <p:sp>
+        <p:nvSpPr>
+          <p:cNvPr id="5" name="Content Placeholder 4">
+            <a:extLst>
+              <a:ext uri="{FF2B5EF4-FFF2-40B4-BE49-F238E27FC236}">
+                <a16:creationId xmlns:a16="http://schemas.microsoft.com/office/drawing/2014/main" id="{EA6AE321-A5BA-417D-98D0-DC19B4682140}"/>
+              </a:ext>
+            </a:extLst>
+          </p:cNvPr>
+          <p:cNvSpPr>
+            <a:spLocks noGrp="1"/>
+          </p:cNvSpPr>
+          <p:nvPr>
+            <p:ph idx="1"/>
+          </p:nvPr>
+        </p:nvSpPr>
+        <p:spPr>
+          <a:xfrm>
+            <a:off x="4381500" y="1533525"/>
+            <a:ext cx="3019425" cy="1905000"/>
+          </a:xfrm>
+          <a:prstGeom prst="roundRect">
+            <a:avLst/>
+          </a:prstGeom>
+        </p:spPr>
+        <p:style>
+          <a:lnRef idx="2">
+            <a:schemeClr val="accent1">
+              <a:shade val="50000"/>
+            </a:schemeClr>
+          </a:lnRef>
+          <a:fillRef idx="1">
+            <a:schemeClr val="accent1"/>
+          </a:fillRef>
+          <a:effectRef idx="0">
+            <a:schemeClr val="accent1"/>
+          </a:effectRef>
+          <a:fontRef idx="minor">
+            <a:schemeClr val="lt1"/>
+          </a:fontRef>
+        </p:style>
+        <p:txBody>
+          <a:bodyPr rtlCol="0" anchor="ctr"/>
+          <a:lstStyle/>
+          <a:p>
+            <a:pPr marL="0" indent="0">
+              <a:buNone/>
+            </a:pPr>
+            <a:r>
+              <a:rPr lang="en-US" dirty="0"/>
+              <a:t>Server / Application</a:t>
+            </a:r>
+          </a:p>
+        </p:txBody>
+      </p:sp>
+      <p:sp>
+        <p:nvSpPr>
+          <p:cNvPr id="6" name="Flowchart: Magnetic Disk 5">
+            <a:extLst>
+              <a:ext uri="{FF2B5EF4-FFF2-40B4-BE49-F238E27FC236}">
+                <a16:creationId xmlns:a16="http://schemas.microsoft.com/office/drawing/2014/main" id="{360E7C2A-681D-4FDF-A38D-27A1777CF18F}"/>
+              </a:ext>
+            </a:extLst>
+          </p:cNvPr>
+          <p:cNvSpPr/>
+          <p:nvPr/>
+        </p:nvSpPr>
+        <p:spPr>
+          <a:xfrm>
+            <a:off x="9267825" y="1681162"/>
+            <a:ext cx="1095375" cy="1590675"/>
+          </a:xfrm>
+          <a:prstGeom prst="flowChartMagneticDisk">
+            <a:avLst/>
+          </a:prstGeom>
+        </p:spPr>
+        <p:style>
+          <a:lnRef idx="2">
+            <a:schemeClr val="accent1">
+              <a:shade val="50000"/>
+            </a:schemeClr>
+          </a:lnRef>
+          <a:fillRef idx="1">
+            <a:schemeClr val="accent1"/>
+          </a:fillRef>
+          <a:effectRef idx="0">
+            <a:schemeClr val="accent1"/>
+          </a:effectRef>
+          <a:fontRef idx="minor">
+            <a:schemeClr val="lt1"/>
+          </a:fontRef>
+        </p:style>
+        <p:txBody>
+          <a:bodyPr rtlCol="0" anchor="ctr"/>
+          <a:lstStyle/>
+          <a:p>
+            <a:pPr algn="ctr"/>
+            <a:r>
+              <a:rPr lang="en-US" dirty="0"/>
+              <a:t>DB</a:t>
+            </a:r>
+          </a:p>
+        </p:txBody>
+      </p:sp>
+      <p:sp>
+        <p:nvSpPr>
+          <p:cNvPr id="7" name="Rectangle: Rounded Corners 6">
+            <a:extLst>
+              <a:ext uri="{FF2B5EF4-FFF2-40B4-BE49-F238E27FC236}">
+                <a16:creationId xmlns:a16="http://schemas.microsoft.com/office/drawing/2014/main" id="{9A733189-6230-4770-AE94-1634E373E191}"/>
+              </a:ext>
+            </a:extLst>
+          </p:cNvPr>
+          <p:cNvSpPr/>
+          <p:nvPr/>
+        </p:nvSpPr>
+        <p:spPr>
+          <a:xfrm>
+            <a:off x="5062537" y="3990975"/>
+            <a:ext cx="1657350" cy="904875"/>
+          </a:xfrm>
+          <a:prstGeom prst="roundRect">
+            <a:avLst/>
+          </a:prstGeom>
+        </p:spPr>
+        <p:style>
+          <a:lnRef idx="2">
+            <a:schemeClr val="accent1">
+              <a:shade val="50000"/>
+            </a:schemeClr>
+          </a:lnRef>
+          <a:fillRef idx="1">
+            <a:schemeClr val="accent1"/>
+          </a:fillRef>
+          <a:effectRef idx="0">
+            <a:schemeClr val="accent1"/>
+          </a:effectRef>
+          <a:fontRef idx="minor">
+            <a:schemeClr val="lt1"/>
+          </a:fontRef>
+        </p:style>
+        <p:txBody>
+          <a:bodyPr rtlCol="0" anchor="ctr"/>
+          <a:lstStyle/>
+          <a:p>
+            <a:pPr algn="ctr"/>
+            <a:r>
+              <a:rPr lang="en-US" dirty="0"/>
+              <a:t>Cache</a:t>
+            </a:r>
+          </a:p>
+        </p:txBody>
+      </p:sp>
+      <p:cxnSp>
+        <p:nvCxnSpPr>
+          <p:cNvPr id="9" name="Straight Arrow Connector 8">
+            <a:extLst>
+              <a:ext uri="{FF2B5EF4-FFF2-40B4-BE49-F238E27FC236}">
+                <a16:creationId xmlns:a16="http://schemas.microsoft.com/office/drawing/2014/main" id="{F036F3B5-B216-4A82-B14B-2598F7803AC4}"/>
+              </a:ext>
+            </a:extLst>
+          </p:cNvPr>
+          <p:cNvCxnSpPr>
+            <a:cxnSpLocks/>
+          </p:cNvCxnSpPr>
+          <p:nvPr/>
+        </p:nvCxnSpPr>
+        <p:spPr>
+          <a:xfrm>
+            <a:off x="3095625" y="2262188"/>
+            <a:ext cx="1285875" cy="9525"/>
+          </a:xfrm>
+          <a:prstGeom prst="straightConnector1">
+            <a:avLst/>
+          </a:prstGeom>
+          <a:ln w="57150">
+            <a:tailEnd type="triangle"/>
+          </a:ln>
+        </p:spPr>
+        <p:style>
+          <a:lnRef idx="1">
+            <a:schemeClr val="accent1"/>
+          </a:lnRef>
+          <a:fillRef idx="0">
+            <a:schemeClr val="accent1"/>
+          </a:fillRef>
+          <a:effectRef idx="0">
+            <a:schemeClr val="accent1"/>
+          </a:effectRef>
+          <a:fontRef idx="minor">
+            <a:schemeClr val="tx1"/>
+          </a:fontRef>
+        </p:style>
+      </p:cxnSp>
+      <p:cxnSp>
+        <p:nvCxnSpPr>
+          <p:cNvPr id="10" name="Straight Arrow Connector 9">
+            <a:extLst>
+              <a:ext uri="{FF2B5EF4-FFF2-40B4-BE49-F238E27FC236}">
+                <a16:creationId xmlns:a16="http://schemas.microsoft.com/office/drawing/2014/main" id="{C9DAACEF-A38D-4C24-B79D-885B36F4B3CA}"/>
+              </a:ext>
+            </a:extLst>
+          </p:cNvPr>
+          <p:cNvCxnSpPr>
+            <a:cxnSpLocks/>
+            <a:stCxn id="5" idx="3"/>
+            <a:endCxn id="6" idx="2"/>
+          </p:cNvCxnSpPr>
+          <p:nvPr/>
+        </p:nvCxnSpPr>
+        <p:spPr>
+          <a:xfrm flipV="1">
+            <a:off x="7400925" y="2476500"/>
+            <a:ext cx="1866900" cy="9525"/>
+          </a:xfrm>
+          <a:prstGeom prst="straightConnector1">
+            <a:avLst/>
+          </a:prstGeom>
+          <a:ln w="57150">
+            <a:tailEnd type="triangle"/>
+          </a:ln>
+        </p:spPr>
+        <p:style>
+          <a:lnRef idx="1">
+            <a:schemeClr val="accent1"/>
+          </a:lnRef>
+          <a:fillRef idx="0">
+            <a:schemeClr val="accent1"/>
+          </a:fillRef>
+          <a:effectRef idx="0">
+            <a:schemeClr val="accent1"/>
+          </a:effectRef>
+          <a:fontRef idx="minor">
+            <a:schemeClr val="tx1"/>
+          </a:fontRef>
+        </p:style>
+      </p:cxnSp>
+      <p:cxnSp>
+        <p:nvCxnSpPr>
+          <p:cNvPr id="14" name="Straight Arrow Connector 13">
+            <a:extLst>
+              <a:ext uri="{FF2B5EF4-FFF2-40B4-BE49-F238E27FC236}">
+                <a16:creationId xmlns:a16="http://schemas.microsoft.com/office/drawing/2014/main" id="{77FAD562-ADED-41C8-B008-1A38A682CDDA}"/>
+              </a:ext>
+            </a:extLst>
+          </p:cNvPr>
+          <p:cNvCxnSpPr/>
+          <p:nvPr/>
+        </p:nvCxnSpPr>
+        <p:spPr>
+          <a:xfrm>
+            <a:off x="5495925" y="3438525"/>
+            <a:ext cx="0" cy="552450"/>
+          </a:xfrm>
+          <a:prstGeom prst="straightConnector1">
+            <a:avLst/>
+          </a:prstGeom>
+          <a:ln w="38100">
+            <a:tailEnd type="triangle"/>
+          </a:ln>
+        </p:spPr>
+        <p:style>
+          <a:lnRef idx="1">
+            <a:schemeClr val="accent1"/>
+          </a:lnRef>
+          <a:fillRef idx="0">
+            <a:schemeClr val="accent1"/>
+          </a:fillRef>
+          <a:effectRef idx="0">
+            <a:schemeClr val="accent1"/>
+          </a:effectRef>
+          <a:fontRef idx="minor">
+            <a:schemeClr val="tx1"/>
+          </a:fontRef>
+        </p:style>
+      </p:cxnSp>
+      <p:cxnSp>
+        <p:nvCxnSpPr>
+          <p:cNvPr id="17" name="Straight Arrow Connector 16">
+            <a:extLst>
+              <a:ext uri="{FF2B5EF4-FFF2-40B4-BE49-F238E27FC236}">
+                <a16:creationId xmlns:a16="http://schemas.microsoft.com/office/drawing/2014/main" id="{E77137E2-6D89-460C-9074-5EEA1B9DD5A1}"/>
+              </a:ext>
+            </a:extLst>
+          </p:cNvPr>
+          <p:cNvCxnSpPr>
+            <a:cxnSpLocks/>
+            <a:stCxn id="7" idx="0"/>
+            <a:endCxn id="5" idx="2"/>
+          </p:cNvCxnSpPr>
+          <p:nvPr/>
+        </p:nvCxnSpPr>
+        <p:spPr>
+          <a:xfrm flipV="1">
+            <a:off x="5891212" y="3438525"/>
+            <a:ext cx="1" cy="552450"/>
+          </a:xfrm>
+          <a:prstGeom prst="straightConnector1">
+            <a:avLst/>
+          </a:prstGeom>
+          <a:ln w="38100">
+            <a:tailEnd type="triangle"/>
+          </a:ln>
+        </p:spPr>
+        <p:style>
+          <a:lnRef idx="1">
+            <a:schemeClr val="accent1"/>
+          </a:lnRef>
+          <a:fillRef idx="0">
+            <a:schemeClr val="accent1"/>
+          </a:fillRef>
+          <a:effectRef idx="0">
+            <a:schemeClr val="accent1"/>
+          </a:effectRef>
+          <a:fontRef idx="minor">
+            <a:schemeClr val="tx1"/>
+          </a:fontRef>
+        </p:style>
+      </p:cxnSp>
+      <p:sp>
+        <p:nvSpPr>
+          <p:cNvPr id="20" name="TextBox 19">
+            <a:extLst>
+              <a:ext uri="{FF2B5EF4-FFF2-40B4-BE49-F238E27FC236}">
+                <a16:creationId xmlns:a16="http://schemas.microsoft.com/office/drawing/2014/main" id="{F4D26ACC-C3C1-4A8F-9407-FD3CD50B14C8}"/>
+              </a:ext>
+            </a:extLst>
+          </p:cNvPr>
+          <p:cNvSpPr txBox="1"/>
+          <p:nvPr/>
+        </p:nvSpPr>
+        <p:spPr>
+          <a:xfrm>
+            <a:off x="838200" y="5467350"/>
+            <a:ext cx="11001375" cy="923330"/>
+          </a:xfrm>
+          <a:prstGeom prst="rect">
+            <a:avLst/>
+          </a:prstGeom>
+          <a:noFill/>
+        </p:spPr>
+        <p:txBody>
+          <a:bodyPr wrap="square" rtlCol="0">
+            <a:spAutoFit/>
+          </a:bodyPr>
+          <a:lstStyle/>
+          <a:p>
+            <a:pPr marL="285750" indent="-285750">
+              <a:buFont typeface="Arial" panose="020B0604020202020204" pitchFamily="34" charset="0"/>
+              <a:buChar char="•"/>
+            </a:pPr>
+            <a:r>
+              <a:rPr lang="en-US" dirty="0"/>
+              <a:t>Here application is responsible to handle caching part (Insert, update , delete)</a:t>
+            </a:r>
+          </a:p>
+          <a:p>
+            <a:pPr marL="285750" indent="-285750">
+              <a:buFont typeface="Arial" panose="020B0604020202020204" pitchFamily="34" charset="0"/>
+              <a:buChar char="•"/>
+            </a:pPr>
+            <a:r>
+              <a:rPr lang="en-US" dirty="0"/>
+              <a:t>Expiry strategy can be set as TTL (Expiry Time)</a:t>
+            </a:r>
+          </a:p>
+          <a:p>
+            <a:pPr marL="285750" indent="-285750">
+              <a:buFont typeface="Arial" panose="020B0604020202020204" pitchFamily="34" charset="0"/>
+              <a:buChar char="•"/>
+            </a:pPr>
+            <a:r>
+              <a:rPr lang="en-US" dirty="0"/>
+              <a:t>Here application Is interacting with both </a:t>
+            </a:r>
+            <a:r>
+              <a:rPr lang="en-US" dirty="0" err="1"/>
+              <a:t>db</a:t>
+            </a:r>
+            <a:r>
+              <a:rPr lang="en-US" dirty="0"/>
+              <a:t> and cache.</a:t>
+            </a:r>
+          </a:p>
+        </p:txBody>
+      </p:sp>
+      <p:cxnSp>
+        <p:nvCxnSpPr>
+          <p:cNvPr id="21" name="Straight Arrow Connector 20">
+            <a:extLst>
+              <a:ext uri="{FF2B5EF4-FFF2-40B4-BE49-F238E27FC236}">
+                <a16:creationId xmlns:a16="http://schemas.microsoft.com/office/drawing/2014/main" id="{18CED8A5-7DC3-4055-AC7E-088DF313A7AF}"/>
+              </a:ext>
+            </a:extLst>
+          </p:cNvPr>
+          <p:cNvCxnSpPr>
+            <a:cxnSpLocks/>
+          </p:cNvCxnSpPr>
+          <p:nvPr/>
+        </p:nvCxnSpPr>
+        <p:spPr>
+          <a:xfrm flipH="1">
+            <a:off x="3095624" y="2705100"/>
+            <a:ext cx="1285876" cy="0"/>
+          </a:xfrm>
+          <a:prstGeom prst="straightConnector1">
+            <a:avLst/>
+          </a:prstGeom>
+          <a:ln w="57150">
+            <a:tailEnd type="triangle"/>
+          </a:ln>
+        </p:spPr>
+        <p:style>
+          <a:lnRef idx="1">
+            <a:schemeClr val="accent1"/>
+          </a:lnRef>
+          <a:fillRef idx="0">
+            <a:schemeClr val="accent1"/>
+          </a:fillRef>
+          <a:effectRef idx="0">
+            <a:schemeClr val="accent1"/>
+          </a:effectRef>
+          <a:fontRef idx="minor">
+            <a:schemeClr val="tx1"/>
+          </a:fontRef>
+        </p:style>
+      </p:cxnSp>
+      <p:cxnSp>
+        <p:nvCxnSpPr>
+          <p:cNvPr id="24" name="Straight Arrow Connector 23">
+            <a:extLst>
+              <a:ext uri="{FF2B5EF4-FFF2-40B4-BE49-F238E27FC236}">
+                <a16:creationId xmlns:a16="http://schemas.microsoft.com/office/drawing/2014/main" id="{634700C2-D413-4B6C-A9CE-257601A7D13B}"/>
+              </a:ext>
+            </a:extLst>
+          </p:cNvPr>
+          <p:cNvCxnSpPr>
+            <a:cxnSpLocks/>
+          </p:cNvCxnSpPr>
+          <p:nvPr/>
+        </p:nvCxnSpPr>
+        <p:spPr>
+          <a:xfrm flipH="1">
+            <a:off x="7400925" y="2847340"/>
+            <a:ext cx="1866900" cy="0"/>
+          </a:xfrm>
+          <a:prstGeom prst="straightConnector1">
+            <a:avLst/>
+          </a:prstGeom>
+          <a:ln w="57150">
+            <a:tailEnd type="triangle"/>
+          </a:ln>
+        </p:spPr>
+        <p:style>
+          <a:lnRef idx="1">
+            <a:schemeClr val="accent1"/>
+          </a:lnRef>
+          <a:fillRef idx="0">
+            <a:schemeClr val="accent1"/>
+          </a:fillRef>
+          <a:effectRef idx="0">
+            <a:schemeClr val="accent1"/>
+          </a:effectRef>
+          <a:fontRef idx="minor">
+            <a:schemeClr val="tx1"/>
+          </a:fontRef>
+        </p:style>
+      </p:cxnSp>
+      <p:sp>
+        <p:nvSpPr>
+          <p:cNvPr id="26" name="TextBox 25">
+            <a:extLst>
+              <a:ext uri="{FF2B5EF4-FFF2-40B4-BE49-F238E27FC236}">
+                <a16:creationId xmlns:a16="http://schemas.microsoft.com/office/drawing/2014/main" id="{32DB24AD-E240-435E-BE87-23D982B78A1F}"/>
+              </a:ext>
+            </a:extLst>
+          </p:cNvPr>
+          <p:cNvSpPr txBox="1"/>
+          <p:nvPr/>
+        </p:nvSpPr>
+        <p:spPr>
+          <a:xfrm>
+            <a:off x="7962898" y="2874923"/>
+            <a:ext cx="942976" cy="369332"/>
+          </a:xfrm>
+          <a:prstGeom prst="rect">
+            <a:avLst/>
+          </a:prstGeom>
+          <a:noFill/>
+        </p:spPr>
+        <p:txBody>
+          <a:bodyPr wrap="square" rtlCol="0">
+            <a:spAutoFit/>
+          </a:bodyPr>
+          <a:lstStyle/>
+          <a:p>
+            <a:r>
+              <a:rPr lang="en-US" dirty="0"/>
+              <a:t>Read</a:t>
+            </a:r>
+          </a:p>
+        </p:txBody>
+      </p:sp>
+      <p:sp>
+        <p:nvSpPr>
+          <p:cNvPr id="28" name="TextBox 27">
+            <a:extLst>
+              <a:ext uri="{FF2B5EF4-FFF2-40B4-BE49-F238E27FC236}">
+                <a16:creationId xmlns:a16="http://schemas.microsoft.com/office/drawing/2014/main" id="{257D2EBA-67CE-4CA2-8667-CDC432A3486D}"/>
+              </a:ext>
+            </a:extLst>
+          </p:cNvPr>
+          <p:cNvSpPr txBox="1"/>
+          <p:nvPr/>
+        </p:nvSpPr>
+        <p:spPr>
+          <a:xfrm>
+            <a:off x="7998458" y="2094310"/>
+            <a:ext cx="871856" cy="369332"/>
+          </a:xfrm>
+          <a:prstGeom prst="rect">
+            <a:avLst/>
+          </a:prstGeom>
+          <a:noFill/>
+        </p:spPr>
+        <p:txBody>
+          <a:bodyPr wrap="square" rtlCol="0">
+            <a:spAutoFit/>
+          </a:bodyPr>
+          <a:lstStyle/>
+          <a:p>
+            <a:r>
+              <a:rPr lang="en-US" dirty="0"/>
+              <a:t>Write</a:t>
+            </a:r>
+          </a:p>
+        </p:txBody>
+      </p:sp>
+      <p:sp>
+        <p:nvSpPr>
+          <p:cNvPr id="29" name="TextBox 28">
+            <a:extLst>
+              <a:ext uri="{FF2B5EF4-FFF2-40B4-BE49-F238E27FC236}">
+                <a16:creationId xmlns:a16="http://schemas.microsoft.com/office/drawing/2014/main" id="{CB8218AE-B21F-4960-A0FA-824E4A3AD41F}"/>
+              </a:ext>
+            </a:extLst>
+          </p:cNvPr>
+          <p:cNvSpPr txBox="1"/>
+          <p:nvPr/>
+        </p:nvSpPr>
+        <p:spPr>
+          <a:xfrm>
+            <a:off x="4821713" y="3516869"/>
+            <a:ext cx="871856" cy="369332"/>
+          </a:xfrm>
+          <a:prstGeom prst="rect">
+            <a:avLst/>
+          </a:prstGeom>
+          <a:noFill/>
+        </p:spPr>
+        <p:txBody>
+          <a:bodyPr wrap="square" rtlCol="0">
+            <a:spAutoFit/>
+          </a:bodyPr>
+          <a:lstStyle/>
+          <a:p>
+            <a:r>
+              <a:rPr lang="en-US" dirty="0"/>
+              <a:t>Write</a:t>
+            </a:r>
+          </a:p>
+        </p:txBody>
+      </p:sp>
+      <p:sp>
+        <p:nvSpPr>
+          <p:cNvPr id="30" name="TextBox 29">
+            <a:extLst>
+              <a:ext uri="{FF2B5EF4-FFF2-40B4-BE49-F238E27FC236}">
+                <a16:creationId xmlns:a16="http://schemas.microsoft.com/office/drawing/2014/main" id="{50B67231-1A43-45AA-91CF-F9F607CAB349}"/>
+              </a:ext>
+            </a:extLst>
+          </p:cNvPr>
+          <p:cNvSpPr txBox="1"/>
+          <p:nvPr/>
+        </p:nvSpPr>
+        <p:spPr>
+          <a:xfrm>
+            <a:off x="5896293" y="3569256"/>
+            <a:ext cx="942976" cy="369332"/>
+          </a:xfrm>
+          <a:prstGeom prst="rect">
+            <a:avLst/>
+          </a:prstGeom>
+          <a:noFill/>
+        </p:spPr>
+        <p:txBody>
+          <a:bodyPr wrap="square" rtlCol="0">
+            <a:spAutoFit/>
+          </a:bodyPr>
+          <a:lstStyle/>
+          <a:p>
+            <a:r>
+              <a:rPr lang="en-US" dirty="0"/>
+              <a:t>Read</a:t>
+            </a:r>
+          </a:p>
+        </p:txBody>
+      </p:sp>
+    </p:spTree>
+    <p:extLst>
+      <p:ext uri="{BB962C8B-B14F-4D97-AF65-F5344CB8AC3E}">
+        <p14:creationId xmlns:p14="http://schemas.microsoft.com/office/powerpoint/2010/main" val="779442428"/>
+      </p:ext>
+    </p:extLst>
+  </p:cSld>
+  <p:clrMapOvr>
+    <a:masterClrMapping/>
+  </p:clrMapOvr>
+</p:sld>
+</file>
+
+<file path=ppt/slides/slide12.xml><?xml version="1.0" encoding="utf-8"?>
+<p:sld xmlns:a="http://schemas.openxmlformats.org/drawingml/2006/main" xmlns:r="http://schemas.openxmlformats.org/officeDocument/2006/relationships" xmlns:p="http://schemas.openxmlformats.org/presentationml/2006/main">
+  <p:cSld>
+    <p:spTree>
+      <p:nvGrpSpPr>
+        <p:cNvPr id="1" name=""/>
+        <p:cNvGrpSpPr/>
+        <p:nvPr/>
+      </p:nvGrpSpPr>
+      <p:grpSpPr>
+        <a:xfrm>
+          <a:off x="0" y="0"/>
+          <a:ext cx="0" cy="0"/>
+          <a:chOff x="0" y="0"/>
+          <a:chExt cx="0" cy="0"/>
+        </a:xfrm>
+      </p:grpSpPr>
+      <p:sp>
+        <p:nvSpPr>
+          <p:cNvPr id="2" name="Title 1">
+            <a:extLst>
+              <a:ext uri="{FF2B5EF4-FFF2-40B4-BE49-F238E27FC236}">
+                <a16:creationId xmlns:a16="http://schemas.microsoft.com/office/drawing/2014/main" id="{4EF8F62C-E012-4E00-A529-5E8CCAD2239E}"/>
+              </a:ext>
+            </a:extLst>
+          </p:cNvPr>
+          <p:cNvSpPr>
+            <a:spLocks noGrp="1"/>
+          </p:cNvSpPr>
+          <p:nvPr>
+            <p:ph type="title"/>
+          </p:nvPr>
+        </p:nvSpPr>
+        <p:spPr/>
+        <p:txBody>
+          <a:bodyPr/>
+          <a:lstStyle/>
+          <a:p>
+            <a:pPr algn="ctr"/>
+            <a:r>
+              <a:rPr lang="en-US" b="0" i="0" dirty="0">
+                <a:solidFill>
+                  <a:srgbClr val="000000"/>
+                </a:solidFill>
+                <a:effectLst/>
+                <a:latin typeface="Roboto" panose="02000000000000000000" pitchFamily="2" charset="0"/>
+              </a:rPr>
+              <a:t>Read-Through</a:t>
+            </a:r>
+            <a:endParaRPr lang="en-US" dirty="0"/>
+          </a:p>
+        </p:txBody>
+      </p:sp>
+      <p:sp>
+        <p:nvSpPr>
+          <p:cNvPr id="4" name="Rectangle: Rounded Corners 3">
+            <a:extLst>
+              <a:ext uri="{FF2B5EF4-FFF2-40B4-BE49-F238E27FC236}">
+                <a16:creationId xmlns:a16="http://schemas.microsoft.com/office/drawing/2014/main" id="{E8383B85-00BE-4F0D-8606-121986230C70}"/>
+              </a:ext>
+            </a:extLst>
+          </p:cNvPr>
+          <p:cNvSpPr/>
+          <p:nvPr/>
+        </p:nvSpPr>
+        <p:spPr>
+          <a:xfrm>
+            <a:off x="1362075" y="2287368"/>
+            <a:ext cx="1733550" cy="646331"/>
+          </a:xfrm>
+          <a:prstGeom prst="roundRect">
+            <a:avLst/>
+          </a:prstGeom>
+        </p:spPr>
+        <p:style>
+          <a:lnRef idx="2">
+            <a:schemeClr val="accent1">
+              <a:shade val="50000"/>
+            </a:schemeClr>
+          </a:lnRef>
+          <a:fillRef idx="1">
+            <a:schemeClr val="accent1"/>
+          </a:fillRef>
+          <a:effectRef idx="0">
+            <a:schemeClr val="accent1"/>
+          </a:effectRef>
+          <a:fontRef idx="minor">
+            <a:schemeClr val="lt1"/>
+          </a:fontRef>
+        </p:style>
+        <p:txBody>
+          <a:bodyPr rtlCol="0" anchor="ctr"/>
+          <a:lstStyle/>
+          <a:p>
+            <a:pPr algn="ctr"/>
+            <a:r>
+              <a:rPr lang="en-US" dirty="0"/>
+              <a:t>Client</a:t>
+            </a:r>
+          </a:p>
+        </p:txBody>
+      </p:sp>
+      <p:sp>
+        <p:nvSpPr>
+          <p:cNvPr id="5" name="Content Placeholder 4">
+            <a:extLst>
+              <a:ext uri="{FF2B5EF4-FFF2-40B4-BE49-F238E27FC236}">
+                <a16:creationId xmlns:a16="http://schemas.microsoft.com/office/drawing/2014/main" id="{EA6AE321-A5BA-417D-98D0-DC19B4682140}"/>
+              </a:ext>
+            </a:extLst>
+          </p:cNvPr>
+          <p:cNvSpPr>
+            <a:spLocks noGrp="1"/>
+          </p:cNvSpPr>
+          <p:nvPr>
+            <p:ph idx="1"/>
+          </p:nvPr>
+        </p:nvSpPr>
+        <p:spPr>
+          <a:xfrm>
+            <a:off x="4381500" y="1771649"/>
+            <a:ext cx="3019425" cy="1666875"/>
+          </a:xfrm>
+          <a:prstGeom prst="roundRect">
+            <a:avLst/>
+          </a:prstGeom>
+        </p:spPr>
+        <p:style>
+          <a:lnRef idx="2">
+            <a:schemeClr val="accent1">
+              <a:shade val="50000"/>
+            </a:schemeClr>
+          </a:lnRef>
+          <a:fillRef idx="1">
+            <a:schemeClr val="accent1"/>
+          </a:fillRef>
+          <a:effectRef idx="0">
+            <a:schemeClr val="accent1"/>
+          </a:effectRef>
+          <a:fontRef idx="minor">
+            <a:schemeClr val="lt1"/>
+          </a:fontRef>
+        </p:style>
+        <p:txBody>
+          <a:bodyPr rtlCol="0" anchor="ctr"/>
+          <a:lstStyle/>
+          <a:p>
+            <a:pPr marL="0" indent="0">
+              <a:buNone/>
+            </a:pPr>
+            <a:r>
+              <a:rPr lang="en-US" dirty="0"/>
+              <a:t>Server / Application</a:t>
+            </a:r>
+          </a:p>
+        </p:txBody>
+      </p:sp>
+      <p:sp>
+        <p:nvSpPr>
+          <p:cNvPr id="6" name="Flowchart: Magnetic Disk 5">
+            <a:extLst>
+              <a:ext uri="{FF2B5EF4-FFF2-40B4-BE49-F238E27FC236}">
+                <a16:creationId xmlns:a16="http://schemas.microsoft.com/office/drawing/2014/main" id="{360E7C2A-681D-4FDF-A38D-27A1777CF18F}"/>
+              </a:ext>
+            </a:extLst>
+          </p:cNvPr>
+          <p:cNvSpPr/>
+          <p:nvPr/>
+        </p:nvSpPr>
+        <p:spPr>
+          <a:xfrm>
+            <a:off x="10258425" y="1942303"/>
+            <a:ext cx="1095375" cy="1325563"/>
+          </a:xfrm>
+          <a:prstGeom prst="flowChartMagneticDisk">
+            <a:avLst/>
+          </a:prstGeom>
+        </p:spPr>
+        <p:style>
+          <a:lnRef idx="2">
+            <a:schemeClr val="accent1">
+              <a:shade val="50000"/>
+            </a:schemeClr>
+          </a:lnRef>
+          <a:fillRef idx="1">
+            <a:schemeClr val="accent1"/>
+          </a:fillRef>
+          <a:effectRef idx="0">
+            <a:schemeClr val="accent1"/>
+          </a:effectRef>
+          <a:fontRef idx="minor">
+            <a:schemeClr val="lt1"/>
+          </a:fontRef>
+        </p:style>
+        <p:txBody>
+          <a:bodyPr rtlCol="0" anchor="ctr"/>
+          <a:lstStyle/>
+          <a:p>
+            <a:pPr algn="ctr"/>
+            <a:r>
+              <a:rPr lang="en-US" dirty="0"/>
+              <a:t>DB</a:t>
+            </a:r>
+          </a:p>
+        </p:txBody>
+      </p:sp>
+      <p:sp>
+        <p:nvSpPr>
+          <p:cNvPr id="7" name="Rectangle: Rounded Corners 6">
+            <a:extLst>
+              <a:ext uri="{FF2B5EF4-FFF2-40B4-BE49-F238E27FC236}">
+                <a16:creationId xmlns:a16="http://schemas.microsoft.com/office/drawing/2014/main" id="{9A733189-6230-4770-AE94-1634E373E191}"/>
+              </a:ext>
+            </a:extLst>
+          </p:cNvPr>
+          <p:cNvSpPr/>
+          <p:nvPr/>
+        </p:nvSpPr>
+        <p:spPr>
+          <a:xfrm>
+            <a:off x="8012906" y="2152648"/>
+            <a:ext cx="1657350" cy="904875"/>
+          </a:xfrm>
+          <a:prstGeom prst="roundRect">
+            <a:avLst/>
+          </a:prstGeom>
+        </p:spPr>
+        <p:style>
+          <a:lnRef idx="2">
+            <a:schemeClr val="accent1">
+              <a:shade val="50000"/>
+            </a:schemeClr>
+          </a:lnRef>
+          <a:fillRef idx="1">
+            <a:schemeClr val="accent1"/>
+          </a:fillRef>
+          <a:effectRef idx="0">
+            <a:schemeClr val="accent1"/>
+          </a:effectRef>
+          <a:fontRef idx="minor">
+            <a:schemeClr val="lt1"/>
+          </a:fontRef>
+        </p:style>
+        <p:txBody>
+          <a:bodyPr rtlCol="0" anchor="ctr"/>
+          <a:lstStyle/>
+          <a:p>
+            <a:pPr algn="ctr"/>
+            <a:r>
+              <a:rPr lang="en-US" dirty="0"/>
+              <a:t>Cache</a:t>
+            </a:r>
+          </a:p>
+        </p:txBody>
+      </p:sp>
+      <p:cxnSp>
+        <p:nvCxnSpPr>
+          <p:cNvPr id="9" name="Straight Arrow Connector 8">
+            <a:extLst>
+              <a:ext uri="{FF2B5EF4-FFF2-40B4-BE49-F238E27FC236}">
+                <a16:creationId xmlns:a16="http://schemas.microsoft.com/office/drawing/2014/main" id="{F036F3B5-B216-4A82-B14B-2598F7803AC4}"/>
+              </a:ext>
+            </a:extLst>
+          </p:cNvPr>
+          <p:cNvCxnSpPr>
+            <a:cxnSpLocks/>
+            <a:stCxn id="4" idx="3"/>
+            <a:endCxn id="5" idx="1"/>
+          </p:cNvCxnSpPr>
+          <p:nvPr/>
+        </p:nvCxnSpPr>
+        <p:spPr>
+          <a:xfrm flipV="1">
+            <a:off x="3095625" y="2605087"/>
+            <a:ext cx="1285875" cy="5447"/>
+          </a:xfrm>
+          <a:prstGeom prst="straightConnector1">
+            <a:avLst/>
+          </a:prstGeom>
+          <a:ln w="57150">
+            <a:tailEnd type="triangle"/>
+          </a:ln>
+        </p:spPr>
+        <p:style>
+          <a:lnRef idx="1">
+            <a:schemeClr val="accent1"/>
+          </a:lnRef>
+          <a:fillRef idx="0">
+            <a:schemeClr val="accent1"/>
+          </a:fillRef>
+          <a:effectRef idx="0">
+            <a:schemeClr val="accent1"/>
+          </a:effectRef>
+          <a:fontRef idx="minor">
+            <a:schemeClr val="tx1"/>
+          </a:fontRef>
+        </p:style>
+      </p:cxnSp>
+      <p:sp>
+        <p:nvSpPr>
+          <p:cNvPr id="20" name="TextBox 19">
+            <a:extLst>
+              <a:ext uri="{FF2B5EF4-FFF2-40B4-BE49-F238E27FC236}">
+                <a16:creationId xmlns:a16="http://schemas.microsoft.com/office/drawing/2014/main" id="{F4D26ACC-C3C1-4A8F-9407-FD3CD50B14C8}"/>
+              </a:ext>
+            </a:extLst>
+          </p:cNvPr>
+          <p:cNvSpPr txBox="1"/>
+          <p:nvPr/>
+        </p:nvSpPr>
+        <p:spPr>
+          <a:xfrm>
+            <a:off x="523875" y="4271961"/>
+            <a:ext cx="11001375" cy="1477328"/>
+          </a:xfrm>
+          <a:prstGeom prst="rect">
+            <a:avLst/>
+          </a:prstGeom>
+          <a:noFill/>
+        </p:spPr>
+        <p:txBody>
+          <a:bodyPr wrap="square" rtlCol="0">
+            <a:spAutoFit/>
+          </a:bodyPr>
+          <a:lstStyle/>
+          <a:p>
+            <a:pPr marL="285750" indent="-285750">
+              <a:buFont typeface="Arial" panose="020B0604020202020204" pitchFamily="34" charset="0"/>
+              <a:buChar char="•"/>
+            </a:pPr>
+            <a:r>
+              <a:rPr lang="en-US" dirty="0"/>
+              <a:t>Here Cache will reside between Application  and DB</a:t>
+            </a:r>
+          </a:p>
+          <a:p>
+            <a:pPr marL="285750" indent="-285750">
+              <a:buFont typeface="Arial" panose="020B0604020202020204" pitchFamily="34" charset="0"/>
+              <a:buChar char="•"/>
+            </a:pPr>
+            <a:r>
+              <a:rPr lang="en-US" dirty="0"/>
+              <a:t>Here Application will read through cache will not call </a:t>
+            </a:r>
+            <a:r>
+              <a:rPr lang="en-US" dirty="0" err="1"/>
+              <a:t>db</a:t>
+            </a:r>
+            <a:r>
+              <a:rPr lang="en-US" dirty="0"/>
+              <a:t> directly anytime.</a:t>
+            </a:r>
+          </a:p>
+          <a:p>
+            <a:pPr marL="285750" indent="-285750">
+              <a:buFont typeface="Arial" panose="020B0604020202020204" pitchFamily="34" charset="0"/>
+              <a:buChar char="•"/>
+            </a:pPr>
+            <a:r>
+              <a:rPr lang="en-US" dirty="0"/>
+              <a:t>Advantage : Data will be read from cache and cache will interact with  </a:t>
+            </a:r>
+            <a:r>
+              <a:rPr lang="en-US" dirty="0" err="1"/>
+              <a:t>db</a:t>
+            </a:r>
+            <a:r>
+              <a:rPr lang="en-US" dirty="0"/>
+              <a:t> for reading</a:t>
+            </a:r>
+          </a:p>
+          <a:p>
+            <a:pPr marL="285750" indent="-285750">
+              <a:buFont typeface="Arial" panose="020B0604020202020204" pitchFamily="34" charset="0"/>
+              <a:buChar char="•"/>
+            </a:pPr>
+            <a:r>
+              <a:rPr lang="en-US" dirty="0"/>
+              <a:t>Disadvantage : Memory mis may happen for very first request as there will be no data in cache. It can be solved by pre heating the cache/ preloading data in cache. </a:t>
+            </a:r>
+          </a:p>
+        </p:txBody>
+      </p:sp>
+      <p:cxnSp>
+        <p:nvCxnSpPr>
+          <p:cNvPr id="19" name="Straight Arrow Connector 18">
+            <a:extLst>
+              <a:ext uri="{FF2B5EF4-FFF2-40B4-BE49-F238E27FC236}">
+                <a16:creationId xmlns:a16="http://schemas.microsoft.com/office/drawing/2014/main" id="{D414971D-79C3-4893-87CE-6F8C7994985E}"/>
+              </a:ext>
+            </a:extLst>
+          </p:cNvPr>
+          <p:cNvCxnSpPr>
+            <a:cxnSpLocks/>
+            <a:stCxn id="5" idx="3"/>
+            <a:endCxn id="7" idx="1"/>
+          </p:cNvCxnSpPr>
+          <p:nvPr/>
+        </p:nvCxnSpPr>
+        <p:spPr>
+          <a:xfrm flipV="1">
+            <a:off x="7400925" y="2605086"/>
+            <a:ext cx="611981" cy="1"/>
+          </a:xfrm>
+          <a:prstGeom prst="straightConnector1">
+            <a:avLst/>
+          </a:prstGeom>
+          <a:ln w="57150">
+            <a:tailEnd type="triangle"/>
+          </a:ln>
+        </p:spPr>
+        <p:style>
+          <a:lnRef idx="1">
+            <a:schemeClr val="accent1"/>
+          </a:lnRef>
+          <a:fillRef idx="0">
+            <a:schemeClr val="accent1"/>
+          </a:fillRef>
+          <a:effectRef idx="0">
+            <a:schemeClr val="accent1"/>
+          </a:effectRef>
+          <a:fontRef idx="minor">
+            <a:schemeClr val="tx1"/>
+          </a:fontRef>
+        </p:style>
+      </p:cxnSp>
+      <p:cxnSp>
+        <p:nvCxnSpPr>
+          <p:cNvPr id="23" name="Straight Arrow Connector 22">
+            <a:extLst>
+              <a:ext uri="{FF2B5EF4-FFF2-40B4-BE49-F238E27FC236}">
+                <a16:creationId xmlns:a16="http://schemas.microsoft.com/office/drawing/2014/main" id="{880A5CF1-EBFE-47AD-93C8-C7D113DA50F7}"/>
+              </a:ext>
+            </a:extLst>
+          </p:cNvPr>
+          <p:cNvCxnSpPr>
+            <a:cxnSpLocks/>
+            <a:endCxn id="6" idx="2"/>
+          </p:cNvCxnSpPr>
+          <p:nvPr/>
+        </p:nvCxnSpPr>
+        <p:spPr>
+          <a:xfrm flipV="1">
+            <a:off x="9601200" y="2605085"/>
+            <a:ext cx="657225" cy="2"/>
+          </a:xfrm>
+          <a:prstGeom prst="straightConnector1">
+            <a:avLst/>
+          </a:prstGeom>
+          <a:ln w="57150">
+            <a:tailEnd type="triangle"/>
+          </a:ln>
+        </p:spPr>
+        <p:style>
+          <a:lnRef idx="1">
+            <a:schemeClr val="accent1"/>
+          </a:lnRef>
+          <a:fillRef idx="0">
+            <a:schemeClr val="accent1"/>
+          </a:fillRef>
+          <a:effectRef idx="0">
+            <a:schemeClr val="accent1"/>
+          </a:effectRef>
+          <a:fontRef idx="minor">
+            <a:schemeClr val="tx1"/>
+          </a:fontRef>
+        </p:style>
+      </p:cxnSp>
+      <p:cxnSp>
+        <p:nvCxnSpPr>
+          <p:cNvPr id="24" name="Straight Arrow Connector 23">
+            <a:extLst>
+              <a:ext uri="{FF2B5EF4-FFF2-40B4-BE49-F238E27FC236}">
+                <a16:creationId xmlns:a16="http://schemas.microsoft.com/office/drawing/2014/main" id="{0DB67B7C-B27E-4108-806C-0A280ECF32D8}"/>
+              </a:ext>
+            </a:extLst>
+          </p:cNvPr>
+          <p:cNvCxnSpPr>
+            <a:cxnSpLocks/>
+          </p:cNvCxnSpPr>
+          <p:nvPr/>
+        </p:nvCxnSpPr>
+        <p:spPr>
+          <a:xfrm flipH="1">
+            <a:off x="7400926" y="2847340"/>
+            <a:ext cx="611980" cy="0"/>
+          </a:xfrm>
+          <a:prstGeom prst="straightConnector1">
+            <a:avLst/>
+          </a:prstGeom>
+          <a:ln w="57150">
+            <a:tailEnd type="triangle"/>
+          </a:ln>
+        </p:spPr>
+        <p:style>
+          <a:lnRef idx="1">
+            <a:schemeClr val="accent1"/>
+          </a:lnRef>
+          <a:fillRef idx="0">
+            <a:schemeClr val="accent1"/>
+          </a:fillRef>
+          <a:effectRef idx="0">
+            <a:schemeClr val="accent1"/>
+          </a:effectRef>
+          <a:fontRef idx="minor">
+            <a:schemeClr val="tx1"/>
+          </a:fontRef>
+        </p:style>
+      </p:cxnSp>
+      <p:sp>
+        <p:nvSpPr>
+          <p:cNvPr id="27" name="TextBox 26">
+            <a:extLst>
+              <a:ext uri="{FF2B5EF4-FFF2-40B4-BE49-F238E27FC236}">
+                <a16:creationId xmlns:a16="http://schemas.microsoft.com/office/drawing/2014/main" id="{9F9E7750-AB9E-4190-9AAA-482736EF9964}"/>
+              </a:ext>
+            </a:extLst>
+          </p:cNvPr>
+          <p:cNvSpPr txBox="1"/>
+          <p:nvPr/>
+        </p:nvSpPr>
+        <p:spPr>
+          <a:xfrm>
+            <a:off x="7400925" y="2102702"/>
+            <a:ext cx="871856" cy="369332"/>
+          </a:xfrm>
+          <a:prstGeom prst="rect">
+            <a:avLst/>
+          </a:prstGeom>
+          <a:noFill/>
+        </p:spPr>
+        <p:txBody>
+          <a:bodyPr wrap="square" rtlCol="0">
+            <a:spAutoFit/>
+          </a:bodyPr>
+          <a:lstStyle/>
+          <a:p>
+            <a:r>
+              <a:rPr lang="en-US" dirty="0"/>
+              <a:t>Write</a:t>
+            </a:r>
+          </a:p>
+        </p:txBody>
+      </p:sp>
+      <p:sp>
+        <p:nvSpPr>
+          <p:cNvPr id="28" name="TextBox 27">
+            <a:extLst>
+              <a:ext uri="{FF2B5EF4-FFF2-40B4-BE49-F238E27FC236}">
+                <a16:creationId xmlns:a16="http://schemas.microsoft.com/office/drawing/2014/main" id="{F3BC147E-385E-4978-AE0B-C8F25C8DF079}"/>
+              </a:ext>
+            </a:extLst>
+          </p:cNvPr>
+          <p:cNvSpPr txBox="1"/>
+          <p:nvPr/>
+        </p:nvSpPr>
+        <p:spPr>
+          <a:xfrm>
+            <a:off x="7469981" y="2821243"/>
+            <a:ext cx="942976" cy="369332"/>
+          </a:xfrm>
+          <a:prstGeom prst="rect">
+            <a:avLst/>
+          </a:prstGeom>
+          <a:noFill/>
+        </p:spPr>
+        <p:txBody>
+          <a:bodyPr wrap="square" rtlCol="0">
+            <a:spAutoFit/>
+          </a:bodyPr>
+          <a:lstStyle/>
+          <a:p>
+            <a:r>
+              <a:rPr lang="en-US" dirty="0"/>
+              <a:t>Read</a:t>
+            </a:r>
+          </a:p>
+        </p:txBody>
+      </p:sp>
+      <p:sp>
+        <p:nvSpPr>
+          <p:cNvPr id="29" name="TextBox 28">
+            <a:extLst>
+              <a:ext uri="{FF2B5EF4-FFF2-40B4-BE49-F238E27FC236}">
+                <a16:creationId xmlns:a16="http://schemas.microsoft.com/office/drawing/2014/main" id="{F8DC6BB8-A7F8-481E-BE31-BAA7D4F01A71}"/>
+              </a:ext>
+            </a:extLst>
+          </p:cNvPr>
+          <p:cNvSpPr txBox="1"/>
+          <p:nvPr/>
+        </p:nvSpPr>
+        <p:spPr>
+          <a:xfrm>
+            <a:off x="9646761" y="2235752"/>
+            <a:ext cx="942976" cy="369332"/>
+          </a:xfrm>
+          <a:prstGeom prst="rect">
+            <a:avLst/>
+          </a:prstGeom>
+          <a:noFill/>
+        </p:spPr>
+        <p:txBody>
+          <a:bodyPr wrap="square" rtlCol="0">
+            <a:spAutoFit/>
+          </a:bodyPr>
+          <a:lstStyle/>
+          <a:p>
+            <a:r>
+              <a:rPr lang="en-US" dirty="0"/>
+              <a:t>Read</a:t>
+            </a:r>
+          </a:p>
+        </p:txBody>
+      </p:sp>
+    </p:spTree>
+    <p:extLst>
+      <p:ext uri="{BB962C8B-B14F-4D97-AF65-F5344CB8AC3E}">
+        <p14:creationId xmlns:p14="http://schemas.microsoft.com/office/powerpoint/2010/main" val="1619768743"/>
+      </p:ext>
+    </p:extLst>
+  </p:cSld>
+  <p:clrMapOvr>
+    <a:masterClrMapping/>
+  </p:clrMapOvr>
+</p:sld>
+</file>
+
+<file path=ppt/slides/slide13.xml><?xml version="1.0" encoding="utf-8"?>
+<p:sld xmlns:a="http://schemas.openxmlformats.org/drawingml/2006/main" xmlns:r="http://schemas.openxmlformats.org/officeDocument/2006/relationships" xmlns:p="http://schemas.openxmlformats.org/presentationml/2006/main">
+  <p:cSld>
+    <p:spTree>
+      <p:nvGrpSpPr>
+        <p:cNvPr id="1" name=""/>
+        <p:cNvGrpSpPr/>
+        <p:nvPr/>
+      </p:nvGrpSpPr>
+      <p:grpSpPr>
+        <a:xfrm>
+          <a:off x="0" y="0"/>
+          <a:ext cx="0" cy="0"/>
+          <a:chOff x="0" y="0"/>
+          <a:chExt cx="0" cy="0"/>
+        </a:xfrm>
+      </p:grpSpPr>
+      <p:sp>
+        <p:nvSpPr>
+          <p:cNvPr id="2" name="Title 1">
+            <a:extLst>
+              <a:ext uri="{FF2B5EF4-FFF2-40B4-BE49-F238E27FC236}">
+                <a16:creationId xmlns:a16="http://schemas.microsoft.com/office/drawing/2014/main" id="{4EF8F62C-E012-4E00-A529-5E8CCAD2239E}"/>
+              </a:ext>
+            </a:extLst>
+          </p:cNvPr>
+          <p:cNvSpPr>
+            <a:spLocks noGrp="1"/>
+          </p:cNvSpPr>
+          <p:nvPr>
+            <p:ph type="title"/>
+          </p:nvPr>
+        </p:nvSpPr>
+        <p:spPr/>
+        <p:txBody>
+          <a:bodyPr/>
+          <a:lstStyle/>
+          <a:p>
+            <a:pPr algn="ctr"/>
+            <a:r>
+              <a:rPr lang="en-US" dirty="0">
+                <a:solidFill>
+                  <a:srgbClr val="000000"/>
+                </a:solidFill>
+                <a:latin typeface="Roboto" panose="02000000000000000000" pitchFamily="2" charset="0"/>
+              </a:rPr>
+              <a:t>Write</a:t>
+            </a:r>
+            <a:r>
+              <a:rPr lang="en-US" b="0" i="0" dirty="0">
+                <a:solidFill>
+                  <a:srgbClr val="000000"/>
+                </a:solidFill>
+                <a:effectLst/>
+                <a:latin typeface="Roboto" panose="02000000000000000000" pitchFamily="2" charset="0"/>
+              </a:rPr>
+              <a:t>-Through</a:t>
+            </a:r>
+            <a:endParaRPr lang="en-US" dirty="0"/>
+          </a:p>
+        </p:txBody>
+      </p:sp>
+      <p:sp>
+        <p:nvSpPr>
+          <p:cNvPr id="4" name="Rectangle: Rounded Corners 3">
+            <a:extLst>
+              <a:ext uri="{FF2B5EF4-FFF2-40B4-BE49-F238E27FC236}">
+                <a16:creationId xmlns:a16="http://schemas.microsoft.com/office/drawing/2014/main" id="{E8383B85-00BE-4F0D-8606-121986230C70}"/>
+              </a:ext>
+            </a:extLst>
+          </p:cNvPr>
+          <p:cNvSpPr/>
+          <p:nvPr/>
+        </p:nvSpPr>
+        <p:spPr>
+          <a:xfrm>
+            <a:off x="1362075" y="2287368"/>
+            <a:ext cx="1733550" cy="646331"/>
+          </a:xfrm>
+          <a:prstGeom prst="roundRect">
+            <a:avLst/>
+          </a:prstGeom>
+        </p:spPr>
+        <p:style>
+          <a:lnRef idx="2">
+            <a:schemeClr val="accent1">
+              <a:shade val="50000"/>
+            </a:schemeClr>
+          </a:lnRef>
+          <a:fillRef idx="1">
+            <a:schemeClr val="accent1"/>
+          </a:fillRef>
+          <a:effectRef idx="0">
+            <a:schemeClr val="accent1"/>
+          </a:effectRef>
+          <a:fontRef idx="minor">
+            <a:schemeClr val="lt1"/>
+          </a:fontRef>
+        </p:style>
+        <p:txBody>
+          <a:bodyPr rtlCol="0" anchor="ctr"/>
+          <a:lstStyle/>
+          <a:p>
+            <a:pPr algn="ctr"/>
+            <a:r>
+              <a:rPr lang="en-US" dirty="0"/>
+              <a:t>Client</a:t>
+            </a:r>
+          </a:p>
+        </p:txBody>
+      </p:sp>
+      <p:sp>
+        <p:nvSpPr>
+          <p:cNvPr id="5" name="Content Placeholder 4">
+            <a:extLst>
+              <a:ext uri="{FF2B5EF4-FFF2-40B4-BE49-F238E27FC236}">
+                <a16:creationId xmlns:a16="http://schemas.microsoft.com/office/drawing/2014/main" id="{EA6AE321-A5BA-417D-98D0-DC19B4682140}"/>
+              </a:ext>
+            </a:extLst>
+          </p:cNvPr>
+          <p:cNvSpPr>
+            <a:spLocks noGrp="1"/>
+          </p:cNvSpPr>
+          <p:nvPr>
+            <p:ph idx="1"/>
+          </p:nvPr>
+        </p:nvSpPr>
+        <p:spPr>
+          <a:xfrm>
+            <a:off x="4381500" y="1771649"/>
+            <a:ext cx="3019425" cy="1666875"/>
+          </a:xfrm>
+          <a:prstGeom prst="roundRect">
+            <a:avLst/>
+          </a:prstGeom>
+        </p:spPr>
+        <p:style>
+          <a:lnRef idx="2">
+            <a:schemeClr val="accent1">
+              <a:shade val="50000"/>
+            </a:schemeClr>
+          </a:lnRef>
+          <a:fillRef idx="1">
+            <a:schemeClr val="accent1"/>
+          </a:fillRef>
+          <a:effectRef idx="0">
+            <a:schemeClr val="accent1"/>
+          </a:effectRef>
+          <a:fontRef idx="minor">
+            <a:schemeClr val="lt1"/>
+          </a:fontRef>
+        </p:style>
+        <p:txBody>
+          <a:bodyPr rtlCol="0" anchor="ctr"/>
+          <a:lstStyle/>
+          <a:p>
+            <a:pPr marL="0" indent="0">
+              <a:buNone/>
+            </a:pPr>
+            <a:r>
+              <a:rPr lang="en-US" dirty="0"/>
+              <a:t>Server / Application</a:t>
+            </a:r>
+          </a:p>
+        </p:txBody>
+      </p:sp>
+      <p:sp>
+        <p:nvSpPr>
+          <p:cNvPr id="6" name="Flowchart: Magnetic Disk 5">
+            <a:extLst>
+              <a:ext uri="{FF2B5EF4-FFF2-40B4-BE49-F238E27FC236}">
+                <a16:creationId xmlns:a16="http://schemas.microsoft.com/office/drawing/2014/main" id="{360E7C2A-681D-4FDF-A38D-27A1777CF18F}"/>
+              </a:ext>
+            </a:extLst>
+          </p:cNvPr>
+          <p:cNvSpPr/>
+          <p:nvPr/>
+        </p:nvSpPr>
+        <p:spPr>
+          <a:xfrm>
+            <a:off x="10258425" y="1942303"/>
+            <a:ext cx="1095375" cy="1325563"/>
+          </a:xfrm>
+          <a:prstGeom prst="flowChartMagneticDisk">
+            <a:avLst/>
+          </a:prstGeom>
+        </p:spPr>
+        <p:style>
+          <a:lnRef idx="2">
+            <a:schemeClr val="accent1">
+              <a:shade val="50000"/>
+            </a:schemeClr>
+          </a:lnRef>
+          <a:fillRef idx="1">
+            <a:schemeClr val="accent1"/>
+          </a:fillRef>
+          <a:effectRef idx="0">
+            <a:schemeClr val="accent1"/>
+          </a:effectRef>
+          <a:fontRef idx="minor">
+            <a:schemeClr val="lt1"/>
+          </a:fontRef>
+        </p:style>
+        <p:txBody>
+          <a:bodyPr rtlCol="0" anchor="ctr"/>
+          <a:lstStyle/>
+          <a:p>
+            <a:pPr algn="ctr"/>
+            <a:r>
+              <a:rPr lang="en-US" dirty="0"/>
+              <a:t>DB</a:t>
+            </a:r>
+          </a:p>
+        </p:txBody>
+      </p:sp>
+      <p:sp>
+        <p:nvSpPr>
+          <p:cNvPr id="7" name="Rectangle: Rounded Corners 6">
+            <a:extLst>
+              <a:ext uri="{FF2B5EF4-FFF2-40B4-BE49-F238E27FC236}">
+                <a16:creationId xmlns:a16="http://schemas.microsoft.com/office/drawing/2014/main" id="{9A733189-6230-4770-AE94-1634E373E191}"/>
+              </a:ext>
+            </a:extLst>
+          </p:cNvPr>
+          <p:cNvSpPr/>
+          <p:nvPr/>
+        </p:nvSpPr>
+        <p:spPr>
+          <a:xfrm>
+            <a:off x="8012906" y="2152648"/>
+            <a:ext cx="1657350" cy="904875"/>
+          </a:xfrm>
+          <a:prstGeom prst="roundRect">
+            <a:avLst/>
+          </a:prstGeom>
+        </p:spPr>
+        <p:style>
+          <a:lnRef idx="2">
+            <a:schemeClr val="accent1">
+              <a:shade val="50000"/>
+            </a:schemeClr>
+          </a:lnRef>
+          <a:fillRef idx="1">
+            <a:schemeClr val="accent1"/>
+          </a:fillRef>
+          <a:effectRef idx="0">
+            <a:schemeClr val="accent1"/>
+          </a:effectRef>
+          <a:fontRef idx="minor">
+            <a:schemeClr val="lt1"/>
+          </a:fontRef>
+        </p:style>
+        <p:txBody>
+          <a:bodyPr rtlCol="0" anchor="ctr"/>
+          <a:lstStyle/>
+          <a:p>
+            <a:pPr algn="ctr"/>
+            <a:r>
+              <a:rPr lang="en-US" dirty="0"/>
+              <a:t>Cache</a:t>
+            </a:r>
+          </a:p>
+        </p:txBody>
+      </p:sp>
+      <p:cxnSp>
+        <p:nvCxnSpPr>
+          <p:cNvPr id="9" name="Straight Arrow Connector 8">
+            <a:extLst>
+              <a:ext uri="{FF2B5EF4-FFF2-40B4-BE49-F238E27FC236}">
+                <a16:creationId xmlns:a16="http://schemas.microsoft.com/office/drawing/2014/main" id="{F036F3B5-B216-4A82-B14B-2598F7803AC4}"/>
+              </a:ext>
+            </a:extLst>
+          </p:cNvPr>
+          <p:cNvCxnSpPr>
+            <a:cxnSpLocks/>
+            <a:stCxn id="4" idx="3"/>
+            <a:endCxn id="5" idx="1"/>
+          </p:cNvCxnSpPr>
+          <p:nvPr/>
+        </p:nvCxnSpPr>
+        <p:spPr>
+          <a:xfrm flipV="1">
+            <a:off x="3095625" y="2605087"/>
+            <a:ext cx="1285875" cy="5447"/>
+          </a:xfrm>
+          <a:prstGeom prst="straightConnector1">
+            <a:avLst/>
+          </a:prstGeom>
+          <a:ln w="57150">
+            <a:tailEnd type="triangle"/>
+          </a:ln>
+        </p:spPr>
+        <p:style>
+          <a:lnRef idx="1">
+            <a:schemeClr val="accent1"/>
+          </a:lnRef>
+          <a:fillRef idx="0">
+            <a:schemeClr val="accent1"/>
+          </a:fillRef>
+          <a:effectRef idx="0">
+            <a:schemeClr val="accent1"/>
+          </a:effectRef>
+          <a:fontRef idx="minor">
+            <a:schemeClr val="tx1"/>
+          </a:fontRef>
+        </p:style>
+      </p:cxnSp>
+      <p:sp>
+        <p:nvSpPr>
+          <p:cNvPr id="20" name="TextBox 19">
+            <a:extLst>
+              <a:ext uri="{FF2B5EF4-FFF2-40B4-BE49-F238E27FC236}">
+                <a16:creationId xmlns:a16="http://schemas.microsoft.com/office/drawing/2014/main" id="{F4D26ACC-C3C1-4A8F-9407-FD3CD50B14C8}"/>
+              </a:ext>
+            </a:extLst>
+          </p:cNvPr>
+          <p:cNvSpPr txBox="1"/>
+          <p:nvPr/>
+        </p:nvSpPr>
+        <p:spPr>
+          <a:xfrm>
+            <a:off x="523875" y="4271961"/>
+            <a:ext cx="11001375" cy="1754326"/>
+          </a:xfrm>
+          <a:prstGeom prst="rect">
+            <a:avLst/>
+          </a:prstGeom>
+          <a:noFill/>
+        </p:spPr>
+        <p:txBody>
+          <a:bodyPr wrap="square" rtlCol="0">
+            <a:spAutoFit/>
+          </a:bodyPr>
+          <a:lstStyle/>
+          <a:p>
+            <a:pPr marL="285750" indent="-285750">
+              <a:buFont typeface="Arial" panose="020B0604020202020204" pitchFamily="34" charset="0"/>
+              <a:buChar char="•"/>
+            </a:pPr>
+            <a:r>
+              <a:rPr lang="en-US" dirty="0"/>
+              <a:t>Here Cache will reside between Application  and DB</a:t>
+            </a:r>
+          </a:p>
+          <a:p>
+            <a:pPr marL="285750" indent="-285750">
+              <a:buFont typeface="Arial" panose="020B0604020202020204" pitchFamily="34" charset="0"/>
+              <a:buChar char="•"/>
+            </a:pPr>
+            <a:r>
+              <a:rPr lang="en-US" dirty="0"/>
+              <a:t>Here Application will Write through cache will not call </a:t>
+            </a:r>
+            <a:r>
+              <a:rPr lang="en-US" dirty="0" err="1"/>
+              <a:t>db</a:t>
+            </a:r>
+            <a:r>
+              <a:rPr lang="en-US" dirty="0"/>
+              <a:t> directly anytime.</a:t>
+            </a:r>
+          </a:p>
+          <a:p>
+            <a:pPr marL="285750" indent="-285750">
+              <a:buFont typeface="Arial" panose="020B0604020202020204" pitchFamily="34" charset="0"/>
+              <a:buChar char="•"/>
+            </a:pPr>
+            <a:r>
+              <a:rPr lang="en-US" dirty="0"/>
+              <a:t>Here application will wait till we get confirmation of write in both cache and DB.</a:t>
+            </a:r>
+          </a:p>
+          <a:p>
+            <a:pPr marL="285750" indent="-285750">
+              <a:buFont typeface="Arial" panose="020B0604020202020204" pitchFamily="34" charset="0"/>
+              <a:buChar char="•"/>
+            </a:pPr>
+            <a:r>
+              <a:rPr lang="en-US" dirty="0"/>
+              <a:t>Advantage : Every data will be persisted in cache first and then in DB</a:t>
+            </a:r>
+          </a:p>
+          <a:p>
+            <a:pPr marL="285750" indent="-285750">
+              <a:buFont typeface="Arial" panose="020B0604020202020204" pitchFamily="34" charset="0"/>
+              <a:buChar char="•"/>
+            </a:pPr>
+            <a:r>
+              <a:rPr lang="en-US" dirty="0"/>
+              <a:t>Disadvantage : Extra latency  will be added to update records in </a:t>
+            </a:r>
+            <a:r>
+              <a:rPr lang="en-US" dirty="0" err="1"/>
+              <a:t>db</a:t>
+            </a:r>
+            <a:r>
+              <a:rPr lang="en-US" dirty="0"/>
+              <a:t>  as application is not interacting with </a:t>
+            </a:r>
+            <a:r>
+              <a:rPr lang="en-US" dirty="0" err="1"/>
+              <a:t>db</a:t>
+            </a:r>
+            <a:r>
+              <a:rPr lang="en-US" dirty="0"/>
+              <a:t> directly.</a:t>
+            </a:r>
+          </a:p>
+        </p:txBody>
+      </p:sp>
+      <p:cxnSp>
+        <p:nvCxnSpPr>
+          <p:cNvPr id="19" name="Straight Arrow Connector 18">
+            <a:extLst>
+              <a:ext uri="{FF2B5EF4-FFF2-40B4-BE49-F238E27FC236}">
+                <a16:creationId xmlns:a16="http://schemas.microsoft.com/office/drawing/2014/main" id="{D414971D-79C3-4893-87CE-6F8C7994985E}"/>
+              </a:ext>
+            </a:extLst>
+          </p:cNvPr>
+          <p:cNvCxnSpPr>
+            <a:cxnSpLocks/>
+          </p:cNvCxnSpPr>
+          <p:nvPr/>
+        </p:nvCxnSpPr>
+        <p:spPr>
+          <a:xfrm flipV="1">
+            <a:off x="7400925" y="2524124"/>
+            <a:ext cx="611981" cy="1"/>
+          </a:xfrm>
+          <a:prstGeom prst="straightConnector1">
+            <a:avLst/>
+          </a:prstGeom>
+          <a:ln w="57150">
+            <a:tailEnd type="triangle"/>
+          </a:ln>
+        </p:spPr>
+        <p:style>
+          <a:lnRef idx="1">
+            <a:schemeClr val="accent1"/>
+          </a:lnRef>
+          <a:fillRef idx="0">
+            <a:schemeClr val="accent1"/>
+          </a:fillRef>
+          <a:effectRef idx="0">
+            <a:schemeClr val="accent1"/>
+          </a:effectRef>
+          <a:fontRef idx="minor">
+            <a:schemeClr val="tx1"/>
+          </a:fontRef>
+        </p:style>
+      </p:cxnSp>
+      <p:cxnSp>
+        <p:nvCxnSpPr>
+          <p:cNvPr id="23" name="Straight Arrow Connector 22">
+            <a:extLst>
+              <a:ext uri="{FF2B5EF4-FFF2-40B4-BE49-F238E27FC236}">
+                <a16:creationId xmlns:a16="http://schemas.microsoft.com/office/drawing/2014/main" id="{880A5CF1-EBFE-47AD-93C8-C7D113DA50F7}"/>
+              </a:ext>
+            </a:extLst>
+          </p:cNvPr>
+          <p:cNvCxnSpPr>
+            <a:cxnSpLocks/>
+          </p:cNvCxnSpPr>
+          <p:nvPr/>
+        </p:nvCxnSpPr>
+        <p:spPr>
+          <a:xfrm flipV="1">
+            <a:off x="9601200" y="2605085"/>
+            <a:ext cx="611981" cy="1"/>
+          </a:xfrm>
+          <a:prstGeom prst="straightConnector1">
+            <a:avLst/>
+          </a:prstGeom>
+          <a:ln w="57150">
+            <a:tailEnd type="triangle"/>
+          </a:ln>
+        </p:spPr>
+        <p:style>
+          <a:lnRef idx="1">
+            <a:schemeClr val="accent1"/>
+          </a:lnRef>
+          <a:fillRef idx="0">
+            <a:schemeClr val="accent1"/>
+          </a:fillRef>
+          <a:effectRef idx="0">
+            <a:schemeClr val="accent1"/>
+          </a:effectRef>
+          <a:fontRef idx="minor">
+            <a:schemeClr val="tx1"/>
+          </a:fontRef>
+        </p:style>
+      </p:cxnSp>
+      <p:sp>
+        <p:nvSpPr>
+          <p:cNvPr id="11" name="TextBox 10">
+            <a:extLst>
+              <a:ext uri="{FF2B5EF4-FFF2-40B4-BE49-F238E27FC236}">
+                <a16:creationId xmlns:a16="http://schemas.microsoft.com/office/drawing/2014/main" id="{5ED103EC-BEDB-4791-B8B8-223CB38C333B}"/>
+              </a:ext>
+            </a:extLst>
+          </p:cNvPr>
+          <p:cNvSpPr txBox="1"/>
+          <p:nvPr/>
+        </p:nvSpPr>
+        <p:spPr>
+          <a:xfrm>
+            <a:off x="7400925" y="2884526"/>
+            <a:ext cx="942976" cy="369332"/>
+          </a:xfrm>
+          <a:prstGeom prst="rect">
+            <a:avLst/>
+          </a:prstGeom>
+          <a:noFill/>
+        </p:spPr>
+        <p:txBody>
+          <a:bodyPr wrap="square" rtlCol="0">
+            <a:spAutoFit/>
+          </a:bodyPr>
+          <a:lstStyle/>
+          <a:p>
+            <a:r>
+              <a:rPr lang="en-US" dirty="0"/>
+              <a:t>Read</a:t>
+            </a:r>
+          </a:p>
+        </p:txBody>
+      </p:sp>
+      <p:cxnSp>
+        <p:nvCxnSpPr>
+          <p:cNvPr id="12" name="Straight Arrow Connector 11">
+            <a:extLst>
+              <a:ext uri="{FF2B5EF4-FFF2-40B4-BE49-F238E27FC236}">
+                <a16:creationId xmlns:a16="http://schemas.microsoft.com/office/drawing/2014/main" id="{20A66BFA-7C58-494D-B21E-2F0E8A1435B6}"/>
+              </a:ext>
+            </a:extLst>
+          </p:cNvPr>
+          <p:cNvCxnSpPr>
+            <a:cxnSpLocks/>
+          </p:cNvCxnSpPr>
+          <p:nvPr/>
+        </p:nvCxnSpPr>
+        <p:spPr>
+          <a:xfrm flipH="1">
+            <a:off x="7400925" y="2847340"/>
+            <a:ext cx="611981" cy="0"/>
+          </a:xfrm>
+          <a:prstGeom prst="straightConnector1">
+            <a:avLst/>
+          </a:prstGeom>
+          <a:ln w="57150">
+            <a:tailEnd type="triangle"/>
+          </a:ln>
+        </p:spPr>
+        <p:style>
+          <a:lnRef idx="1">
+            <a:schemeClr val="accent1"/>
+          </a:lnRef>
+          <a:fillRef idx="0">
+            <a:schemeClr val="accent1"/>
+          </a:fillRef>
+          <a:effectRef idx="0">
+            <a:schemeClr val="accent1"/>
+          </a:effectRef>
+          <a:fontRef idx="minor">
+            <a:schemeClr val="tx1"/>
+          </a:fontRef>
+        </p:style>
+      </p:cxnSp>
+      <p:sp>
+        <p:nvSpPr>
+          <p:cNvPr id="14" name="TextBox 13">
+            <a:extLst>
+              <a:ext uri="{FF2B5EF4-FFF2-40B4-BE49-F238E27FC236}">
+                <a16:creationId xmlns:a16="http://schemas.microsoft.com/office/drawing/2014/main" id="{480A9F16-2CB0-47D6-BBAB-B512337821EC}"/>
+              </a:ext>
+            </a:extLst>
+          </p:cNvPr>
+          <p:cNvSpPr txBox="1"/>
+          <p:nvPr/>
+        </p:nvSpPr>
+        <p:spPr>
+          <a:xfrm>
+            <a:off x="7400925" y="2102702"/>
+            <a:ext cx="871856" cy="369332"/>
+          </a:xfrm>
+          <a:prstGeom prst="rect">
+            <a:avLst/>
+          </a:prstGeom>
+          <a:noFill/>
+        </p:spPr>
+        <p:txBody>
+          <a:bodyPr wrap="square" rtlCol="0">
+            <a:spAutoFit/>
+          </a:bodyPr>
+          <a:lstStyle/>
+          <a:p>
+            <a:r>
+              <a:rPr lang="en-US" dirty="0"/>
+              <a:t>Write</a:t>
+            </a:r>
+          </a:p>
+        </p:txBody>
+      </p:sp>
+      <p:sp>
+        <p:nvSpPr>
+          <p:cNvPr id="15" name="TextBox 14">
+            <a:extLst>
+              <a:ext uri="{FF2B5EF4-FFF2-40B4-BE49-F238E27FC236}">
+                <a16:creationId xmlns:a16="http://schemas.microsoft.com/office/drawing/2014/main" id="{62F379A3-44F6-437E-A621-1386A5B9B293}"/>
+              </a:ext>
+            </a:extLst>
+          </p:cNvPr>
+          <p:cNvSpPr txBox="1"/>
+          <p:nvPr/>
+        </p:nvSpPr>
+        <p:spPr>
+          <a:xfrm>
+            <a:off x="9601200" y="2189439"/>
+            <a:ext cx="871856" cy="369332"/>
+          </a:xfrm>
+          <a:prstGeom prst="rect">
+            <a:avLst/>
+          </a:prstGeom>
+          <a:noFill/>
+        </p:spPr>
+        <p:txBody>
+          <a:bodyPr wrap="square" rtlCol="0">
+            <a:spAutoFit/>
+          </a:bodyPr>
+          <a:lstStyle/>
+          <a:p>
+            <a:r>
+              <a:rPr lang="en-US" dirty="0"/>
+              <a:t>Write</a:t>
+            </a:r>
+          </a:p>
+        </p:txBody>
+      </p:sp>
+    </p:spTree>
+    <p:extLst>
+      <p:ext uri="{BB962C8B-B14F-4D97-AF65-F5344CB8AC3E}">
+        <p14:creationId xmlns:p14="http://schemas.microsoft.com/office/powerpoint/2010/main" val="1541884393"/>
+      </p:ext>
+    </p:extLst>
+  </p:cSld>
+  <p:clrMapOvr>
+    <a:masterClrMapping/>
+  </p:clrMapOvr>
+</p:sld>
+</file>
+
+<file path=ppt/slides/slide14.xml><?xml version="1.0" encoding="utf-8"?>
+<p:sld xmlns:a="http://schemas.openxmlformats.org/drawingml/2006/main" xmlns:r="http://schemas.openxmlformats.org/officeDocument/2006/relationships" xmlns:p="http://schemas.openxmlformats.org/presentationml/2006/main">
+  <p:cSld>
+    <p:spTree>
+      <p:nvGrpSpPr>
+        <p:cNvPr id="1" name=""/>
+        <p:cNvGrpSpPr/>
+        <p:nvPr/>
+      </p:nvGrpSpPr>
+      <p:grpSpPr>
+        <a:xfrm>
+          <a:off x="0" y="0"/>
+          <a:ext cx="0" cy="0"/>
+          <a:chOff x="0" y="0"/>
+          <a:chExt cx="0" cy="0"/>
+        </a:xfrm>
+      </p:grpSpPr>
+      <p:sp>
+        <p:nvSpPr>
+          <p:cNvPr id="2" name="Title 1">
+            <a:extLst>
+              <a:ext uri="{FF2B5EF4-FFF2-40B4-BE49-F238E27FC236}">
+                <a16:creationId xmlns:a16="http://schemas.microsoft.com/office/drawing/2014/main" id="{4EF8F62C-E012-4E00-A529-5E8CCAD2239E}"/>
+              </a:ext>
+            </a:extLst>
+          </p:cNvPr>
+          <p:cNvSpPr>
+            <a:spLocks noGrp="1"/>
+          </p:cNvSpPr>
+          <p:nvPr>
+            <p:ph type="title"/>
+          </p:nvPr>
+        </p:nvSpPr>
+        <p:spPr/>
+        <p:txBody>
+          <a:bodyPr/>
+          <a:lstStyle/>
+          <a:p>
+            <a:pPr algn="ctr"/>
+            <a:r>
+              <a:rPr lang="en-US" dirty="0">
+                <a:solidFill>
+                  <a:srgbClr val="000000"/>
+                </a:solidFill>
+                <a:latin typeface="Roboto" panose="02000000000000000000" pitchFamily="2" charset="0"/>
+              </a:rPr>
+              <a:t>Write</a:t>
+            </a:r>
+            <a:r>
+              <a:rPr lang="en-US" b="0" i="0" dirty="0">
+                <a:solidFill>
+                  <a:srgbClr val="000000"/>
+                </a:solidFill>
+                <a:effectLst/>
+                <a:latin typeface="Roboto" panose="02000000000000000000" pitchFamily="2" charset="0"/>
+              </a:rPr>
+              <a:t>-Around</a:t>
+            </a:r>
+            <a:endParaRPr lang="en-US" dirty="0"/>
+          </a:p>
+        </p:txBody>
+      </p:sp>
+      <p:sp>
+        <p:nvSpPr>
+          <p:cNvPr id="4" name="Rectangle: Rounded Corners 3">
+            <a:extLst>
+              <a:ext uri="{FF2B5EF4-FFF2-40B4-BE49-F238E27FC236}">
+                <a16:creationId xmlns:a16="http://schemas.microsoft.com/office/drawing/2014/main" id="{E8383B85-00BE-4F0D-8606-121986230C70}"/>
+              </a:ext>
+            </a:extLst>
+          </p:cNvPr>
+          <p:cNvSpPr/>
+          <p:nvPr/>
+        </p:nvSpPr>
+        <p:spPr>
+          <a:xfrm>
+            <a:off x="1362075" y="2287368"/>
+            <a:ext cx="1733550" cy="646331"/>
+          </a:xfrm>
+          <a:prstGeom prst="roundRect">
+            <a:avLst/>
+          </a:prstGeom>
+        </p:spPr>
+        <p:style>
+          <a:lnRef idx="2">
+            <a:schemeClr val="accent1">
+              <a:shade val="50000"/>
+            </a:schemeClr>
+          </a:lnRef>
+          <a:fillRef idx="1">
+            <a:schemeClr val="accent1"/>
+          </a:fillRef>
+          <a:effectRef idx="0">
+            <a:schemeClr val="accent1"/>
+          </a:effectRef>
+          <a:fontRef idx="minor">
+            <a:schemeClr val="lt1"/>
+          </a:fontRef>
+        </p:style>
+        <p:txBody>
+          <a:bodyPr rtlCol="0" anchor="ctr"/>
+          <a:lstStyle/>
+          <a:p>
+            <a:pPr algn="ctr"/>
+            <a:r>
+              <a:rPr lang="en-US" dirty="0"/>
+              <a:t>Client</a:t>
+            </a:r>
+          </a:p>
+        </p:txBody>
+      </p:sp>
+      <p:sp>
+        <p:nvSpPr>
+          <p:cNvPr id="5" name="Content Placeholder 4">
+            <a:extLst>
+              <a:ext uri="{FF2B5EF4-FFF2-40B4-BE49-F238E27FC236}">
+                <a16:creationId xmlns:a16="http://schemas.microsoft.com/office/drawing/2014/main" id="{EA6AE321-A5BA-417D-98D0-DC19B4682140}"/>
+              </a:ext>
+            </a:extLst>
+          </p:cNvPr>
+          <p:cNvSpPr>
+            <a:spLocks noGrp="1"/>
+          </p:cNvSpPr>
+          <p:nvPr>
+            <p:ph idx="1"/>
+          </p:nvPr>
+        </p:nvSpPr>
+        <p:spPr>
+          <a:xfrm>
+            <a:off x="4381500" y="1771649"/>
+            <a:ext cx="3019425" cy="1666875"/>
+          </a:xfrm>
+          <a:prstGeom prst="roundRect">
+            <a:avLst/>
+          </a:prstGeom>
+        </p:spPr>
+        <p:style>
+          <a:lnRef idx="2">
+            <a:schemeClr val="accent1">
+              <a:shade val="50000"/>
+            </a:schemeClr>
+          </a:lnRef>
+          <a:fillRef idx="1">
+            <a:schemeClr val="accent1"/>
+          </a:fillRef>
+          <a:effectRef idx="0">
+            <a:schemeClr val="accent1"/>
+          </a:effectRef>
+          <a:fontRef idx="minor">
+            <a:schemeClr val="lt1"/>
+          </a:fontRef>
+        </p:style>
+        <p:txBody>
+          <a:bodyPr rtlCol="0" anchor="ctr"/>
+          <a:lstStyle/>
+          <a:p>
+            <a:pPr marL="0" indent="0">
+              <a:buNone/>
+            </a:pPr>
+            <a:r>
+              <a:rPr lang="en-US" dirty="0"/>
+              <a:t>Server / Application</a:t>
+            </a:r>
+          </a:p>
+        </p:txBody>
+      </p:sp>
+      <p:sp>
+        <p:nvSpPr>
+          <p:cNvPr id="6" name="Flowchart: Magnetic Disk 5">
+            <a:extLst>
+              <a:ext uri="{FF2B5EF4-FFF2-40B4-BE49-F238E27FC236}">
+                <a16:creationId xmlns:a16="http://schemas.microsoft.com/office/drawing/2014/main" id="{360E7C2A-681D-4FDF-A38D-27A1777CF18F}"/>
+              </a:ext>
+            </a:extLst>
+          </p:cNvPr>
+          <p:cNvSpPr/>
+          <p:nvPr/>
+        </p:nvSpPr>
+        <p:spPr>
+          <a:xfrm>
+            <a:off x="10258425" y="1942303"/>
+            <a:ext cx="1095375" cy="1325563"/>
+          </a:xfrm>
+          <a:prstGeom prst="flowChartMagneticDisk">
+            <a:avLst/>
+          </a:prstGeom>
+        </p:spPr>
+        <p:style>
+          <a:lnRef idx="2">
+            <a:schemeClr val="accent1">
+              <a:shade val="50000"/>
+            </a:schemeClr>
+          </a:lnRef>
+          <a:fillRef idx="1">
+            <a:schemeClr val="accent1"/>
+          </a:fillRef>
+          <a:effectRef idx="0">
+            <a:schemeClr val="accent1"/>
+          </a:effectRef>
+          <a:fontRef idx="minor">
+            <a:schemeClr val="lt1"/>
+          </a:fontRef>
+        </p:style>
+        <p:txBody>
+          <a:bodyPr rtlCol="0" anchor="ctr"/>
+          <a:lstStyle/>
+          <a:p>
+            <a:pPr algn="ctr"/>
+            <a:r>
+              <a:rPr lang="en-US" dirty="0"/>
+              <a:t>DB</a:t>
+            </a:r>
+          </a:p>
+        </p:txBody>
+      </p:sp>
+      <p:sp>
+        <p:nvSpPr>
+          <p:cNvPr id="7" name="Rectangle: Rounded Corners 6">
+            <a:extLst>
+              <a:ext uri="{FF2B5EF4-FFF2-40B4-BE49-F238E27FC236}">
+                <a16:creationId xmlns:a16="http://schemas.microsoft.com/office/drawing/2014/main" id="{9A733189-6230-4770-AE94-1634E373E191}"/>
+              </a:ext>
+            </a:extLst>
+          </p:cNvPr>
+          <p:cNvSpPr/>
+          <p:nvPr/>
+        </p:nvSpPr>
+        <p:spPr>
+          <a:xfrm>
+            <a:off x="8012906" y="2152648"/>
+            <a:ext cx="1657350" cy="904875"/>
+          </a:xfrm>
+          <a:prstGeom prst="roundRect">
+            <a:avLst/>
+          </a:prstGeom>
+        </p:spPr>
+        <p:style>
+          <a:lnRef idx="2">
+            <a:schemeClr val="accent1">
+              <a:shade val="50000"/>
+            </a:schemeClr>
+          </a:lnRef>
+          <a:fillRef idx="1">
+            <a:schemeClr val="accent1"/>
+          </a:fillRef>
+          <a:effectRef idx="0">
+            <a:schemeClr val="accent1"/>
+          </a:effectRef>
+          <a:fontRef idx="minor">
+            <a:schemeClr val="lt1"/>
+          </a:fontRef>
+        </p:style>
+        <p:txBody>
+          <a:bodyPr rtlCol="0" anchor="ctr"/>
+          <a:lstStyle/>
+          <a:p>
+            <a:pPr algn="ctr"/>
+            <a:r>
+              <a:rPr lang="en-US" dirty="0"/>
+              <a:t>Cache</a:t>
+            </a:r>
+          </a:p>
+        </p:txBody>
+      </p:sp>
+      <p:cxnSp>
+        <p:nvCxnSpPr>
+          <p:cNvPr id="9" name="Straight Arrow Connector 8">
+            <a:extLst>
+              <a:ext uri="{FF2B5EF4-FFF2-40B4-BE49-F238E27FC236}">
+                <a16:creationId xmlns:a16="http://schemas.microsoft.com/office/drawing/2014/main" id="{F036F3B5-B216-4A82-B14B-2598F7803AC4}"/>
+              </a:ext>
+            </a:extLst>
+          </p:cNvPr>
+          <p:cNvCxnSpPr>
+            <a:cxnSpLocks/>
+            <a:stCxn id="4" idx="3"/>
+            <a:endCxn id="5" idx="1"/>
+          </p:cNvCxnSpPr>
+          <p:nvPr/>
+        </p:nvCxnSpPr>
+        <p:spPr>
+          <a:xfrm flipV="1">
+            <a:off x="3095625" y="2605087"/>
+            <a:ext cx="1285875" cy="5447"/>
+          </a:xfrm>
+          <a:prstGeom prst="straightConnector1">
+            <a:avLst/>
+          </a:prstGeom>
+          <a:ln w="57150">
+            <a:tailEnd type="triangle"/>
+          </a:ln>
+        </p:spPr>
+        <p:style>
+          <a:lnRef idx="1">
+            <a:schemeClr val="accent1"/>
+          </a:lnRef>
+          <a:fillRef idx="0">
+            <a:schemeClr val="accent1"/>
+          </a:fillRef>
+          <a:effectRef idx="0">
+            <a:schemeClr val="accent1"/>
+          </a:effectRef>
+          <a:fontRef idx="minor">
+            <a:schemeClr val="tx1"/>
+          </a:fontRef>
+        </p:style>
+      </p:cxnSp>
+      <p:sp>
+        <p:nvSpPr>
+          <p:cNvPr id="20" name="TextBox 19">
+            <a:extLst>
+              <a:ext uri="{FF2B5EF4-FFF2-40B4-BE49-F238E27FC236}">
+                <a16:creationId xmlns:a16="http://schemas.microsoft.com/office/drawing/2014/main" id="{F4D26ACC-C3C1-4A8F-9407-FD3CD50B14C8}"/>
+              </a:ext>
+            </a:extLst>
+          </p:cNvPr>
+          <p:cNvSpPr txBox="1"/>
+          <p:nvPr/>
+        </p:nvSpPr>
+        <p:spPr>
+          <a:xfrm>
+            <a:off x="523875" y="4271961"/>
+            <a:ext cx="11001375" cy="1200329"/>
+          </a:xfrm>
+          <a:prstGeom prst="rect">
+            <a:avLst/>
+          </a:prstGeom>
+          <a:noFill/>
+        </p:spPr>
+        <p:txBody>
+          <a:bodyPr wrap="square" rtlCol="0">
+            <a:spAutoFit/>
+          </a:bodyPr>
+          <a:lstStyle/>
+          <a:p>
+            <a:pPr marL="285750" indent="-285750">
+              <a:buFont typeface="Arial" panose="020B0604020202020204" pitchFamily="34" charset="0"/>
+              <a:buChar char="•"/>
+            </a:pPr>
+            <a:r>
+              <a:rPr lang="en-US" dirty="0"/>
+              <a:t>This pattern will be used when application is Write heavy.  Means more write operation and no latency required.</a:t>
+            </a:r>
+          </a:p>
+          <a:p>
+            <a:pPr marL="285750" indent="-285750">
+              <a:buFont typeface="Arial" panose="020B0604020202020204" pitchFamily="34" charset="0"/>
+              <a:buChar char="•"/>
+            </a:pPr>
+            <a:r>
+              <a:rPr lang="en-US" dirty="0"/>
+              <a:t>Here Application will Write to DB. </a:t>
+            </a:r>
+          </a:p>
+          <a:p>
+            <a:pPr marL="285750" indent="-285750">
+              <a:buFont typeface="Arial" panose="020B0604020202020204" pitchFamily="34" charset="0"/>
+              <a:buChar char="•"/>
+            </a:pPr>
+            <a:r>
+              <a:rPr lang="en-US" dirty="0"/>
+              <a:t>And Read through cache</a:t>
+            </a:r>
+          </a:p>
+          <a:p>
+            <a:pPr marL="285750" indent="-285750">
+              <a:buFont typeface="Arial" panose="020B0604020202020204" pitchFamily="34" charset="0"/>
+              <a:buChar char="•"/>
+            </a:pPr>
+            <a:r>
+              <a:rPr lang="en-US" dirty="0"/>
+              <a:t>Advantage : Latency issue in Write-Through will be addressed here . </a:t>
+            </a:r>
+          </a:p>
+        </p:txBody>
+      </p:sp>
+      <p:cxnSp>
+        <p:nvCxnSpPr>
+          <p:cNvPr id="19" name="Straight Arrow Connector 18">
+            <a:extLst>
+              <a:ext uri="{FF2B5EF4-FFF2-40B4-BE49-F238E27FC236}">
+                <a16:creationId xmlns:a16="http://schemas.microsoft.com/office/drawing/2014/main" id="{D414971D-79C3-4893-87CE-6F8C7994985E}"/>
+              </a:ext>
+            </a:extLst>
+          </p:cNvPr>
+          <p:cNvCxnSpPr>
+            <a:cxnSpLocks/>
+            <a:stCxn id="5" idx="3"/>
+            <a:endCxn id="7" idx="1"/>
+          </p:cNvCxnSpPr>
+          <p:nvPr/>
+        </p:nvCxnSpPr>
+        <p:spPr>
+          <a:xfrm flipV="1">
+            <a:off x="7400925" y="2605086"/>
+            <a:ext cx="611981" cy="1"/>
+          </a:xfrm>
+          <a:prstGeom prst="straightConnector1">
+            <a:avLst/>
+          </a:prstGeom>
+          <a:ln w="57150">
+            <a:tailEnd type="triangle"/>
+          </a:ln>
+        </p:spPr>
+        <p:style>
+          <a:lnRef idx="1">
+            <a:schemeClr val="accent1"/>
+          </a:lnRef>
+          <a:fillRef idx="0">
+            <a:schemeClr val="accent1"/>
+          </a:fillRef>
+          <a:effectRef idx="0">
+            <a:schemeClr val="accent1"/>
+          </a:effectRef>
+          <a:fontRef idx="minor">
+            <a:schemeClr val="tx1"/>
+          </a:fontRef>
+        </p:style>
+      </p:cxnSp>
+      <p:cxnSp>
+        <p:nvCxnSpPr>
+          <p:cNvPr id="23" name="Straight Arrow Connector 22">
+            <a:extLst>
+              <a:ext uri="{FF2B5EF4-FFF2-40B4-BE49-F238E27FC236}">
+                <a16:creationId xmlns:a16="http://schemas.microsoft.com/office/drawing/2014/main" id="{880A5CF1-EBFE-47AD-93C8-C7D113DA50F7}"/>
+              </a:ext>
+            </a:extLst>
+          </p:cNvPr>
+          <p:cNvCxnSpPr>
+            <a:cxnSpLocks/>
+          </p:cNvCxnSpPr>
+          <p:nvPr/>
+        </p:nvCxnSpPr>
+        <p:spPr>
+          <a:xfrm flipV="1">
+            <a:off x="9601200" y="2605085"/>
+            <a:ext cx="611981" cy="1"/>
+          </a:xfrm>
+          <a:prstGeom prst="straightConnector1">
+            <a:avLst/>
+          </a:prstGeom>
+          <a:ln w="57150">
+            <a:tailEnd type="triangle"/>
+          </a:ln>
+        </p:spPr>
+        <p:style>
+          <a:lnRef idx="1">
+            <a:schemeClr val="accent1"/>
+          </a:lnRef>
+          <a:fillRef idx="0">
+            <a:schemeClr val="accent1"/>
+          </a:fillRef>
+          <a:effectRef idx="0">
+            <a:schemeClr val="accent1"/>
+          </a:effectRef>
+          <a:fontRef idx="minor">
+            <a:schemeClr val="tx1"/>
+          </a:fontRef>
+        </p:style>
+      </p:cxnSp>
+      <p:sp>
+        <p:nvSpPr>
+          <p:cNvPr id="8" name="TextBox 7">
+            <a:extLst>
+              <a:ext uri="{FF2B5EF4-FFF2-40B4-BE49-F238E27FC236}">
+                <a16:creationId xmlns:a16="http://schemas.microsoft.com/office/drawing/2014/main" id="{C53FD520-9F30-49E4-B8CF-0757D218314D}"/>
+              </a:ext>
+            </a:extLst>
+          </p:cNvPr>
+          <p:cNvSpPr txBox="1"/>
+          <p:nvPr/>
+        </p:nvSpPr>
+        <p:spPr>
+          <a:xfrm>
+            <a:off x="7591425" y="2152648"/>
+            <a:ext cx="304800" cy="371468"/>
+          </a:xfrm>
+          <a:prstGeom prst="rect">
+            <a:avLst/>
+          </a:prstGeom>
+          <a:noFill/>
+        </p:spPr>
+        <p:txBody>
+          <a:bodyPr wrap="square" rtlCol="0">
+            <a:spAutoFit/>
+          </a:bodyPr>
+          <a:lstStyle/>
+          <a:p>
+            <a:r>
+              <a:rPr lang="en-US" b="1" dirty="0">
+                <a:solidFill>
+                  <a:srgbClr val="FF0000"/>
+                </a:solidFill>
+              </a:rPr>
+              <a:t>R</a:t>
+            </a:r>
+          </a:p>
+        </p:txBody>
+      </p:sp>
+      <p:cxnSp>
+        <p:nvCxnSpPr>
+          <p:cNvPr id="11" name="Connector: Elbow 10">
+            <a:extLst>
+              <a:ext uri="{FF2B5EF4-FFF2-40B4-BE49-F238E27FC236}">
+                <a16:creationId xmlns:a16="http://schemas.microsoft.com/office/drawing/2014/main" id="{A890EB49-AE1D-4184-A4C9-BDC4044B29F3}"/>
+              </a:ext>
+            </a:extLst>
+          </p:cNvPr>
+          <p:cNvCxnSpPr>
+            <a:stCxn id="5" idx="2"/>
+            <a:endCxn id="6" idx="3"/>
+          </p:cNvCxnSpPr>
+          <p:nvPr/>
+        </p:nvCxnSpPr>
+        <p:spPr>
+          <a:xfrm rot="5400000" flipH="1" flipV="1">
+            <a:off x="8263334" y="895745"/>
+            <a:ext cx="170658" cy="4914900"/>
+          </a:xfrm>
+          <a:prstGeom prst="bentConnector3">
+            <a:avLst>
+              <a:gd name="adj1" fmla="val -133952"/>
+            </a:avLst>
+          </a:prstGeom>
+          <a:ln w="57150">
+            <a:tailEnd type="triangle"/>
+          </a:ln>
+        </p:spPr>
+        <p:style>
+          <a:lnRef idx="1">
+            <a:schemeClr val="accent1"/>
+          </a:lnRef>
+          <a:fillRef idx="0">
+            <a:schemeClr val="accent1"/>
+          </a:fillRef>
+          <a:effectRef idx="0">
+            <a:schemeClr val="accent1"/>
+          </a:effectRef>
+          <a:fontRef idx="minor">
+            <a:schemeClr val="tx1"/>
+          </a:fontRef>
+        </p:style>
+      </p:cxnSp>
+      <p:sp>
+        <p:nvSpPr>
+          <p:cNvPr id="15" name="TextBox 14">
+            <a:extLst>
+              <a:ext uri="{FF2B5EF4-FFF2-40B4-BE49-F238E27FC236}">
+                <a16:creationId xmlns:a16="http://schemas.microsoft.com/office/drawing/2014/main" id="{5E3033AD-0290-4DE1-947E-8F9409E4FD51}"/>
+              </a:ext>
+            </a:extLst>
+          </p:cNvPr>
+          <p:cNvSpPr txBox="1"/>
+          <p:nvPr/>
+        </p:nvSpPr>
+        <p:spPr>
+          <a:xfrm>
+            <a:off x="9778603" y="2123676"/>
+            <a:ext cx="304800" cy="371468"/>
+          </a:xfrm>
+          <a:prstGeom prst="rect">
+            <a:avLst/>
+          </a:prstGeom>
+          <a:noFill/>
+        </p:spPr>
+        <p:txBody>
+          <a:bodyPr wrap="square" rtlCol="0">
+            <a:spAutoFit/>
+          </a:bodyPr>
+          <a:lstStyle/>
+          <a:p>
+            <a:r>
+              <a:rPr lang="en-US" b="1" dirty="0">
+                <a:solidFill>
+                  <a:srgbClr val="FF0000"/>
+                </a:solidFill>
+              </a:rPr>
+              <a:t>R</a:t>
+            </a:r>
+          </a:p>
+        </p:txBody>
+      </p:sp>
+      <p:sp>
+        <p:nvSpPr>
+          <p:cNvPr id="16" name="TextBox 15">
+            <a:extLst>
+              <a:ext uri="{FF2B5EF4-FFF2-40B4-BE49-F238E27FC236}">
+                <a16:creationId xmlns:a16="http://schemas.microsoft.com/office/drawing/2014/main" id="{6FE10DFB-31DB-4734-9208-53B4D4674738}"/>
+              </a:ext>
+            </a:extLst>
+          </p:cNvPr>
+          <p:cNvSpPr txBox="1"/>
+          <p:nvPr/>
+        </p:nvSpPr>
+        <p:spPr>
+          <a:xfrm>
+            <a:off x="8284964" y="3298040"/>
+            <a:ext cx="304800" cy="371468"/>
+          </a:xfrm>
+          <a:prstGeom prst="rect">
+            <a:avLst/>
+          </a:prstGeom>
+          <a:noFill/>
+        </p:spPr>
+        <p:txBody>
+          <a:bodyPr wrap="square" rtlCol="0">
+            <a:spAutoFit/>
+          </a:bodyPr>
+          <a:lstStyle/>
+          <a:p>
+            <a:r>
+              <a:rPr lang="en-US" b="1" dirty="0">
+                <a:solidFill>
+                  <a:srgbClr val="FF0000"/>
+                </a:solidFill>
+              </a:rPr>
+              <a:t>W</a:t>
+            </a:r>
+          </a:p>
+        </p:txBody>
+      </p:sp>
+    </p:spTree>
+    <p:extLst>
+      <p:ext uri="{BB962C8B-B14F-4D97-AF65-F5344CB8AC3E}">
+        <p14:creationId xmlns:p14="http://schemas.microsoft.com/office/powerpoint/2010/main" val="3652711550"/>
+      </p:ext>
+    </p:extLst>
+  </p:cSld>
+  <p:clrMapOvr>
+    <a:masterClrMapping/>
+  </p:clrMapOvr>
+</p:sld>
+</file>
+
+<file path=ppt/slides/slide15.xml><?xml version="1.0" encoding="utf-8"?>
+<p:sld xmlns:a="http://schemas.openxmlformats.org/drawingml/2006/main" xmlns:r="http://schemas.openxmlformats.org/officeDocument/2006/relationships" xmlns:p="http://schemas.openxmlformats.org/presentationml/2006/main">
+  <p:cSld>
+    <p:spTree>
+      <p:nvGrpSpPr>
+        <p:cNvPr id="1" name=""/>
+        <p:cNvGrpSpPr/>
+        <p:nvPr/>
+      </p:nvGrpSpPr>
+      <p:grpSpPr>
+        <a:xfrm>
+          <a:off x="0" y="0"/>
+          <a:ext cx="0" cy="0"/>
+          <a:chOff x="0" y="0"/>
+          <a:chExt cx="0" cy="0"/>
+        </a:xfrm>
+      </p:grpSpPr>
+      <p:sp>
+        <p:nvSpPr>
+          <p:cNvPr id="2" name="Title 1">
+            <a:extLst>
+              <a:ext uri="{FF2B5EF4-FFF2-40B4-BE49-F238E27FC236}">
+                <a16:creationId xmlns:a16="http://schemas.microsoft.com/office/drawing/2014/main" id="{4EF8F62C-E012-4E00-A529-5E8CCAD2239E}"/>
+              </a:ext>
+            </a:extLst>
+          </p:cNvPr>
+          <p:cNvSpPr>
+            <a:spLocks noGrp="1"/>
+          </p:cNvSpPr>
+          <p:nvPr>
+            <p:ph type="title"/>
+          </p:nvPr>
+        </p:nvSpPr>
+        <p:spPr/>
+        <p:txBody>
+          <a:bodyPr/>
+          <a:lstStyle/>
+          <a:p>
+            <a:pPr algn="ctr"/>
+            <a:r>
+              <a:rPr lang="en-US" dirty="0">
+                <a:solidFill>
+                  <a:srgbClr val="000000"/>
+                </a:solidFill>
+                <a:latin typeface="Roboto" panose="02000000000000000000" pitchFamily="2" charset="0"/>
+              </a:rPr>
+              <a:t>Write</a:t>
+            </a:r>
+            <a:r>
+              <a:rPr lang="en-US" b="0" i="0" dirty="0">
+                <a:solidFill>
+                  <a:srgbClr val="000000"/>
+                </a:solidFill>
+                <a:effectLst/>
+                <a:latin typeface="Roboto" panose="02000000000000000000" pitchFamily="2" charset="0"/>
+              </a:rPr>
+              <a:t>-Back</a:t>
+            </a:r>
+            <a:endParaRPr lang="en-US" dirty="0"/>
+          </a:p>
+        </p:txBody>
+      </p:sp>
+      <p:sp>
+        <p:nvSpPr>
+          <p:cNvPr id="4" name="Rectangle: Rounded Corners 3">
+            <a:extLst>
+              <a:ext uri="{FF2B5EF4-FFF2-40B4-BE49-F238E27FC236}">
+                <a16:creationId xmlns:a16="http://schemas.microsoft.com/office/drawing/2014/main" id="{E8383B85-00BE-4F0D-8606-121986230C70}"/>
+              </a:ext>
+            </a:extLst>
+          </p:cNvPr>
+          <p:cNvSpPr/>
+          <p:nvPr/>
+        </p:nvSpPr>
+        <p:spPr>
+          <a:xfrm>
+            <a:off x="1362075" y="2287368"/>
+            <a:ext cx="1733550" cy="646331"/>
+          </a:xfrm>
+          <a:prstGeom prst="roundRect">
+            <a:avLst/>
+          </a:prstGeom>
+        </p:spPr>
+        <p:style>
+          <a:lnRef idx="2">
+            <a:schemeClr val="accent1">
+              <a:shade val="50000"/>
+            </a:schemeClr>
+          </a:lnRef>
+          <a:fillRef idx="1">
+            <a:schemeClr val="accent1"/>
+          </a:fillRef>
+          <a:effectRef idx="0">
+            <a:schemeClr val="accent1"/>
+          </a:effectRef>
+          <a:fontRef idx="minor">
+            <a:schemeClr val="lt1"/>
+          </a:fontRef>
+        </p:style>
+        <p:txBody>
+          <a:bodyPr rtlCol="0" anchor="ctr"/>
+          <a:lstStyle/>
+          <a:p>
+            <a:pPr algn="ctr"/>
+            <a:r>
+              <a:rPr lang="en-US" dirty="0"/>
+              <a:t>Client</a:t>
+            </a:r>
+          </a:p>
+        </p:txBody>
+      </p:sp>
+      <p:sp>
+        <p:nvSpPr>
+          <p:cNvPr id="5" name="Content Placeholder 4">
+            <a:extLst>
+              <a:ext uri="{FF2B5EF4-FFF2-40B4-BE49-F238E27FC236}">
+                <a16:creationId xmlns:a16="http://schemas.microsoft.com/office/drawing/2014/main" id="{EA6AE321-A5BA-417D-98D0-DC19B4682140}"/>
+              </a:ext>
+            </a:extLst>
+          </p:cNvPr>
+          <p:cNvSpPr>
+            <a:spLocks noGrp="1"/>
+          </p:cNvSpPr>
+          <p:nvPr>
+            <p:ph idx="1"/>
+          </p:nvPr>
+        </p:nvSpPr>
+        <p:spPr>
+          <a:xfrm>
+            <a:off x="4381500" y="1771649"/>
+            <a:ext cx="3019425" cy="1666875"/>
+          </a:xfrm>
+          <a:prstGeom prst="roundRect">
+            <a:avLst/>
+          </a:prstGeom>
+        </p:spPr>
+        <p:style>
+          <a:lnRef idx="2">
+            <a:schemeClr val="accent1">
+              <a:shade val="50000"/>
+            </a:schemeClr>
+          </a:lnRef>
+          <a:fillRef idx="1">
+            <a:schemeClr val="accent1"/>
+          </a:fillRef>
+          <a:effectRef idx="0">
+            <a:schemeClr val="accent1"/>
+          </a:effectRef>
+          <a:fontRef idx="minor">
+            <a:schemeClr val="lt1"/>
+          </a:fontRef>
+        </p:style>
+        <p:txBody>
+          <a:bodyPr rtlCol="0" anchor="ctr"/>
+          <a:lstStyle/>
+          <a:p>
+            <a:pPr marL="0" indent="0">
+              <a:buNone/>
+            </a:pPr>
+            <a:r>
+              <a:rPr lang="en-US" dirty="0"/>
+              <a:t>Server / Application</a:t>
+            </a:r>
+          </a:p>
+        </p:txBody>
+      </p:sp>
+      <p:sp>
+        <p:nvSpPr>
+          <p:cNvPr id="6" name="Flowchart: Magnetic Disk 5">
+            <a:extLst>
+              <a:ext uri="{FF2B5EF4-FFF2-40B4-BE49-F238E27FC236}">
+                <a16:creationId xmlns:a16="http://schemas.microsoft.com/office/drawing/2014/main" id="{360E7C2A-681D-4FDF-A38D-27A1777CF18F}"/>
+              </a:ext>
+            </a:extLst>
+          </p:cNvPr>
+          <p:cNvSpPr/>
+          <p:nvPr/>
+        </p:nvSpPr>
+        <p:spPr>
+          <a:xfrm>
+            <a:off x="10258425" y="1942303"/>
+            <a:ext cx="1095375" cy="1325563"/>
+          </a:xfrm>
+          <a:prstGeom prst="flowChartMagneticDisk">
+            <a:avLst/>
+          </a:prstGeom>
+        </p:spPr>
+        <p:style>
+          <a:lnRef idx="2">
+            <a:schemeClr val="accent1">
+              <a:shade val="50000"/>
+            </a:schemeClr>
+          </a:lnRef>
+          <a:fillRef idx="1">
+            <a:schemeClr val="accent1"/>
+          </a:fillRef>
+          <a:effectRef idx="0">
+            <a:schemeClr val="accent1"/>
+          </a:effectRef>
+          <a:fontRef idx="minor">
+            <a:schemeClr val="lt1"/>
+          </a:fontRef>
+        </p:style>
+        <p:txBody>
+          <a:bodyPr rtlCol="0" anchor="ctr"/>
+          <a:lstStyle/>
+          <a:p>
+            <a:pPr algn="ctr"/>
+            <a:r>
+              <a:rPr lang="en-US" dirty="0"/>
+              <a:t>DB</a:t>
+            </a:r>
+          </a:p>
+        </p:txBody>
+      </p:sp>
+      <p:sp>
+        <p:nvSpPr>
+          <p:cNvPr id="7" name="Rectangle: Rounded Corners 6">
+            <a:extLst>
+              <a:ext uri="{FF2B5EF4-FFF2-40B4-BE49-F238E27FC236}">
+                <a16:creationId xmlns:a16="http://schemas.microsoft.com/office/drawing/2014/main" id="{9A733189-6230-4770-AE94-1634E373E191}"/>
+              </a:ext>
+            </a:extLst>
+          </p:cNvPr>
+          <p:cNvSpPr/>
+          <p:nvPr/>
+        </p:nvSpPr>
+        <p:spPr>
+          <a:xfrm>
+            <a:off x="8012906" y="2152648"/>
+            <a:ext cx="1657350" cy="904875"/>
+          </a:xfrm>
+          <a:prstGeom prst="roundRect">
+            <a:avLst/>
+          </a:prstGeom>
+        </p:spPr>
+        <p:style>
+          <a:lnRef idx="2">
+            <a:schemeClr val="accent1">
+              <a:shade val="50000"/>
+            </a:schemeClr>
+          </a:lnRef>
+          <a:fillRef idx="1">
+            <a:schemeClr val="accent1"/>
+          </a:fillRef>
+          <a:effectRef idx="0">
+            <a:schemeClr val="accent1"/>
+          </a:effectRef>
+          <a:fontRef idx="minor">
+            <a:schemeClr val="lt1"/>
+          </a:fontRef>
+        </p:style>
+        <p:txBody>
+          <a:bodyPr rtlCol="0" anchor="ctr"/>
+          <a:lstStyle/>
+          <a:p>
+            <a:pPr algn="ctr"/>
+            <a:r>
+              <a:rPr lang="en-US" dirty="0"/>
+              <a:t>Cache</a:t>
+            </a:r>
+          </a:p>
+        </p:txBody>
+      </p:sp>
+      <p:cxnSp>
+        <p:nvCxnSpPr>
+          <p:cNvPr id="9" name="Straight Arrow Connector 8">
+            <a:extLst>
+              <a:ext uri="{FF2B5EF4-FFF2-40B4-BE49-F238E27FC236}">
+                <a16:creationId xmlns:a16="http://schemas.microsoft.com/office/drawing/2014/main" id="{F036F3B5-B216-4A82-B14B-2598F7803AC4}"/>
+              </a:ext>
+            </a:extLst>
+          </p:cNvPr>
+          <p:cNvCxnSpPr>
+            <a:cxnSpLocks/>
+            <a:stCxn id="4" idx="3"/>
+            <a:endCxn id="5" idx="1"/>
+          </p:cNvCxnSpPr>
+          <p:nvPr/>
+        </p:nvCxnSpPr>
+        <p:spPr>
+          <a:xfrm flipV="1">
+            <a:off x="3095625" y="2605087"/>
+            <a:ext cx="1285875" cy="5447"/>
+          </a:xfrm>
+          <a:prstGeom prst="straightConnector1">
+            <a:avLst/>
+          </a:prstGeom>
+          <a:ln w="57150">
+            <a:tailEnd type="triangle"/>
+          </a:ln>
+        </p:spPr>
+        <p:style>
+          <a:lnRef idx="1">
+            <a:schemeClr val="accent1"/>
+          </a:lnRef>
+          <a:fillRef idx="0">
+            <a:schemeClr val="accent1"/>
+          </a:fillRef>
+          <a:effectRef idx="0">
+            <a:schemeClr val="accent1"/>
+          </a:effectRef>
+          <a:fontRef idx="minor">
+            <a:schemeClr val="tx1"/>
+          </a:fontRef>
+        </p:style>
+      </p:cxnSp>
+      <p:sp>
+        <p:nvSpPr>
+          <p:cNvPr id="20" name="TextBox 19">
+            <a:extLst>
+              <a:ext uri="{FF2B5EF4-FFF2-40B4-BE49-F238E27FC236}">
+                <a16:creationId xmlns:a16="http://schemas.microsoft.com/office/drawing/2014/main" id="{F4D26ACC-C3C1-4A8F-9407-FD3CD50B14C8}"/>
+              </a:ext>
+            </a:extLst>
+          </p:cNvPr>
+          <p:cNvSpPr txBox="1"/>
+          <p:nvPr/>
+        </p:nvSpPr>
+        <p:spPr>
+          <a:xfrm>
+            <a:off x="513715" y="4247467"/>
+            <a:ext cx="11001375" cy="2308324"/>
+          </a:xfrm>
+          <a:prstGeom prst="rect">
+            <a:avLst/>
+          </a:prstGeom>
+          <a:noFill/>
+        </p:spPr>
+        <p:txBody>
+          <a:bodyPr wrap="square" rtlCol="0">
+            <a:spAutoFit/>
+          </a:bodyPr>
+          <a:lstStyle/>
+          <a:p>
+            <a:pPr marL="285750" indent="-285750">
+              <a:buFont typeface="Arial" panose="020B0604020202020204" pitchFamily="34" charset="0"/>
+              <a:buChar char="•"/>
+            </a:pPr>
+            <a:r>
+              <a:rPr lang="en-US" dirty="0"/>
+              <a:t>Useful for write heavy workloads. </a:t>
+            </a:r>
+          </a:p>
+          <a:p>
+            <a:pPr marL="285750" indent="-285750">
+              <a:buFont typeface="Arial" panose="020B0604020202020204" pitchFamily="34" charset="0"/>
+              <a:buChar char="•"/>
+            </a:pPr>
+            <a:r>
+              <a:rPr lang="en-US" dirty="0"/>
+              <a:t>Here cache will write the data in bulk to datastore.</a:t>
+            </a:r>
+          </a:p>
+          <a:p>
+            <a:pPr marL="285750" indent="-285750">
+              <a:buFont typeface="Arial" panose="020B0604020202020204" pitchFamily="34" charset="0"/>
+              <a:buChar char="•"/>
+            </a:pPr>
+            <a:r>
+              <a:rPr lang="en-US" dirty="0"/>
+              <a:t>Database failure can be sustained for the time cache hold data.</a:t>
+            </a:r>
+          </a:p>
+          <a:p>
+            <a:pPr marL="285750" indent="-285750">
+              <a:buFont typeface="Arial" panose="020B0604020202020204" pitchFamily="34" charset="0"/>
+              <a:buChar char="•"/>
+            </a:pPr>
+            <a:r>
+              <a:rPr lang="en-US" dirty="0"/>
+              <a:t>Used By various DB implementations</a:t>
+            </a:r>
+          </a:p>
+          <a:p>
+            <a:pPr marL="285750" indent="-285750">
+              <a:buFont typeface="Arial" panose="020B0604020202020204" pitchFamily="34" charset="0"/>
+              <a:buChar char="•"/>
+            </a:pPr>
+            <a:r>
+              <a:rPr lang="en-US" dirty="0"/>
+              <a:t>Disadvantage</a:t>
+            </a:r>
+            <a:r>
+              <a:rPr lang="en-US" dirty="0">
+                <a:solidFill>
+                  <a:srgbClr val="FF0000"/>
+                </a:solidFill>
+              </a:rPr>
+              <a:t> : Cache failure result in system failure</a:t>
+            </a:r>
+            <a:r>
+              <a:rPr lang="en-US" dirty="0"/>
+              <a:t> </a:t>
+            </a:r>
+          </a:p>
+          <a:p>
+            <a:pPr marL="285750" indent="-285750">
+              <a:buFont typeface="Arial" panose="020B0604020202020204" pitchFamily="34" charset="0"/>
+              <a:buChar char="•"/>
+            </a:pPr>
+            <a:endParaRPr lang="en-US" dirty="0"/>
+          </a:p>
+          <a:p>
+            <a:pPr marL="285750" indent="-285750">
+              <a:buFont typeface="Arial" panose="020B0604020202020204" pitchFamily="34" charset="0"/>
+              <a:buChar char="•"/>
+            </a:pPr>
+            <a:endParaRPr lang="en-US" dirty="0"/>
+          </a:p>
+          <a:p>
+            <a:pPr marL="285750" indent="-285750">
+              <a:buFont typeface="Arial" panose="020B0604020202020204" pitchFamily="34" charset="0"/>
+              <a:buChar char="•"/>
+            </a:pPr>
+            <a:endParaRPr lang="en-US" dirty="0"/>
+          </a:p>
+        </p:txBody>
+      </p:sp>
+      <p:cxnSp>
+        <p:nvCxnSpPr>
+          <p:cNvPr id="19" name="Straight Arrow Connector 18">
+            <a:extLst>
+              <a:ext uri="{FF2B5EF4-FFF2-40B4-BE49-F238E27FC236}">
+                <a16:creationId xmlns:a16="http://schemas.microsoft.com/office/drawing/2014/main" id="{D414971D-79C3-4893-87CE-6F8C7994985E}"/>
+              </a:ext>
+            </a:extLst>
+          </p:cNvPr>
+          <p:cNvCxnSpPr>
+            <a:cxnSpLocks/>
+          </p:cNvCxnSpPr>
+          <p:nvPr/>
+        </p:nvCxnSpPr>
+        <p:spPr>
+          <a:xfrm flipV="1">
+            <a:off x="7377707" y="2482091"/>
+            <a:ext cx="611981" cy="1"/>
+          </a:xfrm>
+          <a:prstGeom prst="straightConnector1">
+            <a:avLst/>
+          </a:prstGeom>
+          <a:ln w="57150">
+            <a:tailEnd type="triangle"/>
+          </a:ln>
+        </p:spPr>
+        <p:style>
+          <a:lnRef idx="1">
+            <a:schemeClr val="accent1"/>
+          </a:lnRef>
+          <a:fillRef idx="0">
+            <a:schemeClr val="accent1"/>
+          </a:fillRef>
+          <a:effectRef idx="0">
+            <a:schemeClr val="accent1"/>
+          </a:effectRef>
+          <a:fontRef idx="minor">
+            <a:schemeClr val="tx1"/>
+          </a:fontRef>
+        </p:style>
+      </p:cxnSp>
+      <p:cxnSp>
+        <p:nvCxnSpPr>
+          <p:cNvPr id="23" name="Straight Arrow Connector 22">
+            <a:extLst>
+              <a:ext uri="{FF2B5EF4-FFF2-40B4-BE49-F238E27FC236}">
+                <a16:creationId xmlns:a16="http://schemas.microsoft.com/office/drawing/2014/main" id="{880A5CF1-EBFE-47AD-93C8-C7D113DA50F7}"/>
+              </a:ext>
+            </a:extLst>
+          </p:cNvPr>
+          <p:cNvCxnSpPr>
+            <a:cxnSpLocks/>
+          </p:cNvCxnSpPr>
+          <p:nvPr/>
+        </p:nvCxnSpPr>
+        <p:spPr>
+          <a:xfrm flipV="1">
+            <a:off x="9600009" y="2236568"/>
+            <a:ext cx="754379" cy="20060"/>
+          </a:xfrm>
+          <a:prstGeom prst="straightConnector1">
+            <a:avLst/>
+          </a:prstGeom>
+          <a:ln w="57150">
+            <a:tailEnd type="triangle"/>
+          </a:ln>
+        </p:spPr>
+        <p:style>
+          <a:lnRef idx="1">
+            <a:schemeClr val="accent1"/>
+          </a:lnRef>
+          <a:fillRef idx="0">
+            <a:schemeClr val="accent1"/>
+          </a:fillRef>
+          <a:effectRef idx="0">
+            <a:schemeClr val="accent1"/>
+          </a:effectRef>
+          <a:fontRef idx="minor">
+            <a:schemeClr val="tx1"/>
+          </a:fontRef>
+        </p:style>
+      </p:cxnSp>
+      <p:cxnSp>
+        <p:nvCxnSpPr>
+          <p:cNvPr id="11" name="Straight Arrow Connector 10">
+            <a:extLst>
+              <a:ext uri="{FF2B5EF4-FFF2-40B4-BE49-F238E27FC236}">
+                <a16:creationId xmlns:a16="http://schemas.microsoft.com/office/drawing/2014/main" id="{8062476F-ACE0-4329-B94B-41B106F6D967}"/>
+              </a:ext>
+            </a:extLst>
+          </p:cNvPr>
+          <p:cNvCxnSpPr>
+            <a:cxnSpLocks/>
+          </p:cNvCxnSpPr>
+          <p:nvPr/>
+        </p:nvCxnSpPr>
+        <p:spPr>
+          <a:xfrm flipV="1">
+            <a:off x="9630965" y="2472768"/>
+            <a:ext cx="723423" cy="29529"/>
+          </a:xfrm>
+          <a:prstGeom prst="straightConnector1">
+            <a:avLst/>
+          </a:prstGeom>
+          <a:ln w="57150">
+            <a:tailEnd type="triangle"/>
+          </a:ln>
+        </p:spPr>
+        <p:style>
+          <a:lnRef idx="1">
+            <a:schemeClr val="accent1"/>
+          </a:lnRef>
+          <a:fillRef idx="0">
+            <a:schemeClr val="accent1"/>
+          </a:fillRef>
+          <a:effectRef idx="0">
+            <a:schemeClr val="accent1"/>
+          </a:effectRef>
+          <a:fontRef idx="minor">
+            <a:schemeClr val="tx1"/>
+          </a:fontRef>
+        </p:style>
+      </p:cxnSp>
+      <p:cxnSp>
+        <p:nvCxnSpPr>
+          <p:cNvPr id="12" name="Straight Arrow Connector 11">
+            <a:extLst>
+              <a:ext uri="{FF2B5EF4-FFF2-40B4-BE49-F238E27FC236}">
+                <a16:creationId xmlns:a16="http://schemas.microsoft.com/office/drawing/2014/main" id="{6352F866-37C4-479B-B29E-D7C2CD9930B6}"/>
+              </a:ext>
+            </a:extLst>
+          </p:cNvPr>
+          <p:cNvCxnSpPr>
+            <a:cxnSpLocks/>
+          </p:cNvCxnSpPr>
+          <p:nvPr/>
+        </p:nvCxnSpPr>
+        <p:spPr>
+          <a:xfrm>
+            <a:off x="9658350" y="2747964"/>
+            <a:ext cx="696038" cy="5948"/>
+          </a:xfrm>
+          <a:prstGeom prst="straightConnector1">
+            <a:avLst/>
+          </a:prstGeom>
+          <a:ln w="57150">
+            <a:tailEnd type="triangle"/>
+          </a:ln>
+        </p:spPr>
+        <p:style>
+          <a:lnRef idx="1">
+            <a:schemeClr val="accent1"/>
+          </a:lnRef>
+          <a:fillRef idx="0">
+            <a:schemeClr val="accent1"/>
+          </a:fillRef>
+          <a:effectRef idx="0">
+            <a:schemeClr val="accent1"/>
+          </a:effectRef>
+          <a:fontRef idx="minor">
+            <a:schemeClr val="tx1"/>
+          </a:fontRef>
+        </p:style>
+      </p:cxnSp>
+      <p:cxnSp>
+        <p:nvCxnSpPr>
+          <p:cNvPr id="13" name="Straight Arrow Connector 12">
+            <a:extLst>
+              <a:ext uri="{FF2B5EF4-FFF2-40B4-BE49-F238E27FC236}">
+                <a16:creationId xmlns:a16="http://schemas.microsoft.com/office/drawing/2014/main" id="{5E2F8E6B-F8B0-4F0E-B3F8-E780FB3D4DB8}"/>
+              </a:ext>
+            </a:extLst>
+          </p:cNvPr>
+          <p:cNvCxnSpPr>
+            <a:cxnSpLocks/>
+          </p:cNvCxnSpPr>
+          <p:nvPr/>
+        </p:nvCxnSpPr>
+        <p:spPr>
+          <a:xfrm flipV="1">
+            <a:off x="9622631" y="2963071"/>
+            <a:ext cx="731757" cy="1"/>
+          </a:xfrm>
+          <a:prstGeom prst="straightConnector1">
+            <a:avLst/>
+          </a:prstGeom>
+          <a:ln w="57150">
+            <a:tailEnd type="triangle"/>
+          </a:ln>
+        </p:spPr>
+        <p:style>
+          <a:lnRef idx="1">
+            <a:schemeClr val="accent1"/>
+          </a:lnRef>
+          <a:fillRef idx="0">
+            <a:schemeClr val="accent1"/>
+          </a:fillRef>
+          <a:effectRef idx="0">
+            <a:schemeClr val="accent1"/>
+          </a:effectRef>
+          <a:fontRef idx="minor">
+            <a:schemeClr val="tx1"/>
+          </a:fontRef>
+        </p:style>
+      </p:cxnSp>
+      <p:sp>
+        <p:nvSpPr>
+          <p:cNvPr id="15" name="TextBox 14">
+            <a:extLst>
+              <a:ext uri="{FF2B5EF4-FFF2-40B4-BE49-F238E27FC236}">
+                <a16:creationId xmlns:a16="http://schemas.microsoft.com/office/drawing/2014/main" id="{6406D145-234D-48F4-BBB6-7B92D5C6F9B5}"/>
+              </a:ext>
+            </a:extLst>
+          </p:cNvPr>
+          <p:cNvSpPr txBox="1"/>
+          <p:nvPr/>
+        </p:nvSpPr>
+        <p:spPr>
+          <a:xfrm>
+            <a:off x="7390604" y="2802076"/>
+            <a:ext cx="942976" cy="369332"/>
+          </a:xfrm>
+          <a:prstGeom prst="rect">
+            <a:avLst/>
+          </a:prstGeom>
+          <a:noFill/>
+        </p:spPr>
+        <p:txBody>
+          <a:bodyPr wrap="square" rtlCol="0">
+            <a:spAutoFit/>
+          </a:bodyPr>
+          <a:lstStyle/>
+          <a:p>
+            <a:r>
+              <a:rPr lang="en-US" dirty="0"/>
+              <a:t>Read</a:t>
+            </a:r>
+          </a:p>
+        </p:txBody>
+      </p:sp>
+      <p:cxnSp>
+        <p:nvCxnSpPr>
+          <p:cNvPr id="16" name="Straight Arrow Connector 15">
+            <a:extLst>
+              <a:ext uri="{FF2B5EF4-FFF2-40B4-BE49-F238E27FC236}">
+                <a16:creationId xmlns:a16="http://schemas.microsoft.com/office/drawing/2014/main" id="{2BB20EC3-1BDC-4D00-8335-1E23D6235FB7}"/>
+              </a:ext>
+            </a:extLst>
+          </p:cNvPr>
+          <p:cNvCxnSpPr>
+            <a:cxnSpLocks/>
+          </p:cNvCxnSpPr>
+          <p:nvPr/>
+        </p:nvCxnSpPr>
+        <p:spPr>
+          <a:xfrm flipH="1">
+            <a:off x="7377707" y="2709862"/>
+            <a:ext cx="611981" cy="0"/>
+          </a:xfrm>
+          <a:prstGeom prst="straightConnector1">
+            <a:avLst/>
+          </a:prstGeom>
+          <a:ln w="57150">
+            <a:tailEnd type="triangle"/>
+          </a:ln>
+        </p:spPr>
+        <p:style>
+          <a:lnRef idx="1">
+            <a:schemeClr val="accent1"/>
+          </a:lnRef>
+          <a:fillRef idx="0">
+            <a:schemeClr val="accent1"/>
+          </a:fillRef>
+          <a:effectRef idx="0">
+            <a:schemeClr val="accent1"/>
+          </a:effectRef>
+          <a:fontRef idx="minor">
+            <a:schemeClr val="tx1"/>
+          </a:fontRef>
+        </p:style>
+      </p:cxnSp>
+      <p:sp>
+        <p:nvSpPr>
+          <p:cNvPr id="17" name="TextBox 16">
+            <a:extLst>
+              <a:ext uri="{FF2B5EF4-FFF2-40B4-BE49-F238E27FC236}">
+                <a16:creationId xmlns:a16="http://schemas.microsoft.com/office/drawing/2014/main" id="{95B158BB-40C8-4FC9-9384-3B073839F890}"/>
+              </a:ext>
+            </a:extLst>
+          </p:cNvPr>
+          <p:cNvSpPr txBox="1"/>
+          <p:nvPr/>
+        </p:nvSpPr>
+        <p:spPr>
+          <a:xfrm>
+            <a:off x="7334963" y="2051681"/>
+            <a:ext cx="871856" cy="369332"/>
+          </a:xfrm>
+          <a:prstGeom prst="rect">
+            <a:avLst/>
+          </a:prstGeom>
+          <a:noFill/>
+        </p:spPr>
+        <p:txBody>
+          <a:bodyPr wrap="square" rtlCol="0">
+            <a:spAutoFit/>
+          </a:bodyPr>
+          <a:lstStyle/>
+          <a:p>
+            <a:r>
+              <a:rPr lang="en-US" dirty="0"/>
+              <a:t>Write</a:t>
+            </a:r>
+          </a:p>
+        </p:txBody>
+      </p:sp>
+      <p:sp>
+        <p:nvSpPr>
+          <p:cNvPr id="18" name="TextBox 17">
+            <a:extLst>
+              <a:ext uri="{FF2B5EF4-FFF2-40B4-BE49-F238E27FC236}">
+                <a16:creationId xmlns:a16="http://schemas.microsoft.com/office/drawing/2014/main" id="{0617578C-1288-4CEC-89F8-79B35A7983B0}"/>
+              </a:ext>
+            </a:extLst>
+          </p:cNvPr>
+          <p:cNvSpPr txBox="1"/>
+          <p:nvPr/>
+        </p:nvSpPr>
+        <p:spPr>
+          <a:xfrm>
+            <a:off x="9330212" y="1069740"/>
+            <a:ext cx="1347948" cy="923330"/>
+          </a:xfrm>
+          <a:prstGeom prst="rect">
+            <a:avLst/>
+          </a:prstGeom>
+          <a:noFill/>
+        </p:spPr>
+        <p:txBody>
+          <a:bodyPr wrap="square" rtlCol="0">
+            <a:spAutoFit/>
+          </a:bodyPr>
+          <a:lstStyle/>
+          <a:p>
+            <a:r>
+              <a:rPr lang="en-US" dirty="0"/>
+              <a:t>Caching writes in bulk in DB</a:t>
+            </a:r>
+          </a:p>
+        </p:txBody>
+      </p:sp>
+    </p:spTree>
+    <p:extLst>
+      <p:ext uri="{BB962C8B-B14F-4D97-AF65-F5344CB8AC3E}">
+        <p14:creationId xmlns:p14="http://schemas.microsoft.com/office/powerpoint/2010/main" val="1920778943"/>
+      </p:ext>
+    </p:extLst>
+  </p:cSld>
+  <p:clrMapOvr>
+    <a:masterClrMapping/>
+  </p:clrMapOvr>
+</p:sld>
+</file>
+
+<file path=ppt/slides/slide16.xml><?xml version="1.0" encoding="utf-8"?>
+<p:sld xmlns:a="http://schemas.openxmlformats.org/drawingml/2006/main" xmlns:r="http://schemas.openxmlformats.org/officeDocument/2006/relationships" xmlns:p="http://schemas.openxmlformats.org/presentationml/2006/main">
+  <p:cSld>
+    <p:spTree>
+      <p:nvGrpSpPr>
+        <p:cNvPr id="1" name=""/>
+        <p:cNvGrpSpPr/>
+        <p:nvPr/>
+      </p:nvGrpSpPr>
+      <p:grpSpPr>
+        <a:xfrm>
+          <a:off x="0" y="0"/>
+          <a:ext cx="0" cy="0"/>
+          <a:chOff x="0" y="0"/>
+          <a:chExt cx="0" cy="0"/>
+        </a:xfrm>
+      </p:grpSpPr>
+      <p:pic>
+        <p:nvPicPr>
+          <p:cNvPr id="15" name="Picture 14">
+            <a:extLst>
+              <a:ext uri="{FF2B5EF4-FFF2-40B4-BE49-F238E27FC236}">
+                <a16:creationId xmlns:a16="http://schemas.microsoft.com/office/drawing/2014/main" id="{E273E1E7-1488-4496-9A96-32F3A61CB603}"/>
+              </a:ext>
+            </a:extLst>
+          </p:cNvPr>
+          <p:cNvPicPr>
+            <a:picLocks noChangeAspect="1"/>
+          </p:cNvPicPr>
+          <p:nvPr/>
+        </p:nvPicPr>
+        <p:blipFill>
+          <a:blip r:embed="rId2"/>
+          <a:stretch>
+            <a:fillRect/>
+          </a:stretch>
+        </p:blipFill>
+        <p:spPr>
+          <a:xfrm>
+            <a:off x="0" y="19755"/>
+            <a:ext cx="12192000" cy="6818489"/>
+          </a:xfrm>
+          <a:prstGeom prst="rect">
+            <a:avLst/>
+          </a:prstGeom>
+        </p:spPr>
+      </p:pic>
+    </p:spTree>
+    <p:extLst>
+      <p:ext uri="{BB962C8B-B14F-4D97-AF65-F5344CB8AC3E}">
+        <p14:creationId xmlns:p14="http://schemas.microsoft.com/office/powerpoint/2010/main" val="513496742"/>
+      </p:ext>
+    </p:extLst>
+  </p:cSld>
+  <p:clrMapOvr>
+    <a:masterClrMapping/>
+  </p:clrMapOvr>
+</p:sld>
+</file>
+
+<file path=ppt/slides/slide17.xml><?xml version="1.0" encoding="utf-8"?>
+<p:sld xmlns:a="http://schemas.openxmlformats.org/drawingml/2006/main" xmlns:r="http://schemas.openxmlformats.org/officeDocument/2006/relationships" xmlns:p="http://schemas.openxmlformats.org/presentationml/2006/main">
+  <p:cSld>
+    <p:spTree>
+      <p:nvGrpSpPr>
+        <p:cNvPr id="1" name=""/>
+        <p:cNvGrpSpPr/>
+        <p:nvPr/>
+      </p:nvGrpSpPr>
+      <p:grpSpPr>
+        <a:xfrm>
+          <a:off x="0" y="0"/>
+          <a:ext cx="0" cy="0"/>
+          <a:chOff x="0" y="0"/>
+          <a:chExt cx="0" cy="0"/>
+        </a:xfrm>
+      </p:grpSpPr>
+      <p:sp>
+        <p:nvSpPr>
+          <p:cNvPr id="2" name="Title 1">
+            <a:extLst>
+              <a:ext uri="{FF2B5EF4-FFF2-40B4-BE49-F238E27FC236}">
+                <a16:creationId xmlns:a16="http://schemas.microsoft.com/office/drawing/2014/main" id="{9F131250-9AF2-4240-AB6D-819409070267}"/>
+              </a:ext>
+            </a:extLst>
+          </p:cNvPr>
+          <p:cNvSpPr>
+            <a:spLocks noGrp="1"/>
+          </p:cNvSpPr>
+          <p:nvPr>
+            <p:ph type="title"/>
+          </p:nvPr>
+        </p:nvSpPr>
+        <p:spPr/>
+        <p:txBody>
+          <a:bodyPr/>
+          <a:lstStyle/>
+          <a:p>
+            <a:r>
+              <a:rPr lang="en-US" dirty="0"/>
+              <a:t>Important Links : </a:t>
+            </a:r>
+          </a:p>
+        </p:txBody>
+      </p:sp>
+      <p:sp>
+        <p:nvSpPr>
+          <p:cNvPr id="3" name="Content Placeholder 2">
+            <a:extLst>
+              <a:ext uri="{FF2B5EF4-FFF2-40B4-BE49-F238E27FC236}">
+                <a16:creationId xmlns:a16="http://schemas.microsoft.com/office/drawing/2014/main" id="{E01F6D73-3790-4789-917E-A67231A8DED5}"/>
+              </a:ext>
+            </a:extLst>
+          </p:cNvPr>
+          <p:cNvSpPr>
+            <a:spLocks noGrp="1"/>
+          </p:cNvSpPr>
+          <p:nvPr>
+            <p:ph idx="1"/>
+          </p:nvPr>
+        </p:nvSpPr>
+        <p:spPr/>
+        <p:txBody>
+          <a:bodyPr/>
+          <a:lstStyle/>
+          <a:p>
+            <a:r>
+              <a:rPr lang="en-US" dirty="0">
+                <a:hlinkClick r:id="rId2"/>
+              </a:rPr>
+              <a:t>https://dzone.com/articles/where-is-my-cache-architectural-patterns-for-cachi</a:t>
+            </a:r>
+            <a:r>
+              <a:rPr lang="en-US" dirty="0"/>
+              <a:t> </a:t>
+            </a:r>
+          </a:p>
+          <a:p>
+            <a:r>
+              <a:rPr lang="en-US" dirty="0">
+                <a:hlinkClick r:id="rId3"/>
+              </a:rPr>
+              <a:t>https://dzone.com/articles/caching-best-practices</a:t>
+            </a:r>
+            <a:r>
+              <a:rPr lang="en-US" dirty="0"/>
+              <a:t> </a:t>
+            </a:r>
+          </a:p>
+          <a:p>
+            <a:r>
+              <a:rPr lang="en-US" dirty="0">
+                <a:hlinkClick r:id="rId4"/>
+              </a:rPr>
+              <a:t>https://www.youtube.com/watch?v=Ez1GK2imrsY</a:t>
+            </a:r>
+            <a:r>
+              <a:rPr lang="en-US" dirty="0"/>
+              <a:t> </a:t>
+            </a:r>
+          </a:p>
+          <a:p>
+            <a:r>
+              <a:rPr lang="en-US" dirty="0">
+                <a:hlinkClick r:id="rId5"/>
+              </a:rPr>
+              <a:t>https://aws.amazon.com/caching/</a:t>
+            </a:r>
+            <a:r>
+              <a:rPr lang="en-US" dirty="0"/>
+              <a:t> </a:t>
+            </a:r>
+          </a:p>
+          <a:p>
+            <a:r>
+              <a:rPr lang="en-US" dirty="0">
+                <a:hlinkClick r:id="rId6"/>
+              </a:rPr>
+              <a:t>https://www.cloudflare.com/learning/cdn/what-is-caching/</a:t>
+            </a:r>
+            <a:r>
+              <a:rPr lang="en-US" dirty="0"/>
+              <a:t> </a:t>
+            </a:r>
+          </a:p>
+        </p:txBody>
+      </p:sp>
+    </p:spTree>
+    <p:extLst>
+      <p:ext uri="{BB962C8B-B14F-4D97-AF65-F5344CB8AC3E}">
+        <p14:creationId xmlns:p14="http://schemas.microsoft.com/office/powerpoint/2010/main" val="1977804745"/>
+      </p:ext>
+    </p:extLst>
+  </p:cSld>
+  <p:clrMapOvr>
+    <a:masterClrMapping/>
+  </p:clrMapOvr>
+</p:sld>
+</file>
+
+<file path=ppt/slides/slide2.xml><?xml version="1.0" encoding="utf-8"?>
+<p:sld xmlns:a="http://schemas.openxmlformats.org/drawingml/2006/main" xmlns:r="http://schemas.openxmlformats.org/officeDocument/2006/relationships" xmlns:p="http://schemas.openxmlformats.org/presentationml/2006/main">
+  <p:cSld>
+    <p:spTree>
+      <p:nvGrpSpPr>
+        <p:cNvPr id="1" name=""/>
+        <p:cNvGrpSpPr/>
+        <p:nvPr/>
+      </p:nvGrpSpPr>
+      <p:grpSpPr>
+        <a:xfrm>
+          <a:off x="0" y="0"/>
+          <a:ext cx="0" cy="0"/>
+          <a:chOff x="0" y="0"/>
+          <a:chExt cx="0" cy="0"/>
+        </a:xfrm>
+      </p:grpSpPr>
+      <p:sp>
+        <p:nvSpPr>
+          <p:cNvPr id="3" name="Subtitle 2">
+            <a:extLst>
+              <a:ext uri="{FF2B5EF4-FFF2-40B4-BE49-F238E27FC236}">
+                <a16:creationId xmlns:a16="http://schemas.microsoft.com/office/drawing/2014/main" id="{1706560F-0C47-4F41-81FC-A2B998220E25}"/>
+              </a:ext>
+            </a:extLst>
+          </p:cNvPr>
+          <p:cNvSpPr>
+            <a:spLocks noGrp="1"/>
+          </p:cNvSpPr>
+          <p:nvPr>
+            <p:ph type="subTitle" idx="1"/>
+          </p:nvPr>
+        </p:nvSpPr>
+        <p:spPr>
+          <a:xfrm>
+            <a:off x="1330960" y="960437"/>
+            <a:ext cx="9144000" cy="5278437"/>
+          </a:xfrm>
+        </p:spPr>
+        <p:txBody>
+          <a:bodyPr>
+            <a:normAutofit fontScale="77500" lnSpcReduction="20000"/>
+          </a:bodyPr>
+          <a:lstStyle/>
+          <a:p>
+            <a:pPr algn="l"/>
+            <a:r>
+              <a:rPr lang="en-US" sz="4000" b="1" i="0" dirty="0">
+                <a:solidFill>
+                  <a:srgbClr val="222635"/>
+                </a:solidFill>
+                <a:effectLst/>
+                <a:latin typeface="Helvetica Neue"/>
+              </a:rPr>
+              <a:t>Caching Design Considerations</a:t>
+            </a:r>
+          </a:p>
+          <a:p>
+            <a:pPr algn="l"/>
+            <a:r>
+              <a:rPr lang="en-US" sz="1800" b="0" i="0" dirty="0">
+                <a:solidFill>
+                  <a:srgbClr val="222635"/>
+                </a:solidFill>
+                <a:effectLst/>
+                <a:latin typeface="Cambria" panose="02040503050406030204" pitchFamily="18" charset="0"/>
+              </a:rPr>
+              <a:t>Caching design considerations include data loading/updating, performance/memory size, eviction policy, concurrency, and cache statistics. </a:t>
+            </a:r>
+            <a:r>
+              <a:rPr lang="en-US" sz="1800" b="0" i="0" dirty="0">
+                <a:solidFill>
+                  <a:srgbClr val="222635"/>
+                </a:solidFill>
+                <a:effectLst/>
+                <a:latin typeface="Cambria" panose="02040503050406030204" pitchFamily="18" charset="0"/>
+                <a:hlinkClick r:id="rId2"/>
+              </a:rPr>
+              <a:t>https://dzone.com/articles/introducing-amp-assimilating-caching-quick-read-fo</a:t>
+            </a:r>
+            <a:r>
+              <a:rPr lang="en-US" sz="1800" b="0" i="0" dirty="0">
+                <a:solidFill>
+                  <a:srgbClr val="222635"/>
+                </a:solidFill>
+                <a:effectLst/>
+                <a:latin typeface="Cambria" panose="02040503050406030204" pitchFamily="18" charset="0"/>
+              </a:rPr>
+              <a:t> </a:t>
+            </a:r>
+          </a:p>
+          <a:p>
+            <a:pPr marL="742950" lvl="1" indent="-285750" algn="l">
+              <a:buFont typeface="Arial" panose="020B0604020202020204" pitchFamily="34" charset="0"/>
+              <a:buChar char="•"/>
+            </a:pPr>
+            <a:r>
+              <a:rPr lang="en-US" sz="1800" dirty="0">
+                <a:solidFill>
+                  <a:srgbClr val="222635"/>
+                </a:solidFill>
+                <a:latin typeface="Cambria" panose="02040503050406030204" pitchFamily="18" charset="0"/>
+              </a:rPr>
+              <a:t>Data Loading/Updating</a:t>
+            </a:r>
+          </a:p>
+          <a:p>
+            <a:pPr marL="742950" lvl="1" indent="-285750" algn="l">
+              <a:buFont typeface="Arial" panose="020B0604020202020204" pitchFamily="34" charset="0"/>
+              <a:buChar char="•"/>
+            </a:pPr>
+            <a:r>
+              <a:rPr lang="en-US" sz="1800" dirty="0">
+                <a:solidFill>
+                  <a:srgbClr val="222635"/>
+                </a:solidFill>
+                <a:latin typeface="Cambria" panose="02040503050406030204" pitchFamily="18" charset="0"/>
+              </a:rPr>
+              <a:t>Performance/Memory Size 32/64 Bit</a:t>
+            </a:r>
+          </a:p>
+          <a:p>
+            <a:pPr marL="742950" lvl="1" indent="-285750" algn="l">
+              <a:buFont typeface="Arial" panose="020B0604020202020204" pitchFamily="34" charset="0"/>
+              <a:buChar char="•"/>
+            </a:pPr>
+            <a:r>
+              <a:rPr lang="en-US" sz="1800" dirty="0">
+                <a:solidFill>
+                  <a:srgbClr val="222635"/>
+                </a:solidFill>
+                <a:latin typeface="Cambria" panose="02040503050406030204" pitchFamily="18" charset="0"/>
+              </a:rPr>
+              <a:t>Eviction Policy</a:t>
+            </a:r>
+          </a:p>
+          <a:p>
+            <a:pPr marL="742950" lvl="1" indent="-285750" algn="l">
+              <a:buFont typeface="Arial" panose="020B0604020202020204" pitchFamily="34" charset="0"/>
+              <a:buChar char="•"/>
+            </a:pPr>
+            <a:r>
+              <a:rPr lang="en-US" sz="1800" dirty="0">
+                <a:solidFill>
+                  <a:srgbClr val="222635"/>
+                </a:solidFill>
+                <a:latin typeface="Cambria" panose="02040503050406030204" pitchFamily="18" charset="0"/>
+              </a:rPr>
+              <a:t>Concurrency</a:t>
+            </a:r>
+          </a:p>
+          <a:p>
+            <a:pPr marL="742950" lvl="1" indent="-285750" algn="l">
+              <a:buFont typeface="Arial" panose="020B0604020202020204" pitchFamily="34" charset="0"/>
+              <a:buChar char="•"/>
+            </a:pPr>
+            <a:r>
+              <a:rPr lang="en-US" sz="1800" dirty="0">
+                <a:solidFill>
+                  <a:srgbClr val="222635"/>
+                </a:solidFill>
+                <a:latin typeface="Cambria" panose="02040503050406030204" pitchFamily="18" charset="0"/>
+              </a:rPr>
+              <a:t>Cache Statistics</a:t>
+            </a:r>
+          </a:p>
+          <a:p>
+            <a:pPr algn="l"/>
+            <a:r>
+              <a:rPr lang="en-US" sz="1800" dirty="0">
+                <a:solidFill>
+                  <a:srgbClr val="222635"/>
+                </a:solidFill>
+                <a:latin typeface="Cambria" panose="02040503050406030204" pitchFamily="18" charset="0"/>
+              </a:rPr>
+              <a:t>Different Implementation </a:t>
+            </a:r>
+          </a:p>
+          <a:p>
+            <a:pPr marL="285750" indent="-285750" algn="l">
+              <a:buFont typeface="Arial" panose="020B0604020202020204" pitchFamily="34" charset="0"/>
+              <a:buChar char="•"/>
+            </a:pPr>
+            <a:r>
+              <a:rPr lang="en-US" sz="1800" dirty="0">
+                <a:solidFill>
+                  <a:srgbClr val="222635"/>
+                </a:solidFill>
+                <a:latin typeface="Cambria" panose="02040503050406030204" pitchFamily="18" charset="0"/>
+              </a:rPr>
+              <a:t>Apache Ignite 1.0</a:t>
+            </a:r>
+          </a:p>
+          <a:p>
+            <a:pPr marL="285750" indent="-285750" algn="l">
+              <a:buFont typeface="Arial" panose="020B0604020202020204" pitchFamily="34" charset="0"/>
+              <a:buChar char="•"/>
+            </a:pPr>
+            <a:r>
+              <a:rPr lang="en-US" sz="1800" dirty="0">
+                <a:solidFill>
+                  <a:srgbClr val="222635"/>
+                </a:solidFill>
+                <a:latin typeface="Cambria" panose="02040503050406030204" pitchFamily="18" charset="0"/>
+              </a:rPr>
+              <a:t>Blazing Cache</a:t>
+            </a:r>
+          </a:p>
+          <a:p>
+            <a:pPr marL="285750" indent="-285750" algn="l">
+              <a:buFont typeface="Arial" panose="020B0604020202020204" pitchFamily="34" charset="0"/>
+              <a:buChar char="•"/>
+            </a:pPr>
+            <a:r>
+              <a:rPr lang="en-US" sz="1800" dirty="0">
+                <a:solidFill>
+                  <a:srgbClr val="222635"/>
+                </a:solidFill>
+                <a:latin typeface="Cambria" panose="02040503050406030204" pitchFamily="18" charset="0"/>
+              </a:rPr>
+              <a:t>cache2k</a:t>
+            </a:r>
+          </a:p>
+          <a:p>
+            <a:pPr marL="285750" indent="-285750" algn="l">
+              <a:buFont typeface="Arial" panose="020B0604020202020204" pitchFamily="34" charset="0"/>
+              <a:buChar char="•"/>
+            </a:pPr>
+            <a:r>
+              <a:rPr lang="en-US" sz="1800" dirty="0">
+                <a:solidFill>
+                  <a:srgbClr val="222635"/>
+                </a:solidFill>
+                <a:latin typeface="Cambria" panose="02040503050406030204" pitchFamily="18" charset="0"/>
+              </a:rPr>
+              <a:t>Caffeine</a:t>
+            </a:r>
+          </a:p>
+          <a:p>
+            <a:pPr marL="285750" indent="-285750" algn="l">
+              <a:buFont typeface="Arial" panose="020B0604020202020204" pitchFamily="34" charset="0"/>
+              <a:buChar char="•"/>
+            </a:pPr>
+            <a:r>
+              <a:rPr lang="en-US" sz="1800" dirty="0">
+                <a:solidFill>
+                  <a:srgbClr val="222635"/>
+                </a:solidFill>
+                <a:latin typeface="Cambria" panose="02040503050406030204" pitchFamily="18" charset="0"/>
+              </a:rPr>
+              <a:t>Coherence</a:t>
+            </a:r>
+          </a:p>
+          <a:p>
+            <a:pPr marL="285750" indent="-285750" algn="l">
+              <a:buFont typeface="Arial" panose="020B0604020202020204" pitchFamily="34" charset="0"/>
+              <a:buChar char="•"/>
+            </a:pPr>
+            <a:r>
+              <a:rPr lang="en-US" sz="1800" dirty="0" err="1">
+                <a:solidFill>
+                  <a:srgbClr val="222635"/>
+                </a:solidFill>
+                <a:latin typeface="Cambria" panose="02040503050406030204" pitchFamily="18" charset="0"/>
+              </a:rPr>
+              <a:t>Ehcache</a:t>
+            </a:r>
+            <a:endParaRPr lang="en-US" sz="1800" dirty="0">
+              <a:solidFill>
+                <a:srgbClr val="222635"/>
+              </a:solidFill>
+              <a:latin typeface="Cambria" panose="02040503050406030204" pitchFamily="18" charset="0"/>
+            </a:endParaRPr>
+          </a:p>
+          <a:p>
+            <a:pPr marL="285750" indent="-285750" algn="l">
+              <a:buFont typeface="Arial" panose="020B0604020202020204" pitchFamily="34" charset="0"/>
+              <a:buChar char="•"/>
+            </a:pPr>
+            <a:r>
+              <a:rPr lang="en-US" sz="1800" dirty="0" err="1">
+                <a:solidFill>
+                  <a:srgbClr val="222635"/>
+                </a:solidFill>
+                <a:latin typeface="Cambria" panose="02040503050406030204" pitchFamily="18" charset="0"/>
+              </a:rPr>
+              <a:t>Hazelcast</a:t>
+            </a:r>
+            <a:endParaRPr lang="en-US" sz="1800" dirty="0">
+              <a:solidFill>
+                <a:srgbClr val="222635"/>
+              </a:solidFill>
+              <a:latin typeface="Cambria" panose="02040503050406030204" pitchFamily="18" charset="0"/>
+            </a:endParaRPr>
+          </a:p>
+          <a:p>
+            <a:pPr marL="285750" indent="-285750" algn="l">
+              <a:buFont typeface="Arial" panose="020B0604020202020204" pitchFamily="34" charset="0"/>
+              <a:buChar char="•"/>
+            </a:pPr>
+            <a:r>
+              <a:rPr lang="en-US" sz="1800" dirty="0" err="1">
+                <a:solidFill>
+                  <a:srgbClr val="222635"/>
+                </a:solidFill>
+                <a:latin typeface="Cambria" panose="02040503050406030204" pitchFamily="18" charset="0"/>
+              </a:rPr>
+              <a:t>Infinispan</a:t>
+            </a:r>
+            <a:r>
+              <a:rPr lang="en-US" sz="1800" dirty="0">
+                <a:solidFill>
+                  <a:srgbClr val="222635"/>
+                </a:solidFill>
+                <a:latin typeface="Cambria" panose="02040503050406030204" pitchFamily="18" charset="0"/>
+              </a:rPr>
+              <a:t> 7.0.2</a:t>
+            </a:r>
+          </a:p>
+          <a:p>
+            <a:pPr marL="285750" indent="-285750" algn="l">
+              <a:buFont typeface="Arial" panose="020B0604020202020204" pitchFamily="34" charset="0"/>
+              <a:buChar char="•"/>
+            </a:pPr>
+            <a:r>
+              <a:rPr lang="en-US" sz="1800" dirty="0" err="1">
+                <a:solidFill>
+                  <a:srgbClr val="222635"/>
+                </a:solidFill>
+                <a:latin typeface="Cambria" panose="02040503050406030204" pitchFamily="18" charset="0"/>
+              </a:rPr>
+              <a:t>Redisson</a:t>
+            </a:r>
+            <a:endParaRPr lang="en-US" sz="1800" dirty="0">
+              <a:solidFill>
+                <a:srgbClr val="222635"/>
+              </a:solidFill>
+              <a:latin typeface="Cambria" panose="02040503050406030204" pitchFamily="18" charset="0"/>
+            </a:endParaRPr>
+          </a:p>
+          <a:p>
+            <a:pPr marL="285750" indent="-285750" algn="l">
+              <a:buFont typeface="Arial" panose="020B0604020202020204" pitchFamily="34" charset="0"/>
+              <a:buChar char="•"/>
+            </a:pPr>
+            <a:r>
+              <a:rPr lang="en-US" sz="1800" dirty="0" err="1">
+                <a:solidFill>
+                  <a:srgbClr val="222635"/>
+                </a:solidFill>
+                <a:latin typeface="Cambria" panose="02040503050406030204" pitchFamily="18" charset="0"/>
+              </a:rPr>
+              <a:t>Triava</a:t>
+            </a:r>
+            <a:r>
+              <a:rPr lang="en-US" sz="1800" dirty="0">
+                <a:solidFill>
+                  <a:srgbClr val="222635"/>
+                </a:solidFill>
+                <a:latin typeface="Cambria" panose="02040503050406030204" pitchFamily="18" charset="0"/>
+              </a:rPr>
+              <a:t> Cache</a:t>
+            </a:r>
+          </a:p>
+          <a:p>
+            <a:pPr marL="285750" indent="-285750" algn="l">
+              <a:buFont typeface="Arial" panose="020B0604020202020204" pitchFamily="34" charset="0"/>
+              <a:buChar char="•"/>
+            </a:pPr>
+            <a:r>
+              <a:rPr lang="en-US" sz="1800" dirty="0">
+                <a:solidFill>
+                  <a:srgbClr val="222635"/>
+                </a:solidFill>
+                <a:latin typeface="Cambria" panose="02040503050406030204" pitchFamily="18" charset="0"/>
+              </a:rPr>
+              <a:t>WebSphere </a:t>
+            </a:r>
+            <a:r>
+              <a:rPr lang="en-US" sz="1800" dirty="0" err="1">
+                <a:solidFill>
+                  <a:srgbClr val="222635"/>
+                </a:solidFill>
+                <a:latin typeface="Cambria" panose="02040503050406030204" pitchFamily="18" charset="0"/>
+              </a:rPr>
+              <a:t>eXtreme</a:t>
+            </a:r>
+            <a:r>
+              <a:rPr lang="en-US" sz="1800" dirty="0">
+                <a:solidFill>
+                  <a:srgbClr val="222635"/>
+                </a:solidFill>
+                <a:latin typeface="Cambria" panose="02040503050406030204" pitchFamily="18" charset="0"/>
+              </a:rPr>
+              <a:t> Scale</a:t>
+            </a:r>
+          </a:p>
+          <a:p>
+            <a:pPr marL="685800" indent="-685800" algn="l">
+              <a:buFont typeface="Arial" panose="020B0604020202020204" pitchFamily="34" charset="0"/>
+              <a:buChar char="•"/>
+            </a:pPr>
+            <a:endParaRPr lang="en-US" sz="4800" dirty="0"/>
+          </a:p>
+        </p:txBody>
+      </p:sp>
+    </p:spTree>
+    <p:extLst>
+      <p:ext uri="{BB962C8B-B14F-4D97-AF65-F5344CB8AC3E}">
+        <p14:creationId xmlns:p14="http://schemas.microsoft.com/office/powerpoint/2010/main" val="84501709"/>
+      </p:ext>
+    </p:extLst>
+  </p:cSld>
+  <p:clrMapOvr>
+    <a:masterClrMapping/>
+  </p:clrMapOvr>
+</p:sld>
+</file>
+
+<file path=ppt/slides/slide3.xml><?xml version="1.0" encoding="utf-8"?>
+<p:sld xmlns:a="http://schemas.openxmlformats.org/drawingml/2006/main" xmlns:r="http://schemas.openxmlformats.org/officeDocument/2006/relationships" xmlns:p="http://schemas.openxmlformats.org/presentationml/2006/main">
+  <p:cSld>
+    <p:spTree>
+      <p:nvGrpSpPr>
+        <p:cNvPr id="1" name=""/>
+        <p:cNvGrpSpPr/>
+        <p:nvPr/>
+      </p:nvGrpSpPr>
+      <p:grpSpPr>
+        <a:xfrm>
+          <a:off x="0" y="0"/>
+          <a:ext cx="0" cy="0"/>
+          <a:chOff x="0" y="0"/>
+          <a:chExt cx="0" cy="0"/>
+        </a:xfrm>
+      </p:grpSpPr>
+      <p:sp>
+        <p:nvSpPr>
+          <p:cNvPr id="2" name="Title 1">
+            <a:extLst>
+              <a:ext uri="{FF2B5EF4-FFF2-40B4-BE49-F238E27FC236}">
+                <a16:creationId xmlns:a16="http://schemas.microsoft.com/office/drawing/2014/main" id="{965B380C-0803-453D-9DAC-ADF30D99B662}"/>
+              </a:ext>
+            </a:extLst>
+          </p:cNvPr>
+          <p:cNvSpPr>
+            <a:spLocks noGrp="1"/>
+          </p:cNvSpPr>
+          <p:nvPr>
+            <p:ph type="title"/>
+          </p:nvPr>
+        </p:nvSpPr>
+        <p:spPr/>
+        <p:txBody>
+          <a:bodyPr/>
+          <a:lstStyle/>
+          <a:p>
+            <a:r>
+              <a:rPr lang="en-US" sz="4400" dirty="0">
+                <a:solidFill>
+                  <a:srgbClr val="222635"/>
+                </a:solidFill>
+                <a:latin typeface="Cambria" panose="02040503050406030204" pitchFamily="18" charset="0"/>
+              </a:rPr>
+              <a:t>Data Loading/Updating</a:t>
+            </a:r>
+            <a:br>
+              <a:rPr lang="en-US" sz="4400" dirty="0">
+                <a:solidFill>
+                  <a:srgbClr val="222635"/>
+                </a:solidFill>
+                <a:latin typeface="Cambria" panose="02040503050406030204" pitchFamily="18" charset="0"/>
+              </a:rPr>
+            </a:br>
+            <a:endParaRPr lang="en-US" dirty="0"/>
+          </a:p>
+        </p:txBody>
+      </p:sp>
+      <p:sp>
+        <p:nvSpPr>
+          <p:cNvPr id="3" name="Content Placeholder 2">
+            <a:extLst>
+              <a:ext uri="{FF2B5EF4-FFF2-40B4-BE49-F238E27FC236}">
+                <a16:creationId xmlns:a16="http://schemas.microsoft.com/office/drawing/2014/main" id="{7C719620-4AC9-439F-BAF6-4B37CE362BC4}"/>
+              </a:ext>
+            </a:extLst>
+          </p:cNvPr>
+          <p:cNvSpPr>
+            <a:spLocks noGrp="1"/>
+          </p:cNvSpPr>
+          <p:nvPr>
+            <p:ph idx="1"/>
+          </p:nvPr>
+        </p:nvSpPr>
+        <p:spPr/>
+        <p:txBody>
+          <a:bodyPr>
+            <a:normAutofit fontScale="92500" lnSpcReduction="10000"/>
+          </a:bodyPr>
+          <a:lstStyle/>
+          <a:p>
+            <a:pPr algn="l"/>
+            <a:r>
+              <a:rPr lang="en-US" b="0" i="0" dirty="0">
+                <a:solidFill>
+                  <a:srgbClr val="222635"/>
+                </a:solidFill>
+                <a:effectLst/>
+                <a:latin typeface="Cambria" panose="02040503050406030204" pitchFamily="18" charset="0"/>
+              </a:rPr>
+              <a:t>Data loading into a cache is an important design decision to maintain consistency across all cached content. The following approaches can be considered to load data:</a:t>
+            </a:r>
+          </a:p>
+          <a:p>
+            <a:pPr algn="l">
+              <a:buFont typeface="Arial" panose="020B0604020202020204" pitchFamily="34" charset="0"/>
+              <a:buChar char="•"/>
+            </a:pPr>
+            <a:r>
+              <a:rPr lang="en-US" b="0" i="0" dirty="0">
+                <a:solidFill>
+                  <a:srgbClr val="222635"/>
+                </a:solidFill>
+                <a:effectLst/>
+                <a:latin typeface="Cambria" panose="02040503050406030204" pitchFamily="18" charset="0"/>
+              </a:rPr>
+              <a:t>Using default function/configuration provided by standard ORM framework, i.e. Hibernate or </a:t>
+            </a:r>
+            <a:r>
+              <a:rPr lang="en-US" b="0" i="0" dirty="0" err="1">
+                <a:solidFill>
+                  <a:srgbClr val="222635"/>
+                </a:solidFill>
+                <a:effectLst/>
+                <a:latin typeface="Cambria" panose="02040503050406030204" pitchFamily="18" charset="0"/>
+              </a:rPr>
+              <a:t>OpenJPA</a:t>
+            </a:r>
+            <a:r>
+              <a:rPr lang="en-US" b="0" i="0" dirty="0">
+                <a:solidFill>
+                  <a:srgbClr val="222635"/>
+                </a:solidFill>
+                <a:effectLst/>
+                <a:latin typeface="Cambria" panose="02040503050406030204" pitchFamily="18" charset="0"/>
+              </a:rPr>
+              <a:t>.</a:t>
+            </a:r>
+          </a:p>
+          <a:p>
+            <a:pPr algn="l">
+              <a:buFont typeface="Arial" panose="020B0604020202020204" pitchFamily="34" charset="0"/>
+              <a:buChar char="•"/>
+            </a:pPr>
+            <a:r>
+              <a:rPr lang="en-US" b="0" i="0" dirty="0">
+                <a:solidFill>
+                  <a:srgbClr val="222635"/>
+                </a:solidFill>
+                <a:effectLst/>
+                <a:latin typeface="Cambria" panose="02040503050406030204" pitchFamily="18" charset="0"/>
+              </a:rPr>
+              <a:t>Implementing key-value maps using open-source cache APIs, i.e. Google Guava or COTS products like Coherence, </a:t>
+            </a:r>
+            <a:r>
+              <a:rPr lang="en-US" b="0" i="0" dirty="0" err="1">
+                <a:solidFill>
+                  <a:srgbClr val="222635"/>
+                </a:solidFill>
+                <a:effectLst/>
+                <a:latin typeface="Cambria" panose="02040503050406030204" pitchFamily="18" charset="0"/>
+              </a:rPr>
+              <a:t>Ehcache</a:t>
+            </a:r>
+            <a:r>
+              <a:rPr lang="en-US" b="0" i="0" dirty="0">
+                <a:solidFill>
+                  <a:srgbClr val="222635"/>
+                </a:solidFill>
+                <a:effectLst/>
+                <a:latin typeface="Cambria" panose="02040503050406030204" pitchFamily="18" charset="0"/>
+              </a:rPr>
+              <a:t>, or </a:t>
+            </a:r>
+            <a:r>
+              <a:rPr lang="en-US" b="0" i="0" dirty="0" err="1">
+                <a:solidFill>
+                  <a:srgbClr val="222635"/>
+                </a:solidFill>
+                <a:effectLst/>
+                <a:latin typeface="Cambria" panose="02040503050406030204" pitchFamily="18" charset="0"/>
+              </a:rPr>
+              <a:t>Hazelcast</a:t>
+            </a:r>
+            <a:r>
+              <a:rPr lang="en-US" b="0" i="0" dirty="0">
+                <a:solidFill>
+                  <a:srgbClr val="222635"/>
+                </a:solidFill>
+                <a:effectLst/>
+                <a:latin typeface="Cambria" panose="02040503050406030204" pitchFamily="18" charset="0"/>
+              </a:rPr>
+              <a:t>.</a:t>
+            </a:r>
+          </a:p>
+          <a:p>
+            <a:pPr algn="l">
+              <a:buFont typeface="Arial" panose="020B0604020202020204" pitchFamily="34" charset="0"/>
+              <a:buChar char="•"/>
+            </a:pPr>
+            <a:r>
+              <a:rPr lang="en-US" b="0" i="0" dirty="0">
+                <a:solidFill>
+                  <a:srgbClr val="222635"/>
+                </a:solidFill>
+                <a:effectLst/>
+                <a:latin typeface="Cambria" panose="02040503050406030204" pitchFamily="18" charset="0"/>
+              </a:rPr>
+              <a:t>Programmatically loading entities through automatic or explicit insertion.</a:t>
+            </a:r>
+          </a:p>
+          <a:p>
+            <a:pPr algn="l">
+              <a:buFont typeface="Arial" panose="020B0604020202020204" pitchFamily="34" charset="0"/>
+              <a:buChar char="•"/>
+            </a:pPr>
+            <a:r>
+              <a:rPr lang="en-US" b="0" i="0" dirty="0">
+                <a:solidFill>
+                  <a:srgbClr val="222635"/>
+                </a:solidFill>
+                <a:effectLst/>
+                <a:latin typeface="Cambria" panose="02040503050406030204" pitchFamily="18" charset="0"/>
+              </a:rPr>
+              <a:t>External application through synchronous or asynchronous communication.</a:t>
+            </a:r>
+          </a:p>
+          <a:p>
+            <a:endParaRPr lang="en-US" dirty="0"/>
+          </a:p>
+        </p:txBody>
+      </p:sp>
+    </p:spTree>
+    <p:extLst>
+      <p:ext uri="{BB962C8B-B14F-4D97-AF65-F5344CB8AC3E}">
+        <p14:creationId xmlns:p14="http://schemas.microsoft.com/office/powerpoint/2010/main" val="844496463"/>
+      </p:ext>
+    </p:extLst>
+  </p:cSld>
+  <p:clrMapOvr>
+    <a:masterClrMapping/>
+  </p:clrMapOvr>
+</p:sld>
+</file>
+
 <file path=ppt/slides/slide4.xml><?xml version="1.0" encoding="utf-8"?>
 <p:sld xmlns:a="http://schemas.openxmlformats.org/drawingml/2006/main" xmlns:r="http://schemas.openxmlformats.org/officeDocument/2006/relationships" xmlns:p="http://schemas.openxmlformats.org/presentationml/2006/main">
   <p:cSld>
@@ -4405,7 +8546,7 @@
           <p:cNvPr id="2" name="Title 1">
             <a:extLst>
               <a:ext uri="{FF2B5EF4-FFF2-40B4-BE49-F238E27FC236}">
-                <a16:creationId xmlns:a16="http://schemas.microsoft.com/office/drawing/2014/main" id="{4EF8F62C-E012-4E00-A529-5E8CCAD2239E}"/>
+                <a16:creationId xmlns:a16="http://schemas.microsoft.com/office/drawing/2014/main" id="{965B380C-0803-453D-9DAC-ADF30D99B662}"/>
               </a:ext>
             </a:extLst>
           </p:cNvPr>
@@ -4416,83 +8557,46 @@
             <p:ph type="title"/>
           </p:nvPr>
         </p:nvSpPr>
-        <p:spPr/>
-        <p:txBody>
-          <a:bodyPr/>
-          <a:lstStyle/>
-          <a:p>
-            <a:pPr algn="ctr"/>
-            <a:r>
-              <a:rPr lang="en-US" sz="4400" b="0" i="0" kern="1200" dirty="0">
-                <a:solidFill>
-                  <a:schemeClr val="dk1"/>
+        <p:spPr>
+          <a:xfrm>
+            <a:off x="838200" y="365125"/>
+            <a:ext cx="10515600" cy="1158875"/>
+          </a:xfrm>
+        </p:spPr>
+        <p:txBody>
+          <a:bodyPr>
+            <a:normAutofit fontScale="90000"/>
+          </a:bodyPr>
+          <a:lstStyle/>
+          <a:p>
+            <a:r>
+              <a:rPr lang="en-US" b="1" i="0" dirty="0">
+                <a:solidFill>
+                  <a:srgbClr val="222635"/>
                 </a:solidFill>
                 <a:effectLst/>
-                <a:latin typeface="+mn-lt"/>
-                <a:ea typeface="+mn-ea"/>
-                <a:cs typeface="+mn-cs"/>
+                <a:latin typeface="Helvetica Neue"/>
               </a:rPr>
-              <a:t>Cache-Aside</a:t>
-            </a:r>
+              <a:t>Performance/Memory Size 32/64 Bit</a:t>
+            </a:r>
+            <a:br>
+              <a:rPr lang="en-US" sz="4400" dirty="0">
+                <a:solidFill>
+                  <a:srgbClr val="222635"/>
+                </a:solidFill>
+                <a:latin typeface="Cambria" panose="02040503050406030204" pitchFamily="18" charset="0"/>
+              </a:rPr>
+            </a:br>
             <a:endParaRPr lang="en-US" dirty="0"/>
           </a:p>
         </p:txBody>
       </p:sp>
       <p:sp>
         <p:nvSpPr>
-          <p:cNvPr id="4" name="Rectangle: Rounded Corners 3">
-            <a:extLst>
-              <a:ext uri="{FF2B5EF4-FFF2-40B4-BE49-F238E27FC236}">
-                <a16:creationId xmlns:a16="http://schemas.microsoft.com/office/drawing/2014/main" id="{E8383B85-00BE-4F0D-8606-121986230C70}"/>
-              </a:ext>
-            </a:extLst>
-          </p:cNvPr>
-          <p:cNvSpPr/>
-          <p:nvPr/>
-        </p:nvSpPr>
-        <p:spPr>
-          <a:xfrm>
-            <a:off x="1362075" y="2019300"/>
-            <a:ext cx="1733550" cy="914400"/>
-          </a:xfrm>
-          <a:prstGeom prst="roundRect">
-            <a:avLst/>
-          </a:prstGeom>
-        </p:spPr>
-        <p:style>
-          <a:lnRef idx="2">
-            <a:schemeClr val="accent1">
-              <a:shade val="50000"/>
-            </a:schemeClr>
-          </a:lnRef>
-          <a:fillRef idx="1">
-            <a:schemeClr val="accent1"/>
-          </a:fillRef>
-          <a:effectRef idx="0">
-            <a:schemeClr val="accent1"/>
-          </a:effectRef>
-          <a:fontRef idx="minor">
-            <a:schemeClr val="lt1"/>
-          </a:fontRef>
-        </p:style>
-        <p:txBody>
-          <a:bodyPr rtlCol="0" anchor="ctr"/>
-          <a:lstStyle/>
-          <a:p>
-            <a:pPr algn="ctr"/>
-            <a:r>
-              <a:rPr lang="en-US" dirty="0"/>
-              <a:t>Client</a:t>
-            </a:r>
-          </a:p>
-        </p:txBody>
-      </p:sp>
-      <p:sp>
-        <p:nvSpPr>
-          <p:cNvPr id="5" name="Content Placeholder 4">
-            <a:extLst>
-              <a:ext uri="{FF2B5EF4-FFF2-40B4-BE49-F238E27FC236}">
-                <a16:creationId xmlns:a16="http://schemas.microsoft.com/office/drawing/2014/main" id="{EA6AE321-A5BA-417D-98D0-DC19B4682140}"/>
+          <p:cNvPr id="3" name="Content Placeholder 2">
+            <a:extLst>
+              <a:ext uri="{FF2B5EF4-FFF2-40B4-BE49-F238E27FC236}">
+                <a16:creationId xmlns:a16="http://schemas.microsoft.com/office/drawing/2014/main" id="{7C719620-4AC9-439F-BAF6-4B37CE362BC4}"/>
               </a:ext>
             </a:extLst>
           </p:cNvPr>
@@ -4505,600 +8609,76 @@
         </p:nvSpPr>
         <p:spPr>
           <a:xfrm>
-            <a:off x="4381500" y="1533525"/>
-            <a:ext cx="3019425" cy="1905000"/>
-          </a:xfrm>
-          <a:prstGeom prst="roundRect">
-            <a:avLst/>
-          </a:prstGeom>
-        </p:spPr>
-        <p:style>
-          <a:lnRef idx="2">
-            <a:schemeClr val="accent1">
-              <a:shade val="50000"/>
-            </a:schemeClr>
-          </a:lnRef>
-          <a:fillRef idx="1">
-            <a:schemeClr val="accent1"/>
-          </a:fillRef>
-          <a:effectRef idx="0">
-            <a:schemeClr val="accent1"/>
-          </a:effectRef>
-          <a:fontRef idx="minor">
-            <a:schemeClr val="lt1"/>
-          </a:fontRef>
-        </p:style>
-        <p:txBody>
-          <a:bodyPr rtlCol="0" anchor="ctr"/>
-          <a:lstStyle/>
-          <a:p>
-            <a:pPr marL="0" indent="0">
-              <a:buNone/>
-            </a:pPr>
-            <a:r>
-              <a:rPr lang="en-US" dirty="0"/>
-              <a:t>Server / Application</a:t>
-            </a:r>
-          </a:p>
-        </p:txBody>
-      </p:sp>
-      <p:sp>
-        <p:nvSpPr>
-          <p:cNvPr id="6" name="Flowchart: Magnetic Disk 5">
-            <a:extLst>
-              <a:ext uri="{FF2B5EF4-FFF2-40B4-BE49-F238E27FC236}">
-                <a16:creationId xmlns:a16="http://schemas.microsoft.com/office/drawing/2014/main" id="{360E7C2A-681D-4FDF-A38D-27A1777CF18F}"/>
-              </a:ext>
-            </a:extLst>
-          </p:cNvPr>
-          <p:cNvSpPr/>
-          <p:nvPr/>
-        </p:nvSpPr>
-        <p:spPr>
-          <a:xfrm>
-            <a:off x="9267825" y="1681162"/>
-            <a:ext cx="1095375" cy="1590675"/>
-          </a:xfrm>
-          <a:prstGeom prst="flowChartMagneticDisk">
-            <a:avLst/>
-          </a:prstGeom>
-        </p:spPr>
-        <p:style>
-          <a:lnRef idx="2">
-            <a:schemeClr val="accent1">
-              <a:shade val="50000"/>
-            </a:schemeClr>
-          </a:lnRef>
-          <a:fillRef idx="1">
-            <a:schemeClr val="accent1"/>
-          </a:fillRef>
-          <a:effectRef idx="0">
-            <a:schemeClr val="accent1"/>
-          </a:effectRef>
-          <a:fontRef idx="minor">
-            <a:schemeClr val="lt1"/>
-          </a:fontRef>
-        </p:style>
-        <p:txBody>
-          <a:bodyPr rtlCol="0" anchor="ctr"/>
-          <a:lstStyle/>
-          <a:p>
-            <a:pPr algn="ctr"/>
-            <a:r>
-              <a:rPr lang="en-US" dirty="0"/>
-              <a:t>DB</a:t>
-            </a:r>
-          </a:p>
-        </p:txBody>
-      </p:sp>
-      <p:sp>
-        <p:nvSpPr>
-          <p:cNvPr id="7" name="Rectangle: Rounded Corners 6">
-            <a:extLst>
-              <a:ext uri="{FF2B5EF4-FFF2-40B4-BE49-F238E27FC236}">
-                <a16:creationId xmlns:a16="http://schemas.microsoft.com/office/drawing/2014/main" id="{9A733189-6230-4770-AE94-1634E373E191}"/>
-              </a:ext>
-            </a:extLst>
-          </p:cNvPr>
-          <p:cNvSpPr/>
-          <p:nvPr/>
-        </p:nvSpPr>
-        <p:spPr>
-          <a:xfrm>
-            <a:off x="5062537" y="3990975"/>
-            <a:ext cx="1657350" cy="904875"/>
-          </a:xfrm>
-          <a:prstGeom prst="roundRect">
-            <a:avLst/>
-          </a:prstGeom>
-        </p:spPr>
-        <p:style>
-          <a:lnRef idx="2">
-            <a:schemeClr val="accent1">
-              <a:shade val="50000"/>
-            </a:schemeClr>
-          </a:lnRef>
-          <a:fillRef idx="1">
-            <a:schemeClr val="accent1"/>
-          </a:fillRef>
-          <a:effectRef idx="0">
-            <a:schemeClr val="accent1"/>
-          </a:effectRef>
-          <a:fontRef idx="minor">
-            <a:schemeClr val="lt1"/>
-          </a:fontRef>
-        </p:style>
-        <p:txBody>
-          <a:bodyPr rtlCol="0" anchor="ctr"/>
-          <a:lstStyle/>
-          <a:p>
-            <a:pPr algn="ctr"/>
-            <a:r>
-              <a:rPr lang="en-US" dirty="0"/>
-              <a:t>Cache</a:t>
-            </a:r>
-          </a:p>
-        </p:txBody>
-      </p:sp>
-      <p:cxnSp>
-        <p:nvCxnSpPr>
-          <p:cNvPr id="9" name="Straight Arrow Connector 8">
-            <a:extLst>
-              <a:ext uri="{FF2B5EF4-FFF2-40B4-BE49-F238E27FC236}">
-                <a16:creationId xmlns:a16="http://schemas.microsoft.com/office/drawing/2014/main" id="{F036F3B5-B216-4A82-B14B-2598F7803AC4}"/>
-              </a:ext>
-            </a:extLst>
-          </p:cNvPr>
-          <p:cNvCxnSpPr>
-            <a:cxnSpLocks/>
-          </p:cNvCxnSpPr>
-          <p:nvPr/>
-        </p:nvCxnSpPr>
-        <p:spPr>
-          <a:xfrm>
-            <a:off x="3095625" y="2262188"/>
-            <a:ext cx="1285875" cy="9525"/>
-          </a:xfrm>
-          <a:prstGeom prst="straightConnector1">
-            <a:avLst/>
-          </a:prstGeom>
-          <a:ln w="57150">
-            <a:tailEnd type="triangle"/>
-          </a:ln>
-        </p:spPr>
-        <p:style>
-          <a:lnRef idx="1">
-            <a:schemeClr val="accent1"/>
-          </a:lnRef>
-          <a:fillRef idx="0">
-            <a:schemeClr val="accent1"/>
-          </a:fillRef>
-          <a:effectRef idx="0">
-            <a:schemeClr val="accent1"/>
-          </a:effectRef>
-          <a:fontRef idx="minor">
-            <a:schemeClr val="tx1"/>
-          </a:fontRef>
-        </p:style>
-      </p:cxnSp>
-      <p:cxnSp>
-        <p:nvCxnSpPr>
-          <p:cNvPr id="10" name="Straight Arrow Connector 9">
-            <a:extLst>
-              <a:ext uri="{FF2B5EF4-FFF2-40B4-BE49-F238E27FC236}">
-                <a16:creationId xmlns:a16="http://schemas.microsoft.com/office/drawing/2014/main" id="{C9DAACEF-A38D-4C24-B79D-885B36F4B3CA}"/>
-              </a:ext>
-            </a:extLst>
-          </p:cNvPr>
-          <p:cNvCxnSpPr>
-            <a:cxnSpLocks/>
-            <a:stCxn id="5" idx="3"/>
-            <a:endCxn id="6" idx="2"/>
-          </p:cNvCxnSpPr>
-          <p:nvPr/>
-        </p:nvCxnSpPr>
-        <p:spPr>
-          <a:xfrm flipV="1">
-            <a:off x="7400925" y="2476500"/>
-            <a:ext cx="1866900" cy="9525"/>
-          </a:xfrm>
-          <a:prstGeom prst="straightConnector1">
-            <a:avLst/>
-          </a:prstGeom>
-          <a:ln w="57150">
-            <a:tailEnd type="triangle"/>
-          </a:ln>
-        </p:spPr>
-        <p:style>
-          <a:lnRef idx="1">
-            <a:schemeClr val="accent1"/>
-          </a:lnRef>
-          <a:fillRef idx="0">
-            <a:schemeClr val="accent1"/>
-          </a:fillRef>
-          <a:effectRef idx="0">
-            <a:schemeClr val="accent1"/>
-          </a:effectRef>
-          <a:fontRef idx="minor">
-            <a:schemeClr val="tx1"/>
-          </a:fontRef>
-        </p:style>
-      </p:cxnSp>
-      <p:cxnSp>
-        <p:nvCxnSpPr>
-          <p:cNvPr id="14" name="Straight Arrow Connector 13">
-            <a:extLst>
-              <a:ext uri="{FF2B5EF4-FFF2-40B4-BE49-F238E27FC236}">
-                <a16:creationId xmlns:a16="http://schemas.microsoft.com/office/drawing/2014/main" id="{77FAD562-ADED-41C8-B008-1A38A682CDDA}"/>
-              </a:ext>
-            </a:extLst>
-          </p:cNvPr>
-          <p:cNvCxnSpPr/>
-          <p:nvPr/>
-        </p:nvCxnSpPr>
-        <p:spPr>
-          <a:xfrm>
-            <a:off x="5495925" y="3438525"/>
-            <a:ext cx="0" cy="552450"/>
-          </a:xfrm>
-          <a:prstGeom prst="straightConnector1">
-            <a:avLst/>
-          </a:prstGeom>
-          <a:ln w="38100">
-            <a:tailEnd type="triangle"/>
-          </a:ln>
-        </p:spPr>
-        <p:style>
-          <a:lnRef idx="1">
-            <a:schemeClr val="accent1"/>
-          </a:lnRef>
-          <a:fillRef idx="0">
-            <a:schemeClr val="accent1"/>
-          </a:fillRef>
-          <a:effectRef idx="0">
-            <a:schemeClr val="accent1"/>
-          </a:effectRef>
-          <a:fontRef idx="minor">
-            <a:schemeClr val="tx1"/>
-          </a:fontRef>
-        </p:style>
-      </p:cxnSp>
-      <p:cxnSp>
-        <p:nvCxnSpPr>
-          <p:cNvPr id="17" name="Straight Arrow Connector 16">
-            <a:extLst>
-              <a:ext uri="{FF2B5EF4-FFF2-40B4-BE49-F238E27FC236}">
-                <a16:creationId xmlns:a16="http://schemas.microsoft.com/office/drawing/2014/main" id="{E77137E2-6D89-460C-9074-5EEA1B9DD5A1}"/>
-              </a:ext>
-            </a:extLst>
-          </p:cNvPr>
-          <p:cNvCxnSpPr>
-            <a:cxnSpLocks/>
-            <a:stCxn id="7" idx="0"/>
-            <a:endCxn id="5" idx="2"/>
-          </p:cNvCxnSpPr>
-          <p:nvPr/>
-        </p:nvCxnSpPr>
-        <p:spPr>
-          <a:xfrm flipV="1">
-            <a:off x="5891212" y="3438525"/>
-            <a:ext cx="1" cy="552450"/>
-          </a:xfrm>
-          <a:prstGeom prst="straightConnector1">
-            <a:avLst/>
-          </a:prstGeom>
-          <a:ln w="38100">
-            <a:tailEnd type="triangle"/>
-          </a:ln>
-        </p:spPr>
-        <p:style>
-          <a:lnRef idx="1">
-            <a:schemeClr val="accent1"/>
-          </a:lnRef>
-          <a:fillRef idx="0">
-            <a:schemeClr val="accent1"/>
-          </a:fillRef>
-          <a:effectRef idx="0">
-            <a:schemeClr val="accent1"/>
-          </a:effectRef>
-          <a:fontRef idx="minor">
-            <a:schemeClr val="tx1"/>
-          </a:fontRef>
-        </p:style>
-      </p:cxnSp>
-      <p:sp>
-        <p:nvSpPr>
-          <p:cNvPr id="20" name="TextBox 19">
-            <a:extLst>
-              <a:ext uri="{FF2B5EF4-FFF2-40B4-BE49-F238E27FC236}">
-                <a16:creationId xmlns:a16="http://schemas.microsoft.com/office/drawing/2014/main" id="{F4D26ACC-C3C1-4A8F-9407-FD3CD50B14C8}"/>
-              </a:ext>
-            </a:extLst>
-          </p:cNvPr>
-          <p:cNvSpPr txBox="1"/>
-          <p:nvPr/>
-        </p:nvSpPr>
-        <p:spPr>
-          <a:xfrm>
-            <a:off x="838200" y="5467350"/>
-            <a:ext cx="11001375" cy="923330"/>
-          </a:xfrm>
-          <a:prstGeom prst="rect">
-            <a:avLst/>
-          </a:prstGeom>
-          <a:noFill/>
-        </p:spPr>
-        <p:txBody>
-          <a:bodyPr wrap="square" rtlCol="0">
-            <a:spAutoFit/>
+            <a:off x="838200" y="1390650"/>
+            <a:ext cx="10515600" cy="4786313"/>
+          </a:xfrm>
+        </p:spPr>
+        <p:txBody>
+          <a:bodyPr>
+            <a:normAutofit/>
           </a:bodyPr>
           <a:lstStyle/>
           <a:p>
-            <a:pPr marL="285750" indent="-285750">
-              <a:buFont typeface="Arial" panose="020B0604020202020204" pitchFamily="34" charset="0"/>
-              <a:buChar char="•"/>
-            </a:pPr>
-            <a:r>
-              <a:rPr lang="en-US" dirty="0"/>
-              <a:t>Here application is responsible to handle caching part (Insert, update , delete)</a:t>
-            </a:r>
-          </a:p>
-          <a:p>
-            <a:pPr marL="285750" indent="-285750">
-              <a:buFont typeface="Arial" panose="020B0604020202020204" pitchFamily="34" charset="0"/>
-              <a:buChar char="•"/>
-            </a:pPr>
-            <a:r>
-              <a:rPr lang="en-US" dirty="0"/>
-              <a:t>Expiry strategy can be set as TTL (Expiry Time)</a:t>
-            </a:r>
-          </a:p>
-          <a:p>
-            <a:pPr marL="285750" indent="-285750">
-              <a:buFont typeface="Arial" panose="020B0604020202020204" pitchFamily="34" charset="0"/>
-              <a:buChar char="•"/>
-            </a:pPr>
-            <a:r>
-              <a:rPr lang="en-US" dirty="0"/>
-              <a:t>Here application Is interacting with both </a:t>
-            </a:r>
-            <a:r>
-              <a:rPr lang="en-US" dirty="0" err="1"/>
-              <a:t>db</a:t>
-            </a:r>
-            <a:r>
-              <a:rPr lang="en-US" dirty="0"/>
-              <a:t> and cache.</a:t>
-            </a:r>
-          </a:p>
-        </p:txBody>
-      </p:sp>
-      <p:cxnSp>
-        <p:nvCxnSpPr>
-          <p:cNvPr id="21" name="Straight Arrow Connector 20">
-            <a:extLst>
-              <a:ext uri="{FF2B5EF4-FFF2-40B4-BE49-F238E27FC236}">
-                <a16:creationId xmlns:a16="http://schemas.microsoft.com/office/drawing/2014/main" id="{18CED8A5-7DC3-4055-AC7E-088DF313A7AF}"/>
-              </a:ext>
-            </a:extLst>
-          </p:cNvPr>
-          <p:cNvCxnSpPr>
-            <a:cxnSpLocks/>
-          </p:cNvCxnSpPr>
-          <p:nvPr/>
-        </p:nvCxnSpPr>
-        <p:spPr>
-          <a:xfrm flipH="1">
-            <a:off x="3095624" y="2705100"/>
-            <a:ext cx="1285876" cy="0"/>
-          </a:xfrm>
-          <a:prstGeom prst="straightConnector1">
-            <a:avLst/>
-          </a:prstGeom>
-          <a:ln w="57150">
-            <a:tailEnd type="triangle"/>
-          </a:ln>
-        </p:spPr>
-        <p:style>
-          <a:lnRef idx="1">
-            <a:schemeClr val="accent1"/>
-          </a:lnRef>
-          <a:fillRef idx="0">
-            <a:schemeClr val="accent1"/>
-          </a:fillRef>
-          <a:effectRef idx="0">
-            <a:schemeClr val="accent1"/>
-          </a:effectRef>
-          <a:fontRef idx="minor">
-            <a:schemeClr val="tx1"/>
-          </a:fontRef>
-        </p:style>
-      </p:cxnSp>
-      <p:cxnSp>
-        <p:nvCxnSpPr>
-          <p:cNvPr id="24" name="Straight Arrow Connector 23">
-            <a:extLst>
-              <a:ext uri="{FF2B5EF4-FFF2-40B4-BE49-F238E27FC236}">
-                <a16:creationId xmlns:a16="http://schemas.microsoft.com/office/drawing/2014/main" id="{634700C2-D413-4B6C-A9CE-257601A7D13B}"/>
-              </a:ext>
-            </a:extLst>
-          </p:cNvPr>
-          <p:cNvCxnSpPr>
-            <a:cxnSpLocks/>
-          </p:cNvCxnSpPr>
-          <p:nvPr/>
-        </p:nvCxnSpPr>
-        <p:spPr>
-          <a:xfrm flipH="1">
-            <a:off x="7400925" y="2847340"/>
-            <a:ext cx="1866900" cy="0"/>
-          </a:xfrm>
-          <a:prstGeom prst="straightConnector1">
-            <a:avLst/>
-          </a:prstGeom>
-          <a:ln w="57150">
-            <a:tailEnd type="triangle"/>
-          </a:ln>
-        </p:spPr>
-        <p:style>
-          <a:lnRef idx="1">
-            <a:schemeClr val="accent1"/>
-          </a:lnRef>
-          <a:fillRef idx="0">
-            <a:schemeClr val="accent1"/>
-          </a:fillRef>
-          <a:effectRef idx="0">
-            <a:schemeClr val="accent1"/>
-          </a:effectRef>
-          <a:fontRef idx="minor">
-            <a:schemeClr val="tx1"/>
-          </a:fontRef>
-        </p:style>
-      </p:cxnSp>
-      <p:sp>
-        <p:nvSpPr>
-          <p:cNvPr id="26" name="TextBox 25">
-            <a:extLst>
-              <a:ext uri="{FF2B5EF4-FFF2-40B4-BE49-F238E27FC236}">
-                <a16:creationId xmlns:a16="http://schemas.microsoft.com/office/drawing/2014/main" id="{32DB24AD-E240-435E-BE87-23D982B78A1F}"/>
-              </a:ext>
-            </a:extLst>
-          </p:cNvPr>
-          <p:cNvSpPr txBox="1"/>
-          <p:nvPr/>
-        </p:nvSpPr>
-        <p:spPr>
-          <a:xfrm>
-            <a:off x="7962898" y="2874923"/>
-            <a:ext cx="942976" cy="369332"/>
-          </a:xfrm>
-          <a:prstGeom prst="rect">
-            <a:avLst/>
-          </a:prstGeom>
-          <a:noFill/>
-        </p:spPr>
-        <p:txBody>
-          <a:bodyPr wrap="square" rtlCol="0">
-            <a:spAutoFit/>
-          </a:bodyPr>
-          <a:lstStyle/>
-          <a:p>
-            <a:r>
-              <a:rPr lang="en-US" dirty="0"/>
-              <a:t>Read</a:t>
-            </a:r>
-          </a:p>
-        </p:txBody>
-      </p:sp>
-      <p:sp>
-        <p:nvSpPr>
-          <p:cNvPr id="28" name="TextBox 27">
-            <a:extLst>
-              <a:ext uri="{FF2B5EF4-FFF2-40B4-BE49-F238E27FC236}">
-                <a16:creationId xmlns:a16="http://schemas.microsoft.com/office/drawing/2014/main" id="{257D2EBA-67CE-4CA2-8667-CDC432A3486D}"/>
-              </a:ext>
-            </a:extLst>
-          </p:cNvPr>
-          <p:cNvSpPr txBox="1"/>
-          <p:nvPr/>
-        </p:nvSpPr>
-        <p:spPr>
-          <a:xfrm>
-            <a:off x="7998458" y="2094310"/>
-            <a:ext cx="871856" cy="369332"/>
-          </a:xfrm>
-          <a:prstGeom prst="rect">
-            <a:avLst/>
-          </a:prstGeom>
-          <a:noFill/>
-        </p:spPr>
-        <p:txBody>
-          <a:bodyPr wrap="square" rtlCol="0">
-            <a:spAutoFit/>
-          </a:bodyPr>
-          <a:lstStyle/>
-          <a:p>
-            <a:r>
-              <a:rPr lang="en-US" dirty="0"/>
-              <a:t>Write</a:t>
-            </a:r>
-          </a:p>
-        </p:txBody>
-      </p:sp>
-      <p:sp>
-        <p:nvSpPr>
-          <p:cNvPr id="29" name="TextBox 28">
-            <a:extLst>
-              <a:ext uri="{FF2B5EF4-FFF2-40B4-BE49-F238E27FC236}">
-                <a16:creationId xmlns:a16="http://schemas.microsoft.com/office/drawing/2014/main" id="{CB8218AE-B21F-4960-A0FA-824E4A3AD41F}"/>
-              </a:ext>
-            </a:extLst>
-          </p:cNvPr>
-          <p:cNvSpPr txBox="1"/>
-          <p:nvPr/>
-        </p:nvSpPr>
-        <p:spPr>
-          <a:xfrm>
-            <a:off x="4821713" y="3516869"/>
-            <a:ext cx="871856" cy="369332"/>
-          </a:xfrm>
-          <a:prstGeom prst="rect">
-            <a:avLst/>
-          </a:prstGeom>
-          <a:noFill/>
-        </p:spPr>
-        <p:txBody>
-          <a:bodyPr wrap="square" rtlCol="0">
-            <a:spAutoFit/>
-          </a:bodyPr>
-          <a:lstStyle/>
-          <a:p>
-            <a:r>
-              <a:rPr lang="en-US" dirty="0"/>
-              <a:t>Write</a:t>
-            </a:r>
-          </a:p>
-        </p:txBody>
-      </p:sp>
-      <p:sp>
-        <p:nvSpPr>
-          <p:cNvPr id="30" name="TextBox 29">
-            <a:extLst>
-              <a:ext uri="{FF2B5EF4-FFF2-40B4-BE49-F238E27FC236}">
-                <a16:creationId xmlns:a16="http://schemas.microsoft.com/office/drawing/2014/main" id="{50B67231-1A43-45AA-91CF-F9F607CAB349}"/>
-              </a:ext>
-            </a:extLst>
-          </p:cNvPr>
-          <p:cNvSpPr txBox="1"/>
-          <p:nvPr/>
-        </p:nvSpPr>
-        <p:spPr>
-          <a:xfrm>
-            <a:off x="5896293" y="3569256"/>
-            <a:ext cx="942976" cy="369332"/>
-          </a:xfrm>
-          <a:prstGeom prst="rect">
-            <a:avLst/>
-          </a:prstGeom>
-          <a:noFill/>
-        </p:spPr>
-        <p:txBody>
-          <a:bodyPr wrap="square" rtlCol="0">
-            <a:spAutoFit/>
-          </a:bodyPr>
-          <a:lstStyle/>
-          <a:p>
-            <a:r>
-              <a:rPr lang="en-US" dirty="0"/>
-              <a:t>Read</a:t>
-            </a:r>
+            <a:pPr lvl="1"/>
+            <a:r>
+              <a:rPr lang="en-US" b="0" i="0" dirty="0">
+                <a:solidFill>
+                  <a:srgbClr val="222635"/>
+                </a:solidFill>
+                <a:effectLst/>
+                <a:latin typeface="Cambria" panose="02040503050406030204" pitchFamily="18" charset="0"/>
+              </a:rPr>
+              <a:t>Available memory is an important factor to achieve performance SLA and it depends on 32/64 bit JRE, which is further dependent on 32/64-bit CPU architecture machines. In a 32-bit system/JRE, ~1.5 GB of heap is left for application use, while in a 64-bit system/JRE, heap size is dependent on RAM size.</a:t>
+            </a:r>
+          </a:p>
+          <a:p>
+            <a:pPr lvl="1"/>
+            <a:r>
+              <a:rPr lang="en-US" b="0" i="0" dirty="0">
+                <a:solidFill>
+                  <a:srgbClr val="222635"/>
+                </a:solidFill>
+                <a:effectLst/>
+                <a:latin typeface="Cambria" panose="02040503050406030204" pitchFamily="18" charset="0"/>
+              </a:rPr>
+              <a:t>High availability of memory does have cost at runtime and can have negative consequences.</a:t>
+            </a:r>
+          </a:p>
+          <a:p>
+            <a:pPr lvl="2"/>
+            <a:r>
+              <a:rPr lang="en-US" b="0" i="0" dirty="0">
+                <a:solidFill>
+                  <a:srgbClr val="222635"/>
+                </a:solidFill>
+                <a:effectLst/>
+                <a:latin typeface="Cambria" panose="02040503050406030204" pitchFamily="18" charset="0"/>
+              </a:rPr>
+              <a:t>30-50% more heap is required on 64-bit compared to 32-bit due to memory layout.</a:t>
+            </a:r>
+          </a:p>
+          <a:p>
+            <a:pPr lvl="2"/>
+            <a:r>
+              <a:rPr lang="en-US" b="0" i="0" dirty="0">
+                <a:solidFill>
+                  <a:srgbClr val="222635"/>
+                </a:solidFill>
+                <a:effectLst/>
+                <a:latin typeface="Cambria" panose="02040503050406030204" pitchFamily="18" charset="0"/>
+              </a:rPr>
+              <a:t>Maintaining more heap requires more GC work for cleaning unused objects that can degrade performance. Fine-tuning GC can be an option to limit GC pauses.</a:t>
+            </a:r>
+          </a:p>
+          <a:p>
+            <a:endParaRPr lang="en-US" dirty="0"/>
           </a:p>
         </p:txBody>
       </p:sp>
     </p:spTree>
     <p:extLst>
       <p:ext uri="{BB962C8B-B14F-4D97-AF65-F5344CB8AC3E}">
-        <p14:creationId xmlns:p14="http://schemas.microsoft.com/office/powerpoint/2010/main" val="779442428"/>
+        <p14:creationId xmlns:p14="http://schemas.microsoft.com/office/powerpoint/2010/main" val="2257674661"/>
       </p:ext>
     </p:extLst>
   </p:cSld>
@@ -5130,7 +8710,7 @@
           <p:cNvPr id="2" name="Title 1">
             <a:extLst>
               <a:ext uri="{FF2B5EF4-FFF2-40B4-BE49-F238E27FC236}">
-                <a16:creationId xmlns:a16="http://schemas.microsoft.com/office/drawing/2014/main" id="{4EF8F62C-E012-4E00-A529-5E8CCAD2239E}"/>
+                <a16:creationId xmlns:a16="http://schemas.microsoft.com/office/drawing/2014/main" id="{965B380C-0803-453D-9DAC-ADF30D99B662}"/>
               </a:ext>
             </a:extLst>
           </p:cNvPr>
@@ -5141,81 +8721,46 @@
             <p:ph type="title"/>
           </p:nvPr>
         </p:nvSpPr>
-        <p:spPr/>
-        <p:txBody>
-          <a:bodyPr/>
-          <a:lstStyle/>
-          <a:p>
-            <a:pPr algn="ctr"/>
-            <a:r>
-              <a:rPr lang="en-US" b="0" i="0" dirty="0">
-                <a:solidFill>
-                  <a:srgbClr val="000000"/>
+        <p:spPr>
+          <a:xfrm>
+            <a:off x="838200" y="365125"/>
+            <a:ext cx="10515600" cy="1158875"/>
+          </a:xfrm>
+        </p:spPr>
+        <p:txBody>
+          <a:bodyPr>
+            <a:normAutofit fontScale="90000"/>
+          </a:bodyPr>
+          <a:lstStyle/>
+          <a:p>
+            <a:r>
+              <a:rPr lang="en-US" b="1" i="0" dirty="0">
+                <a:solidFill>
+                  <a:srgbClr val="222635"/>
                 </a:solidFill>
                 <a:effectLst/>
-                <a:latin typeface="Roboto" panose="02000000000000000000" pitchFamily="2" charset="0"/>
+                <a:latin typeface="Helvetica Neue"/>
               </a:rPr>
-              <a:t>Read-Through</a:t>
-            </a:r>
+              <a:t>Eviction Policy</a:t>
+            </a:r>
+            <a:br>
+              <a:rPr lang="en-US" sz="4400" dirty="0">
+                <a:solidFill>
+                  <a:srgbClr val="222635"/>
+                </a:solidFill>
+                <a:latin typeface="Cambria" panose="02040503050406030204" pitchFamily="18" charset="0"/>
+              </a:rPr>
+            </a:br>
             <a:endParaRPr lang="en-US" dirty="0"/>
           </a:p>
         </p:txBody>
       </p:sp>
       <p:sp>
         <p:nvSpPr>
-          <p:cNvPr id="4" name="Rectangle: Rounded Corners 3">
-            <a:extLst>
-              <a:ext uri="{FF2B5EF4-FFF2-40B4-BE49-F238E27FC236}">
-                <a16:creationId xmlns:a16="http://schemas.microsoft.com/office/drawing/2014/main" id="{E8383B85-00BE-4F0D-8606-121986230C70}"/>
-              </a:ext>
-            </a:extLst>
-          </p:cNvPr>
-          <p:cNvSpPr/>
-          <p:nvPr/>
-        </p:nvSpPr>
-        <p:spPr>
-          <a:xfrm>
-            <a:off x="1362075" y="2287368"/>
-            <a:ext cx="1733550" cy="646331"/>
-          </a:xfrm>
-          <a:prstGeom prst="roundRect">
-            <a:avLst/>
-          </a:prstGeom>
-        </p:spPr>
-        <p:style>
-          <a:lnRef idx="2">
-            <a:schemeClr val="accent1">
-              <a:shade val="50000"/>
-            </a:schemeClr>
-          </a:lnRef>
-          <a:fillRef idx="1">
-            <a:schemeClr val="accent1"/>
-          </a:fillRef>
-          <a:effectRef idx="0">
-            <a:schemeClr val="accent1"/>
-          </a:effectRef>
-          <a:fontRef idx="minor">
-            <a:schemeClr val="lt1"/>
-          </a:fontRef>
-        </p:style>
-        <p:txBody>
-          <a:bodyPr rtlCol="0" anchor="ctr"/>
-          <a:lstStyle/>
-          <a:p>
-            <a:pPr algn="ctr"/>
-            <a:r>
-              <a:rPr lang="en-US" dirty="0"/>
-              <a:t>Client</a:t>
-            </a:r>
-          </a:p>
-        </p:txBody>
-      </p:sp>
-      <p:sp>
-        <p:nvSpPr>
-          <p:cNvPr id="5" name="Content Placeholder 4">
-            <a:extLst>
-              <a:ext uri="{FF2B5EF4-FFF2-40B4-BE49-F238E27FC236}">
-                <a16:creationId xmlns:a16="http://schemas.microsoft.com/office/drawing/2014/main" id="{EA6AE321-A5BA-417D-98D0-DC19B4682140}"/>
+          <p:cNvPr id="3" name="Content Placeholder 2">
+            <a:extLst>
+              <a:ext uri="{FF2B5EF4-FFF2-40B4-BE49-F238E27FC236}">
+                <a16:creationId xmlns:a16="http://schemas.microsoft.com/office/drawing/2014/main" id="{7C719620-4AC9-439F-BAF6-4B37CE362BC4}"/>
               </a:ext>
             </a:extLst>
           </p:cNvPr>
@@ -5228,504 +8773,81 @@
         </p:nvSpPr>
         <p:spPr>
           <a:xfrm>
-            <a:off x="4381500" y="1771649"/>
-            <a:ext cx="3019425" cy="1666875"/>
-          </a:xfrm>
-          <a:prstGeom prst="roundRect">
-            <a:avLst/>
-          </a:prstGeom>
-        </p:spPr>
-        <p:style>
-          <a:lnRef idx="2">
-            <a:schemeClr val="accent1">
-              <a:shade val="50000"/>
-            </a:schemeClr>
-          </a:lnRef>
-          <a:fillRef idx="1">
-            <a:schemeClr val="accent1"/>
-          </a:fillRef>
-          <a:effectRef idx="0">
-            <a:schemeClr val="accent1"/>
-          </a:effectRef>
-          <a:fontRef idx="minor">
-            <a:schemeClr val="lt1"/>
-          </a:fontRef>
-        </p:style>
-        <p:txBody>
-          <a:bodyPr rtlCol="0" anchor="ctr"/>
-          <a:lstStyle/>
+            <a:off x="838200" y="1390650"/>
+            <a:ext cx="10515600" cy="4786313"/>
+          </a:xfrm>
+        </p:spPr>
+        <p:txBody>
+          <a:bodyPr>
+            <a:normAutofit/>
+          </a:bodyPr>
+          <a:lstStyle/>
+          <a:p>
+            <a:pPr marL="0" indent="0" algn="l">
+              <a:buNone/>
+            </a:pPr>
+            <a:r>
+              <a:rPr lang="en-US" b="0" i="0" dirty="0">
+                <a:solidFill>
+                  <a:srgbClr val="222635"/>
+                </a:solidFill>
+                <a:effectLst/>
+                <a:latin typeface="Cambria" panose="02040503050406030204" pitchFamily="18" charset="0"/>
+              </a:rPr>
+              <a:t>An eviction policy enables a cache to ensure that the size of the cache doesn't exceed the maximum limit. To achieve this, existing elements are removed from a cache depending on the eviction policy, but it can be customized as per application requirements. There are various popular eviction algorithms used in cache solution:</a:t>
+            </a:r>
+          </a:p>
+          <a:p>
+            <a:pPr lvl="1"/>
+            <a:r>
+              <a:rPr lang="en-US" b="0" i="0" dirty="0">
+                <a:solidFill>
+                  <a:srgbClr val="222635"/>
+                </a:solidFill>
+                <a:effectLst/>
+                <a:latin typeface="Cambria" panose="02040503050406030204" pitchFamily="18" charset="0"/>
+              </a:rPr>
+              <a:t>Least Recently Used (LRU)</a:t>
+            </a:r>
+          </a:p>
+          <a:p>
+            <a:pPr lvl="1"/>
+            <a:r>
+              <a:rPr lang="en-US" b="0" i="0" dirty="0">
+                <a:solidFill>
+                  <a:srgbClr val="222635"/>
+                </a:solidFill>
+                <a:effectLst/>
+                <a:latin typeface="Cambria" panose="02040503050406030204" pitchFamily="18" charset="0"/>
+              </a:rPr>
+              <a:t>Least Frequently Used (LFU)</a:t>
+            </a:r>
+          </a:p>
+          <a:p>
+            <a:pPr lvl="1"/>
+            <a:r>
+              <a:rPr lang="en-US" b="0" i="0" dirty="0">
+                <a:solidFill>
+                  <a:srgbClr val="222635"/>
+                </a:solidFill>
+                <a:effectLst/>
+                <a:latin typeface="Cambria" panose="02040503050406030204" pitchFamily="18" charset="0"/>
+              </a:rPr>
+              <a:t>First In, First Out (FIFO)</a:t>
+            </a:r>
+          </a:p>
           <a:p>
             <a:pPr marL="0" indent="0">
               <a:buNone/>
             </a:pPr>
-            <a:r>
-              <a:rPr lang="en-US" dirty="0"/>
-              <a:t>Server / Application</a:t>
-            </a:r>
-          </a:p>
-        </p:txBody>
-      </p:sp>
-      <p:sp>
-        <p:nvSpPr>
-          <p:cNvPr id="6" name="Flowchart: Magnetic Disk 5">
-            <a:extLst>
-              <a:ext uri="{FF2B5EF4-FFF2-40B4-BE49-F238E27FC236}">
-                <a16:creationId xmlns:a16="http://schemas.microsoft.com/office/drawing/2014/main" id="{360E7C2A-681D-4FDF-A38D-27A1777CF18F}"/>
-              </a:ext>
-            </a:extLst>
-          </p:cNvPr>
-          <p:cNvSpPr/>
-          <p:nvPr/>
-        </p:nvSpPr>
-        <p:spPr>
-          <a:xfrm>
-            <a:off x="10258425" y="1942303"/>
-            <a:ext cx="1095375" cy="1325563"/>
-          </a:xfrm>
-          <a:prstGeom prst="flowChartMagneticDisk">
-            <a:avLst/>
-          </a:prstGeom>
-        </p:spPr>
-        <p:style>
-          <a:lnRef idx="2">
-            <a:schemeClr val="accent1">
-              <a:shade val="50000"/>
-            </a:schemeClr>
-          </a:lnRef>
-          <a:fillRef idx="1">
-            <a:schemeClr val="accent1"/>
-          </a:fillRef>
-          <a:effectRef idx="0">
-            <a:schemeClr val="accent1"/>
-          </a:effectRef>
-          <a:fontRef idx="minor">
-            <a:schemeClr val="lt1"/>
-          </a:fontRef>
-        </p:style>
-        <p:txBody>
-          <a:bodyPr rtlCol="0" anchor="ctr"/>
-          <a:lstStyle/>
-          <a:p>
-            <a:pPr algn="ctr"/>
-            <a:r>
-              <a:rPr lang="en-US" dirty="0"/>
-              <a:t>DB</a:t>
-            </a:r>
-          </a:p>
-        </p:txBody>
-      </p:sp>
-      <p:sp>
-        <p:nvSpPr>
-          <p:cNvPr id="7" name="Rectangle: Rounded Corners 6">
-            <a:extLst>
-              <a:ext uri="{FF2B5EF4-FFF2-40B4-BE49-F238E27FC236}">
-                <a16:creationId xmlns:a16="http://schemas.microsoft.com/office/drawing/2014/main" id="{9A733189-6230-4770-AE94-1634E373E191}"/>
-              </a:ext>
-            </a:extLst>
-          </p:cNvPr>
-          <p:cNvSpPr/>
-          <p:nvPr/>
-        </p:nvSpPr>
-        <p:spPr>
-          <a:xfrm>
-            <a:off x="8012906" y="2152648"/>
-            <a:ext cx="1657350" cy="904875"/>
-          </a:xfrm>
-          <a:prstGeom prst="roundRect">
-            <a:avLst/>
-          </a:prstGeom>
-        </p:spPr>
-        <p:style>
-          <a:lnRef idx="2">
-            <a:schemeClr val="accent1">
-              <a:shade val="50000"/>
-            </a:schemeClr>
-          </a:lnRef>
-          <a:fillRef idx="1">
-            <a:schemeClr val="accent1"/>
-          </a:fillRef>
-          <a:effectRef idx="0">
-            <a:schemeClr val="accent1"/>
-          </a:effectRef>
-          <a:fontRef idx="minor">
-            <a:schemeClr val="lt1"/>
-          </a:fontRef>
-        </p:style>
-        <p:txBody>
-          <a:bodyPr rtlCol="0" anchor="ctr"/>
-          <a:lstStyle/>
-          <a:p>
-            <a:pPr algn="ctr"/>
-            <a:r>
-              <a:rPr lang="en-US" dirty="0"/>
-              <a:t>Cache</a:t>
-            </a:r>
-          </a:p>
-        </p:txBody>
-      </p:sp>
-      <p:cxnSp>
-        <p:nvCxnSpPr>
-          <p:cNvPr id="9" name="Straight Arrow Connector 8">
-            <a:extLst>
-              <a:ext uri="{FF2B5EF4-FFF2-40B4-BE49-F238E27FC236}">
-                <a16:creationId xmlns:a16="http://schemas.microsoft.com/office/drawing/2014/main" id="{F036F3B5-B216-4A82-B14B-2598F7803AC4}"/>
-              </a:ext>
-            </a:extLst>
-          </p:cNvPr>
-          <p:cNvCxnSpPr>
-            <a:cxnSpLocks/>
-            <a:stCxn id="4" idx="3"/>
-            <a:endCxn id="5" idx="1"/>
-          </p:cNvCxnSpPr>
-          <p:nvPr/>
-        </p:nvCxnSpPr>
-        <p:spPr>
-          <a:xfrm flipV="1">
-            <a:off x="3095625" y="2605087"/>
-            <a:ext cx="1285875" cy="5447"/>
-          </a:xfrm>
-          <a:prstGeom prst="straightConnector1">
-            <a:avLst/>
-          </a:prstGeom>
-          <a:ln w="57150">
-            <a:tailEnd type="triangle"/>
-          </a:ln>
-        </p:spPr>
-        <p:style>
-          <a:lnRef idx="1">
-            <a:schemeClr val="accent1"/>
-          </a:lnRef>
-          <a:fillRef idx="0">
-            <a:schemeClr val="accent1"/>
-          </a:fillRef>
-          <a:effectRef idx="0">
-            <a:schemeClr val="accent1"/>
-          </a:effectRef>
-          <a:fontRef idx="minor">
-            <a:schemeClr val="tx1"/>
-          </a:fontRef>
-        </p:style>
-      </p:cxnSp>
-      <p:sp>
-        <p:nvSpPr>
-          <p:cNvPr id="20" name="TextBox 19">
-            <a:extLst>
-              <a:ext uri="{FF2B5EF4-FFF2-40B4-BE49-F238E27FC236}">
-                <a16:creationId xmlns:a16="http://schemas.microsoft.com/office/drawing/2014/main" id="{F4D26ACC-C3C1-4A8F-9407-FD3CD50B14C8}"/>
-              </a:ext>
-            </a:extLst>
-          </p:cNvPr>
-          <p:cNvSpPr txBox="1"/>
-          <p:nvPr/>
-        </p:nvSpPr>
-        <p:spPr>
-          <a:xfrm>
-            <a:off x="523875" y="4271961"/>
-            <a:ext cx="11001375" cy="1477328"/>
-          </a:xfrm>
-          <a:prstGeom prst="rect">
-            <a:avLst/>
-          </a:prstGeom>
-          <a:noFill/>
-        </p:spPr>
-        <p:txBody>
-          <a:bodyPr wrap="square" rtlCol="0">
-            <a:spAutoFit/>
-          </a:bodyPr>
-          <a:lstStyle/>
-          <a:p>
-            <a:pPr marL="285750" indent="-285750">
-              <a:buFont typeface="Arial" panose="020B0604020202020204" pitchFamily="34" charset="0"/>
-              <a:buChar char="•"/>
-            </a:pPr>
-            <a:r>
-              <a:rPr lang="en-US" dirty="0"/>
-              <a:t>Here Cache will reside between Application  and DB</a:t>
-            </a:r>
-          </a:p>
-          <a:p>
-            <a:pPr marL="285750" indent="-285750">
-              <a:buFont typeface="Arial" panose="020B0604020202020204" pitchFamily="34" charset="0"/>
-              <a:buChar char="•"/>
-            </a:pPr>
-            <a:r>
-              <a:rPr lang="en-US" dirty="0"/>
-              <a:t>Here Application will read through cache will not call </a:t>
-            </a:r>
-            <a:r>
-              <a:rPr lang="en-US" dirty="0" err="1"/>
-              <a:t>db</a:t>
-            </a:r>
-            <a:r>
-              <a:rPr lang="en-US" dirty="0"/>
-              <a:t> directly anytime.</a:t>
-            </a:r>
-          </a:p>
-          <a:p>
-            <a:pPr marL="285750" indent="-285750">
-              <a:buFont typeface="Arial" panose="020B0604020202020204" pitchFamily="34" charset="0"/>
-              <a:buChar char="•"/>
-            </a:pPr>
-            <a:r>
-              <a:rPr lang="en-US" dirty="0"/>
-              <a:t>Advantage : Data will be read from cache and cache will interact with  </a:t>
-            </a:r>
-            <a:r>
-              <a:rPr lang="en-US" dirty="0" err="1"/>
-              <a:t>db</a:t>
-            </a:r>
-            <a:r>
-              <a:rPr lang="en-US" dirty="0"/>
-              <a:t> for reading</a:t>
-            </a:r>
-          </a:p>
-          <a:p>
-            <a:pPr marL="285750" indent="-285750">
-              <a:buFont typeface="Arial" panose="020B0604020202020204" pitchFamily="34" charset="0"/>
-              <a:buChar char="•"/>
-            </a:pPr>
-            <a:r>
-              <a:rPr lang="en-US" dirty="0"/>
-              <a:t>Disadvantage : Memory mis may happen for very first request as there will be no data in cache. It can be solved by pre heating the cache/ preloading data in cache. </a:t>
-            </a:r>
-          </a:p>
-        </p:txBody>
-      </p:sp>
-      <p:cxnSp>
-        <p:nvCxnSpPr>
-          <p:cNvPr id="19" name="Straight Arrow Connector 18">
-            <a:extLst>
-              <a:ext uri="{FF2B5EF4-FFF2-40B4-BE49-F238E27FC236}">
-                <a16:creationId xmlns:a16="http://schemas.microsoft.com/office/drawing/2014/main" id="{D414971D-79C3-4893-87CE-6F8C7994985E}"/>
-              </a:ext>
-            </a:extLst>
-          </p:cNvPr>
-          <p:cNvCxnSpPr>
-            <a:cxnSpLocks/>
-            <a:stCxn id="5" idx="3"/>
-            <a:endCxn id="7" idx="1"/>
-          </p:cNvCxnSpPr>
-          <p:nvPr/>
-        </p:nvCxnSpPr>
-        <p:spPr>
-          <a:xfrm flipV="1">
-            <a:off x="7400925" y="2605086"/>
-            <a:ext cx="611981" cy="1"/>
-          </a:xfrm>
-          <a:prstGeom prst="straightConnector1">
-            <a:avLst/>
-          </a:prstGeom>
-          <a:ln w="57150">
-            <a:tailEnd type="triangle"/>
-          </a:ln>
-        </p:spPr>
-        <p:style>
-          <a:lnRef idx="1">
-            <a:schemeClr val="accent1"/>
-          </a:lnRef>
-          <a:fillRef idx="0">
-            <a:schemeClr val="accent1"/>
-          </a:fillRef>
-          <a:effectRef idx="0">
-            <a:schemeClr val="accent1"/>
-          </a:effectRef>
-          <a:fontRef idx="minor">
-            <a:schemeClr val="tx1"/>
-          </a:fontRef>
-        </p:style>
-      </p:cxnSp>
-      <p:cxnSp>
-        <p:nvCxnSpPr>
-          <p:cNvPr id="23" name="Straight Arrow Connector 22">
-            <a:extLst>
-              <a:ext uri="{FF2B5EF4-FFF2-40B4-BE49-F238E27FC236}">
-                <a16:creationId xmlns:a16="http://schemas.microsoft.com/office/drawing/2014/main" id="{880A5CF1-EBFE-47AD-93C8-C7D113DA50F7}"/>
-              </a:ext>
-            </a:extLst>
-          </p:cNvPr>
-          <p:cNvCxnSpPr>
-            <a:cxnSpLocks/>
-            <a:endCxn id="6" idx="2"/>
-          </p:cNvCxnSpPr>
-          <p:nvPr/>
-        </p:nvCxnSpPr>
-        <p:spPr>
-          <a:xfrm flipV="1">
-            <a:off x="9601200" y="2605085"/>
-            <a:ext cx="657225" cy="2"/>
-          </a:xfrm>
-          <a:prstGeom prst="straightConnector1">
-            <a:avLst/>
-          </a:prstGeom>
-          <a:ln w="57150">
-            <a:tailEnd type="triangle"/>
-          </a:ln>
-        </p:spPr>
-        <p:style>
-          <a:lnRef idx="1">
-            <a:schemeClr val="accent1"/>
-          </a:lnRef>
-          <a:fillRef idx="0">
-            <a:schemeClr val="accent1"/>
-          </a:fillRef>
-          <a:effectRef idx="0">
-            <a:schemeClr val="accent1"/>
-          </a:effectRef>
-          <a:fontRef idx="minor">
-            <a:schemeClr val="tx1"/>
-          </a:fontRef>
-        </p:style>
-      </p:cxnSp>
-      <p:cxnSp>
-        <p:nvCxnSpPr>
-          <p:cNvPr id="24" name="Straight Arrow Connector 23">
-            <a:extLst>
-              <a:ext uri="{FF2B5EF4-FFF2-40B4-BE49-F238E27FC236}">
-                <a16:creationId xmlns:a16="http://schemas.microsoft.com/office/drawing/2014/main" id="{0DB67B7C-B27E-4108-806C-0A280ECF32D8}"/>
-              </a:ext>
-            </a:extLst>
-          </p:cNvPr>
-          <p:cNvCxnSpPr>
-            <a:cxnSpLocks/>
-          </p:cNvCxnSpPr>
-          <p:nvPr/>
-        </p:nvCxnSpPr>
-        <p:spPr>
-          <a:xfrm flipH="1">
-            <a:off x="7400926" y="2847340"/>
-            <a:ext cx="611980" cy="0"/>
-          </a:xfrm>
-          <a:prstGeom prst="straightConnector1">
-            <a:avLst/>
-          </a:prstGeom>
-          <a:ln w="57150">
-            <a:tailEnd type="triangle"/>
-          </a:ln>
-        </p:spPr>
-        <p:style>
-          <a:lnRef idx="1">
-            <a:schemeClr val="accent1"/>
-          </a:lnRef>
-          <a:fillRef idx="0">
-            <a:schemeClr val="accent1"/>
-          </a:fillRef>
-          <a:effectRef idx="0">
-            <a:schemeClr val="accent1"/>
-          </a:effectRef>
-          <a:fontRef idx="minor">
-            <a:schemeClr val="tx1"/>
-          </a:fontRef>
-        </p:style>
-      </p:cxnSp>
-      <p:sp>
-        <p:nvSpPr>
-          <p:cNvPr id="27" name="TextBox 26">
-            <a:extLst>
-              <a:ext uri="{FF2B5EF4-FFF2-40B4-BE49-F238E27FC236}">
-                <a16:creationId xmlns:a16="http://schemas.microsoft.com/office/drawing/2014/main" id="{9F9E7750-AB9E-4190-9AAA-482736EF9964}"/>
-              </a:ext>
-            </a:extLst>
-          </p:cNvPr>
-          <p:cNvSpPr txBox="1"/>
-          <p:nvPr/>
-        </p:nvSpPr>
-        <p:spPr>
-          <a:xfrm>
-            <a:off x="7400925" y="2102702"/>
-            <a:ext cx="871856" cy="369332"/>
-          </a:xfrm>
-          <a:prstGeom prst="rect">
-            <a:avLst/>
-          </a:prstGeom>
-          <a:noFill/>
-        </p:spPr>
-        <p:txBody>
-          <a:bodyPr wrap="square" rtlCol="0">
-            <a:spAutoFit/>
-          </a:bodyPr>
-          <a:lstStyle/>
-          <a:p>
-            <a:r>
-              <a:rPr lang="en-US" dirty="0"/>
-              <a:t>Write</a:t>
-            </a:r>
-          </a:p>
-        </p:txBody>
-      </p:sp>
-      <p:sp>
-        <p:nvSpPr>
-          <p:cNvPr id="28" name="TextBox 27">
-            <a:extLst>
-              <a:ext uri="{FF2B5EF4-FFF2-40B4-BE49-F238E27FC236}">
-                <a16:creationId xmlns:a16="http://schemas.microsoft.com/office/drawing/2014/main" id="{F3BC147E-385E-4978-AE0B-C8F25C8DF079}"/>
-              </a:ext>
-            </a:extLst>
-          </p:cNvPr>
-          <p:cNvSpPr txBox="1"/>
-          <p:nvPr/>
-        </p:nvSpPr>
-        <p:spPr>
-          <a:xfrm>
-            <a:off x="7469981" y="2821243"/>
-            <a:ext cx="942976" cy="369332"/>
-          </a:xfrm>
-          <a:prstGeom prst="rect">
-            <a:avLst/>
-          </a:prstGeom>
-          <a:noFill/>
-        </p:spPr>
-        <p:txBody>
-          <a:bodyPr wrap="square" rtlCol="0">
-            <a:spAutoFit/>
-          </a:bodyPr>
-          <a:lstStyle/>
-          <a:p>
-            <a:r>
-              <a:rPr lang="en-US" dirty="0"/>
-              <a:t>Read</a:t>
-            </a:r>
-          </a:p>
-        </p:txBody>
-      </p:sp>
-      <p:sp>
-        <p:nvSpPr>
-          <p:cNvPr id="29" name="TextBox 28">
-            <a:extLst>
-              <a:ext uri="{FF2B5EF4-FFF2-40B4-BE49-F238E27FC236}">
-                <a16:creationId xmlns:a16="http://schemas.microsoft.com/office/drawing/2014/main" id="{F8DC6BB8-A7F8-481E-BE31-BAA7D4F01A71}"/>
-              </a:ext>
-            </a:extLst>
-          </p:cNvPr>
-          <p:cNvSpPr txBox="1"/>
-          <p:nvPr/>
-        </p:nvSpPr>
-        <p:spPr>
-          <a:xfrm>
-            <a:off x="9646761" y="2235752"/>
-            <a:ext cx="942976" cy="369332"/>
-          </a:xfrm>
-          <a:prstGeom prst="rect">
-            <a:avLst/>
-          </a:prstGeom>
-          <a:noFill/>
-        </p:spPr>
-        <p:txBody>
-          <a:bodyPr wrap="square" rtlCol="0">
-            <a:spAutoFit/>
-          </a:bodyPr>
-          <a:lstStyle/>
-          <a:p>
-            <a:r>
-              <a:rPr lang="en-US" dirty="0"/>
-              <a:t>Read</a:t>
-            </a:r>
+            <a:endParaRPr lang="en-US" dirty="0"/>
           </a:p>
         </p:txBody>
       </p:sp>
     </p:spTree>
     <p:extLst>
       <p:ext uri="{BB962C8B-B14F-4D97-AF65-F5344CB8AC3E}">
-        <p14:creationId xmlns:p14="http://schemas.microsoft.com/office/powerpoint/2010/main" val="1619768743"/>
+        <p14:creationId xmlns:p14="http://schemas.microsoft.com/office/powerpoint/2010/main" val="4114501892"/>
       </p:ext>
     </p:extLst>
   </p:cSld>
@@ -5757,7 +8879,7 @@
           <p:cNvPr id="2" name="Title 1">
             <a:extLst>
               <a:ext uri="{FF2B5EF4-FFF2-40B4-BE49-F238E27FC236}">
-                <a16:creationId xmlns:a16="http://schemas.microsoft.com/office/drawing/2014/main" id="{4EF8F62C-E012-4E00-A529-5E8CCAD2239E}"/>
+                <a16:creationId xmlns:a16="http://schemas.microsoft.com/office/drawing/2014/main" id="{965B380C-0803-453D-9DAC-ADF30D99B662}"/>
               </a:ext>
             </a:extLst>
           </p:cNvPr>
@@ -5768,90 +8890,46 @@
             <p:ph type="title"/>
           </p:nvPr>
         </p:nvSpPr>
-        <p:spPr/>
-        <p:txBody>
-          <a:bodyPr/>
-          <a:lstStyle/>
-          <a:p>
-            <a:pPr algn="ctr"/>
-            <a:r>
-              <a:rPr lang="en-US" dirty="0">
-                <a:solidFill>
-                  <a:srgbClr val="000000"/>
-                </a:solidFill>
-                <a:latin typeface="Roboto" panose="02000000000000000000" pitchFamily="2" charset="0"/>
+        <p:spPr>
+          <a:xfrm>
+            <a:off x="838200" y="365125"/>
+            <a:ext cx="10515600" cy="1158875"/>
+          </a:xfrm>
+        </p:spPr>
+        <p:txBody>
+          <a:bodyPr>
+            <a:normAutofit fontScale="90000"/>
+          </a:bodyPr>
+          <a:lstStyle/>
+          <a:p>
+            <a:r>
+              <a:rPr lang="en-US" b="1" i="0" dirty="0">
+                <a:solidFill>
+                  <a:srgbClr val="222635"/>
+                </a:solidFill>
+                <a:effectLst/>
+                <a:latin typeface="Helvetica Neue"/>
               </a:rPr>
-              <a:t>Write</a:t>
-            </a:r>
-            <a:r>
-              <a:rPr lang="en-US" b="0" i="0" dirty="0">
-                <a:solidFill>
-                  <a:srgbClr val="000000"/>
-                </a:solidFill>
-                <a:effectLst/>
-                <a:latin typeface="Roboto" panose="02000000000000000000" pitchFamily="2" charset="0"/>
+              <a:t>Cache Statistics</a:t>
+            </a:r>
+            <a:br>
+              <a:rPr lang="en-US" sz="4400" dirty="0">
+                <a:solidFill>
+                  <a:srgbClr val="222635"/>
+                </a:solidFill>
+                <a:latin typeface="Cambria" panose="02040503050406030204" pitchFamily="18" charset="0"/>
               </a:rPr>
-              <a:t>-Through</a:t>
-            </a:r>
+            </a:br>
             <a:endParaRPr lang="en-US" dirty="0"/>
           </a:p>
         </p:txBody>
       </p:sp>
       <p:sp>
         <p:nvSpPr>
-          <p:cNvPr id="4" name="Rectangle: Rounded Corners 3">
-            <a:extLst>
-              <a:ext uri="{FF2B5EF4-FFF2-40B4-BE49-F238E27FC236}">
-                <a16:creationId xmlns:a16="http://schemas.microsoft.com/office/drawing/2014/main" id="{E8383B85-00BE-4F0D-8606-121986230C70}"/>
-              </a:ext>
-            </a:extLst>
-          </p:cNvPr>
-          <p:cNvSpPr/>
-          <p:nvPr/>
-        </p:nvSpPr>
-        <p:spPr>
-          <a:xfrm>
-            <a:off x="1362075" y="2287368"/>
-            <a:ext cx="1733550" cy="646331"/>
-          </a:xfrm>
-          <a:prstGeom prst="roundRect">
-            <a:avLst/>
-          </a:prstGeom>
-        </p:spPr>
-        <p:style>
-          <a:lnRef idx="2">
-            <a:schemeClr val="accent1">
-              <a:shade val="50000"/>
-            </a:schemeClr>
-          </a:lnRef>
-          <a:fillRef idx="1">
-            <a:schemeClr val="accent1"/>
-          </a:fillRef>
-          <a:effectRef idx="0">
-            <a:schemeClr val="accent1"/>
-          </a:effectRef>
-          <a:fontRef idx="minor">
-            <a:schemeClr val="lt1"/>
-          </a:fontRef>
-        </p:style>
-        <p:txBody>
-          <a:bodyPr rtlCol="0" anchor="ctr"/>
-          <a:lstStyle/>
-          <a:p>
-            <a:pPr algn="ctr"/>
-            <a:r>
-              <a:rPr lang="en-US" dirty="0"/>
-              <a:t>Client</a:t>
-            </a:r>
-          </a:p>
-        </p:txBody>
-      </p:sp>
-      <p:sp>
-        <p:nvSpPr>
-          <p:cNvPr id="5" name="Content Placeholder 4">
-            <a:extLst>
-              <a:ext uri="{FF2B5EF4-FFF2-40B4-BE49-F238E27FC236}">
-                <a16:creationId xmlns:a16="http://schemas.microsoft.com/office/drawing/2014/main" id="{EA6AE321-A5BA-417D-98D0-DC19B4682140}"/>
+          <p:cNvPr id="3" name="Content Placeholder 2">
+            <a:extLst>
+              <a:ext uri="{FF2B5EF4-FFF2-40B4-BE49-F238E27FC236}">
+                <a16:creationId xmlns:a16="http://schemas.microsoft.com/office/drawing/2014/main" id="{7C719620-4AC9-439F-BAF6-4B37CE362BC4}"/>
               </a:ext>
             </a:extLst>
           </p:cNvPr>
@@ -5864,519 +8942,200 @@
         </p:nvSpPr>
         <p:spPr>
           <a:xfrm>
-            <a:off x="4381500" y="1771649"/>
-            <a:ext cx="3019425" cy="1666875"/>
-          </a:xfrm>
-          <a:prstGeom prst="roundRect">
-            <a:avLst/>
-          </a:prstGeom>
-        </p:spPr>
-        <p:style>
-          <a:lnRef idx="2">
-            <a:schemeClr val="accent1">
-              <a:shade val="50000"/>
-            </a:schemeClr>
-          </a:lnRef>
-          <a:fillRef idx="1">
-            <a:schemeClr val="accent1"/>
-          </a:fillRef>
-          <a:effectRef idx="0">
-            <a:schemeClr val="accent1"/>
-          </a:effectRef>
-          <a:fontRef idx="minor">
-            <a:schemeClr val="lt1"/>
-          </a:fontRef>
-        </p:style>
-        <p:txBody>
-          <a:bodyPr rtlCol="0" anchor="ctr"/>
-          <a:lstStyle/>
+            <a:off x="838200" y="1390650"/>
+            <a:ext cx="10515600" cy="4786313"/>
+          </a:xfrm>
+        </p:spPr>
+        <p:txBody>
+          <a:bodyPr>
+            <a:normAutofit/>
+          </a:bodyPr>
+          <a:lstStyle/>
+          <a:p>
+            <a:pPr marL="0" indent="0" algn="l">
+              <a:buNone/>
+            </a:pPr>
+            <a:r>
+              <a:rPr lang="en-US" b="0" i="0" dirty="0">
+                <a:solidFill>
+                  <a:srgbClr val="222635"/>
+                </a:solidFill>
+                <a:effectLst/>
+                <a:latin typeface="Cambria" panose="02040503050406030204" pitchFamily="18" charset="0"/>
+              </a:rPr>
+              <a:t>Cache stats help identify the health of the cache and provide information about cache behavior and performance. In general, the following attributes can be used in cache statistics:</a:t>
+            </a:r>
+          </a:p>
+          <a:p>
+            <a:pPr lvl="1"/>
+            <a:r>
+              <a:rPr lang="en-US" b="1" i="0" dirty="0">
+                <a:solidFill>
+                  <a:srgbClr val="222635"/>
+                </a:solidFill>
+                <a:effectLst/>
+                <a:latin typeface="Cambria" panose="02040503050406030204" pitchFamily="18" charset="0"/>
+              </a:rPr>
+              <a:t>Hit count</a:t>
+            </a:r>
+            <a:r>
+              <a:rPr lang="en-US" b="0" i="0" dirty="0">
+                <a:solidFill>
+                  <a:srgbClr val="222635"/>
+                </a:solidFill>
+                <a:effectLst/>
+                <a:latin typeface="Cambria" panose="02040503050406030204" pitchFamily="18" charset="0"/>
+              </a:rPr>
+              <a:t>: Number of look-ups encountered when object found</a:t>
+            </a:r>
+          </a:p>
+          <a:p>
+            <a:pPr lvl="1"/>
+            <a:r>
+              <a:rPr lang="en-US" b="1" i="0" dirty="0">
+                <a:solidFill>
+                  <a:srgbClr val="222635"/>
+                </a:solidFill>
+                <a:effectLst/>
+                <a:latin typeface="Cambria" panose="02040503050406030204" pitchFamily="18" charset="0"/>
+              </a:rPr>
+              <a:t>Miss count</a:t>
+            </a:r>
+            <a:r>
+              <a:rPr lang="en-US" b="0" i="0" dirty="0">
+                <a:solidFill>
+                  <a:srgbClr val="222635"/>
+                </a:solidFill>
+                <a:effectLst/>
+                <a:latin typeface="Cambria" panose="02040503050406030204" pitchFamily="18" charset="0"/>
+              </a:rPr>
+              <a:t>: Number of look-ups encountered when object </a:t>
+            </a:r>
+            <a:r>
+              <a:rPr lang="en-US" b="0" i="1" dirty="0">
+                <a:solidFill>
+                  <a:srgbClr val="222635"/>
+                </a:solidFill>
+                <a:effectLst/>
+                <a:latin typeface="Cambria" panose="02040503050406030204" pitchFamily="18" charset="0"/>
+              </a:rPr>
+              <a:t>not</a:t>
+            </a:r>
+            <a:r>
+              <a:rPr lang="en-US" b="0" i="0" dirty="0">
+                <a:solidFill>
+                  <a:srgbClr val="222635"/>
+                </a:solidFill>
+                <a:effectLst/>
+                <a:latin typeface="Cambria" panose="02040503050406030204" pitchFamily="18" charset="0"/>
+              </a:rPr>
+              <a:t> found</a:t>
+            </a:r>
+          </a:p>
+          <a:p>
+            <a:pPr lvl="1"/>
+            <a:r>
+              <a:rPr lang="en-US" b="1" i="0" dirty="0">
+                <a:solidFill>
+                  <a:srgbClr val="222635"/>
+                </a:solidFill>
+                <a:effectLst/>
+                <a:latin typeface="Cambria" panose="02040503050406030204" pitchFamily="18" charset="0"/>
+              </a:rPr>
+              <a:t>Load success count</a:t>
+            </a:r>
+            <a:r>
+              <a:rPr lang="en-US" b="0" i="0" dirty="0">
+                <a:solidFill>
+                  <a:srgbClr val="222635"/>
+                </a:solidFill>
+                <a:effectLst/>
+                <a:latin typeface="Cambria" panose="02040503050406030204" pitchFamily="18" charset="0"/>
+              </a:rPr>
+              <a:t>: Number of successfully loaded entries</a:t>
+            </a:r>
+          </a:p>
+          <a:p>
+            <a:pPr lvl="1"/>
+            <a:r>
+              <a:rPr lang="en-US" b="1" i="0" dirty="0">
+                <a:solidFill>
+                  <a:srgbClr val="222635"/>
+                </a:solidFill>
+                <a:effectLst/>
+                <a:latin typeface="Cambria" panose="02040503050406030204" pitchFamily="18" charset="0"/>
+              </a:rPr>
+              <a:t>Total load time</a:t>
+            </a:r>
+            <a:r>
+              <a:rPr lang="en-US" b="0" i="0" dirty="0">
+                <a:solidFill>
+                  <a:srgbClr val="222635"/>
+                </a:solidFill>
+                <a:effectLst/>
+                <a:latin typeface="Cambria" panose="02040503050406030204" pitchFamily="18" charset="0"/>
+              </a:rPr>
+              <a:t>: Total time in loading an element</a:t>
+            </a:r>
+          </a:p>
+          <a:p>
+            <a:pPr lvl="1"/>
+            <a:r>
+              <a:rPr lang="en-US" b="1" i="0" dirty="0">
+                <a:solidFill>
+                  <a:srgbClr val="222635"/>
+                </a:solidFill>
+                <a:effectLst/>
+                <a:latin typeface="Cambria" panose="02040503050406030204" pitchFamily="18" charset="0"/>
+              </a:rPr>
+              <a:t>Load exception count</a:t>
+            </a:r>
+            <a:r>
+              <a:rPr lang="en-US" b="0" i="0" dirty="0">
+                <a:solidFill>
+                  <a:srgbClr val="222635"/>
+                </a:solidFill>
+                <a:effectLst/>
+                <a:latin typeface="Cambria" panose="02040503050406030204" pitchFamily="18" charset="0"/>
+              </a:rPr>
+              <a:t>: Number of exceptions thrown while loading an entry</a:t>
+            </a:r>
+          </a:p>
+          <a:p>
+            <a:pPr lvl="1"/>
+            <a:r>
+              <a:rPr lang="en-US" b="1" i="0" dirty="0">
+                <a:solidFill>
+                  <a:srgbClr val="222635"/>
+                </a:solidFill>
+                <a:effectLst/>
+                <a:latin typeface="Cambria" panose="02040503050406030204" pitchFamily="18" charset="0"/>
+              </a:rPr>
+              <a:t>Eviction count</a:t>
+            </a:r>
+            <a:r>
+              <a:rPr lang="en-US" b="0" i="0" dirty="0">
+                <a:solidFill>
+                  <a:srgbClr val="222635"/>
+                </a:solidFill>
+                <a:effectLst/>
+                <a:latin typeface="Cambria" panose="02040503050406030204" pitchFamily="18" charset="0"/>
+              </a:rPr>
+              <a:t>: Number of entries evicted from the cache</a:t>
+            </a:r>
+          </a:p>
           <a:p>
             <a:pPr marL="0" indent="0">
               <a:buNone/>
             </a:pPr>
-            <a:r>
-              <a:rPr lang="en-US" dirty="0"/>
-              <a:t>Server / Application</a:t>
-            </a:r>
-          </a:p>
-        </p:txBody>
-      </p:sp>
-      <p:sp>
-        <p:nvSpPr>
-          <p:cNvPr id="6" name="Flowchart: Magnetic Disk 5">
-            <a:extLst>
-              <a:ext uri="{FF2B5EF4-FFF2-40B4-BE49-F238E27FC236}">
-                <a16:creationId xmlns:a16="http://schemas.microsoft.com/office/drawing/2014/main" id="{360E7C2A-681D-4FDF-A38D-27A1777CF18F}"/>
-              </a:ext>
-            </a:extLst>
-          </p:cNvPr>
-          <p:cNvSpPr/>
-          <p:nvPr/>
-        </p:nvSpPr>
-        <p:spPr>
-          <a:xfrm>
-            <a:off x="10258425" y="1942303"/>
-            <a:ext cx="1095375" cy="1325563"/>
-          </a:xfrm>
-          <a:prstGeom prst="flowChartMagneticDisk">
-            <a:avLst/>
-          </a:prstGeom>
-        </p:spPr>
-        <p:style>
-          <a:lnRef idx="2">
-            <a:schemeClr val="accent1">
-              <a:shade val="50000"/>
-            </a:schemeClr>
-          </a:lnRef>
-          <a:fillRef idx="1">
-            <a:schemeClr val="accent1"/>
-          </a:fillRef>
-          <a:effectRef idx="0">
-            <a:schemeClr val="accent1"/>
-          </a:effectRef>
-          <a:fontRef idx="minor">
-            <a:schemeClr val="lt1"/>
-          </a:fontRef>
-        </p:style>
-        <p:txBody>
-          <a:bodyPr rtlCol="0" anchor="ctr"/>
-          <a:lstStyle/>
-          <a:p>
-            <a:pPr algn="ctr"/>
-            <a:r>
-              <a:rPr lang="en-US" dirty="0"/>
-              <a:t>DB</a:t>
-            </a:r>
-          </a:p>
-        </p:txBody>
-      </p:sp>
-      <p:sp>
-        <p:nvSpPr>
-          <p:cNvPr id="7" name="Rectangle: Rounded Corners 6">
-            <a:extLst>
-              <a:ext uri="{FF2B5EF4-FFF2-40B4-BE49-F238E27FC236}">
-                <a16:creationId xmlns:a16="http://schemas.microsoft.com/office/drawing/2014/main" id="{9A733189-6230-4770-AE94-1634E373E191}"/>
-              </a:ext>
-            </a:extLst>
-          </p:cNvPr>
-          <p:cNvSpPr/>
-          <p:nvPr/>
-        </p:nvSpPr>
-        <p:spPr>
-          <a:xfrm>
-            <a:off x="8012906" y="2152648"/>
-            <a:ext cx="1657350" cy="904875"/>
-          </a:xfrm>
-          <a:prstGeom prst="roundRect">
-            <a:avLst/>
-          </a:prstGeom>
-        </p:spPr>
-        <p:style>
-          <a:lnRef idx="2">
-            <a:schemeClr val="accent1">
-              <a:shade val="50000"/>
-            </a:schemeClr>
-          </a:lnRef>
-          <a:fillRef idx="1">
-            <a:schemeClr val="accent1"/>
-          </a:fillRef>
-          <a:effectRef idx="0">
-            <a:schemeClr val="accent1"/>
-          </a:effectRef>
-          <a:fontRef idx="minor">
-            <a:schemeClr val="lt1"/>
-          </a:fontRef>
-        </p:style>
-        <p:txBody>
-          <a:bodyPr rtlCol="0" anchor="ctr"/>
-          <a:lstStyle/>
-          <a:p>
-            <a:pPr algn="ctr"/>
-            <a:r>
-              <a:rPr lang="en-US" dirty="0"/>
-              <a:t>Cache</a:t>
-            </a:r>
-          </a:p>
-        </p:txBody>
-      </p:sp>
-      <p:cxnSp>
-        <p:nvCxnSpPr>
-          <p:cNvPr id="9" name="Straight Arrow Connector 8">
-            <a:extLst>
-              <a:ext uri="{FF2B5EF4-FFF2-40B4-BE49-F238E27FC236}">
-                <a16:creationId xmlns:a16="http://schemas.microsoft.com/office/drawing/2014/main" id="{F036F3B5-B216-4A82-B14B-2598F7803AC4}"/>
-              </a:ext>
-            </a:extLst>
-          </p:cNvPr>
-          <p:cNvCxnSpPr>
-            <a:cxnSpLocks/>
-            <a:stCxn id="4" idx="3"/>
-            <a:endCxn id="5" idx="1"/>
-          </p:cNvCxnSpPr>
-          <p:nvPr/>
-        </p:nvCxnSpPr>
-        <p:spPr>
-          <a:xfrm flipV="1">
-            <a:off x="3095625" y="2605087"/>
-            <a:ext cx="1285875" cy="5447"/>
-          </a:xfrm>
-          <a:prstGeom prst="straightConnector1">
-            <a:avLst/>
-          </a:prstGeom>
-          <a:ln w="57150">
-            <a:tailEnd type="triangle"/>
-          </a:ln>
-        </p:spPr>
-        <p:style>
-          <a:lnRef idx="1">
-            <a:schemeClr val="accent1"/>
-          </a:lnRef>
-          <a:fillRef idx="0">
-            <a:schemeClr val="accent1"/>
-          </a:fillRef>
-          <a:effectRef idx="0">
-            <a:schemeClr val="accent1"/>
-          </a:effectRef>
-          <a:fontRef idx="minor">
-            <a:schemeClr val="tx1"/>
-          </a:fontRef>
-        </p:style>
-      </p:cxnSp>
-      <p:sp>
-        <p:nvSpPr>
-          <p:cNvPr id="20" name="TextBox 19">
-            <a:extLst>
-              <a:ext uri="{FF2B5EF4-FFF2-40B4-BE49-F238E27FC236}">
-                <a16:creationId xmlns:a16="http://schemas.microsoft.com/office/drawing/2014/main" id="{F4D26ACC-C3C1-4A8F-9407-FD3CD50B14C8}"/>
-              </a:ext>
-            </a:extLst>
-          </p:cNvPr>
-          <p:cNvSpPr txBox="1"/>
-          <p:nvPr/>
-        </p:nvSpPr>
-        <p:spPr>
-          <a:xfrm>
-            <a:off x="523875" y="4271961"/>
-            <a:ext cx="11001375" cy="1754326"/>
-          </a:xfrm>
-          <a:prstGeom prst="rect">
-            <a:avLst/>
-          </a:prstGeom>
-          <a:noFill/>
-        </p:spPr>
-        <p:txBody>
-          <a:bodyPr wrap="square" rtlCol="0">
-            <a:spAutoFit/>
-          </a:bodyPr>
-          <a:lstStyle/>
-          <a:p>
-            <a:pPr marL="285750" indent="-285750">
-              <a:buFont typeface="Arial" panose="020B0604020202020204" pitchFamily="34" charset="0"/>
-              <a:buChar char="•"/>
-            </a:pPr>
-            <a:r>
-              <a:rPr lang="en-US" dirty="0"/>
-              <a:t>Here Cache will reside between Application  and DB</a:t>
-            </a:r>
-          </a:p>
-          <a:p>
-            <a:pPr marL="285750" indent="-285750">
-              <a:buFont typeface="Arial" panose="020B0604020202020204" pitchFamily="34" charset="0"/>
-              <a:buChar char="•"/>
-            </a:pPr>
-            <a:r>
-              <a:rPr lang="en-US" dirty="0"/>
-              <a:t>Here Application will Write through cache will not call </a:t>
-            </a:r>
-            <a:r>
-              <a:rPr lang="en-US" dirty="0" err="1"/>
-              <a:t>db</a:t>
-            </a:r>
-            <a:r>
-              <a:rPr lang="en-US" dirty="0"/>
-              <a:t> directly anytime.</a:t>
-            </a:r>
-          </a:p>
-          <a:p>
-            <a:pPr marL="285750" indent="-285750">
-              <a:buFont typeface="Arial" panose="020B0604020202020204" pitchFamily="34" charset="0"/>
-              <a:buChar char="•"/>
-            </a:pPr>
-            <a:r>
-              <a:rPr lang="en-US" dirty="0"/>
-              <a:t>Here application will wait till we get confirmation of write in both cache and DB.</a:t>
-            </a:r>
-          </a:p>
-          <a:p>
-            <a:pPr marL="285750" indent="-285750">
-              <a:buFont typeface="Arial" panose="020B0604020202020204" pitchFamily="34" charset="0"/>
-              <a:buChar char="•"/>
-            </a:pPr>
-            <a:r>
-              <a:rPr lang="en-US" dirty="0"/>
-              <a:t>Advantage : Every data will be persisted in cache first and then in DB</a:t>
-            </a:r>
-          </a:p>
-          <a:p>
-            <a:pPr marL="285750" indent="-285750">
-              <a:buFont typeface="Arial" panose="020B0604020202020204" pitchFamily="34" charset="0"/>
-              <a:buChar char="•"/>
-            </a:pPr>
-            <a:r>
-              <a:rPr lang="en-US" dirty="0"/>
-              <a:t>Disadvantage : Extra latency  will be added to update records in </a:t>
-            </a:r>
-            <a:r>
-              <a:rPr lang="en-US" dirty="0" err="1"/>
-              <a:t>db</a:t>
-            </a:r>
-            <a:r>
-              <a:rPr lang="en-US" dirty="0"/>
-              <a:t>  as application is not interacting with </a:t>
-            </a:r>
-            <a:r>
-              <a:rPr lang="en-US" dirty="0" err="1"/>
-              <a:t>db</a:t>
-            </a:r>
-            <a:r>
-              <a:rPr lang="en-US" dirty="0"/>
-              <a:t> directly.</a:t>
-            </a:r>
-          </a:p>
-        </p:txBody>
-      </p:sp>
-      <p:cxnSp>
-        <p:nvCxnSpPr>
-          <p:cNvPr id="19" name="Straight Arrow Connector 18">
-            <a:extLst>
-              <a:ext uri="{FF2B5EF4-FFF2-40B4-BE49-F238E27FC236}">
-                <a16:creationId xmlns:a16="http://schemas.microsoft.com/office/drawing/2014/main" id="{D414971D-79C3-4893-87CE-6F8C7994985E}"/>
-              </a:ext>
-            </a:extLst>
-          </p:cNvPr>
-          <p:cNvCxnSpPr>
-            <a:cxnSpLocks/>
-          </p:cNvCxnSpPr>
-          <p:nvPr/>
-        </p:nvCxnSpPr>
-        <p:spPr>
-          <a:xfrm flipV="1">
-            <a:off x="7400925" y="2524124"/>
-            <a:ext cx="611981" cy="1"/>
-          </a:xfrm>
-          <a:prstGeom prst="straightConnector1">
-            <a:avLst/>
-          </a:prstGeom>
-          <a:ln w="57150">
-            <a:tailEnd type="triangle"/>
-          </a:ln>
-        </p:spPr>
-        <p:style>
-          <a:lnRef idx="1">
-            <a:schemeClr val="accent1"/>
-          </a:lnRef>
-          <a:fillRef idx="0">
-            <a:schemeClr val="accent1"/>
-          </a:fillRef>
-          <a:effectRef idx="0">
-            <a:schemeClr val="accent1"/>
-          </a:effectRef>
-          <a:fontRef idx="minor">
-            <a:schemeClr val="tx1"/>
-          </a:fontRef>
-        </p:style>
-      </p:cxnSp>
-      <p:cxnSp>
-        <p:nvCxnSpPr>
-          <p:cNvPr id="23" name="Straight Arrow Connector 22">
-            <a:extLst>
-              <a:ext uri="{FF2B5EF4-FFF2-40B4-BE49-F238E27FC236}">
-                <a16:creationId xmlns:a16="http://schemas.microsoft.com/office/drawing/2014/main" id="{880A5CF1-EBFE-47AD-93C8-C7D113DA50F7}"/>
-              </a:ext>
-            </a:extLst>
-          </p:cNvPr>
-          <p:cNvCxnSpPr>
-            <a:cxnSpLocks/>
-          </p:cNvCxnSpPr>
-          <p:nvPr/>
-        </p:nvCxnSpPr>
-        <p:spPr>
-          <a:xfrm flipV="1">
-            <a:off x="9601200" y="2605085"/>
-            <a:ext cx="611981" cy="1"/>
-          </a:xfrm>
-          <a:prstGeom prst="straightConnector1">
-            <a:avLst/>
-          </a:prstGeom>
-          <a:ln w="57150">
-            <a:tailEnd type="triangle"/>
-          </a:ln>
-        </p:spPr>
-        <p:style>
-          <a:lnRef idx="1">
-            <a:schemeClr val="accent1"/>
-          </a:lnRef>
-          <a:fillRef idx="0">
-            <a:schemeClr val="accent1"/>
-          </a:fillRef>
-          <a:effectRef idx="0">
-            <a:schemeClr val="accent1"/>
-          </a:effectRef>
-          <a:fontRef idx="minor">
-            <a:schemeClr val="tx1"/>
-          </a:fontRef>
-        </p:style>
-      </p:cxnSp>
-      <p:sp>
-        <p:nvSpPr>
-          <p:cNvPr id="11" name="TextBox 10">
-            <a:extLst>
-              <a:ext uri="{FF2B5EF4-FFF2-40B4-BE49-F238E27FC236}">
-                <a16:creationId xmlns:a16="http://schemas.microsoft.com/office/drawing/2014/main" id="{5ED103EC-BEDB-4791-B8B8-223CB38C333B}"/>
-              </a:ext>
-            </a:extLst>
-          </p:cNvPr>
-          <p:cNvSpPr txBox="1"/>
-          <p:nvPr/>
-        </p:nvSpPr>
-        <p:spPr>
-          <a:xfrm>
-            <a:off x="7400925" y="2884526"/>
-            <a:ext cx="942976" cy="369332"/>
-          </a:xfrm>
-          <a:prstGeom prst="rect">
-            <a:avLst/>
-          </a:prstGeom>
-          <a:noFill/>
-        </p:spPr>
-        <p:txBody>
-          <a:bodyPr wrap="square" rtlCol="0">
-            <a:spAutoFit/>
-          </a:bodyPr>
-          <a:lstStyle/>
-          <a:p>
-            <a:r>
-              <a:rPr lang="en-US" dirty="0"/>
-              <a:t>Read</a:t>
-            </a:r>
-          </a:p>
-        </p:txBody>
-      </p:sp>
-      <p:cxnSp>
-        <p:nvCxnSpPr>
-          <p:cNvPr id="12" name="Straight Arrow Connector 11">
-            <a:extLst>
-              <a:ext uri="{FF2B5EF4-FFF2-40B4-BE49-F238E27FC236}">
-                <a16:creationId xmlns:a16="http://schemas.microsoft.com/office/drawing/2014/main" id="{20A66BFA-7C58-494D-B21E-2F0E8A1435B6}"/>
-              </a:ext>
-            </a:extLst>
-          </p:cNvPr>
-          <p:cNvCxnSpPr>
-            <a:cxnSpLocks/>
-          </p:cNvCxnSpPr>
-          <p:nvPr/>
-        </p:nvCxnSpPr>
-        <p:spPr>
-          <a:xfrm flipH="1">
-            <a:off x="7400925" y="2847340"/>
-            <a:ext cx="611981" cy="0"/>
-          </a:xfrm>
-          <a:prstGeom prst="straightConnector1">
-            <a:avLst/>
-          </a:prstGeom>
-          <a:ln w="57150">
-            <a:tailEnd type="triangle"/>
-          </a:ln>
-        </p:spPr>
-        <p:style>
-          <a:lnRef idx="1">
-            <a:schemeClr val="accent1"/>
-          </a:lnRef>
-          <a:fillRef idx="0">
-            <a:schemeClr val="accent1"/>
-          </a:fillRef>
-          <a:effectRef idx="0">
-            <a:schemeClr val="accent1"/>
-          </a:effectRef>
-          <a:fontRef idx="minor">
-            <a:schemeClr val="tx1"/>
-          </a:fontRef>
-        </p:style>
-      </p:cxnSp>
-      <p:sp>
-        <p:nvSpPr>
-          <p:cNvPr id="14" name="TextBox 13">
-            <a:extLst>
-              <a:ext uri="{FF2B5EF4-FFF2-40B4-BE49-F238E27FC236}">
-                <a16:creationId xmlns:a16="http://schemas.microsoft.com/office/drawing/2014/main" id="{480A9F16-2CB0-47D6-BBAB-B512337821EC}"/>
-              </a:ext>
-            </a:extLst>
-          </p:cNvPr>
-          <p:cNvSpPr txBox="1"/>
-          <p:nvPr/>
-        </p:nvSpPr>
-        <p:spPr>
-          <a:xfrm>
-            <a:off x="7400925" y="2102702"/>
-            <a:ext cx="871856" cy="369332"/>
-          </a:xfrm>
-          <a:prstGeom prst="rect">
-            <a:avLst/>
-          </a:prstGeom>
-          <a:noFill/>
-        </p:spPr>
-        <p:txBody>
-          <a:bodyPr wrap="square" rtlCol="0">
-            <a:spAutoFit/>
-          </a:bodyPr>
-          <a:lstStyle/>
-          <a:p>
-            <a:r>
-              <a:rPr lang="en-US" dirty="0"/>
-              <a:t>Write</a:t>
-            </a:r>
-          </a:p>
-        </p:txBody>
-      </p:sp>
-      <p:sp>
-        <p:nvSpPr>
-          <p:cNvPr id="15" name="TextBox 14">
-            <a:extLst>
-              <a:ext uri="{FF2B5EF4-FFF2-40B4-BE49-F238E27FC236}">
-                <a16:creationId xmlns:a16="http://schemas.microsoft.com/office/drawing/2014/main" id="{62F379A3-44F6-437E-A621-1386A5B9B293}"/>
-              </a:ext>
-            </a:extLst>
-          </p:cNvPr>
-          <p:cNvSpPr txBox="1"/>
-          <p:nvPr/>
-        </p:nvSpPr>
-        <p:spPr>
-          <a:xfrm>
-            <a:off x="9601200" y="2189439"/>
-            <a:ext cx="871856" cy="369332"/>
-          </a:xfrm>
-          <a:prstGeom prst="rect">
-            <a:avLst/>
-          </a:prstGeom>
-          <a:noFill/>
-        </p:spPr>
-        <p:txBody>
-          <a:bodyPr wrap="square" rtlCol="0">
-            <a:spAutoFit/>
-          </a:bodyPr>
-          <a:lstStyle/>
-          <a:p>
-            <a:r>
-              <a:rPr lang="en-US" dirty="0"/>
-              <a:t>Write</a:t>
-            </a:r>
+            <a:endParaRPr lang="en-US" dirty="0"/>
           </a:p>
         </p:txBody>
       </p:sp>
     </p:spTree>
     <p:extLst>
       <p:ext uri="{BB962C8B-B14F-4D97-AF65-F5344CB8AC3E}">
-        <p14:creationId xmlns:p14="http://schemas.microsoft.com/office/powerpoint/2010/main" val="1541884393"/>
+        <p14:creationId xmlns:p14="http://schemas.microsoft.com/office/powerpoint/2010/main" val="1955759965"/>
       </p:ext>
     </p:extLst>
   </p:cSld>
@@ -6408,7 +9167,7 @@
           <p:cNvPr id="2" name="Title 1">
             <a:extLst>
               <a:ext uri="{FF2B5EF4-FFF2-40B4-BE49-F238E27FC236}">
-                <a16:creationId xmlns:a16="http://schemas.microsoft.com/office/drawing/2014/main" id="{4EF8F62C-E012-4E00-A529-5E8CCAD2239E}"/>
+                <a16:creationId xmlns:a16="http://schemas.microsoft.com/office/drawing/2014/main" id="{1C790976-BC47-44DC-BD44-F4ED4ABB08A7}"/>
               </a:ext>
             </a:extLst>
           </p:cNvPr>
@@ -6421,88 +9180,24 @@
         </p:nvSpPr>
         <p:spPr/>
         <p:txBody>
-          <a:bodyPr/>
-          <a:lstStyle/>
-          <a:p>
-            <a:pPr algn="ctr"/>
-            <a:r>
-              <a:rPr lang="en-US" dirty="0">
-                <a:solidFill>
-                  <a:srgbClr val="000000"/>
-                </a:solidFill>
-                <a:latin typeface="Roboto" panose="02000000000000000000" pitchFamily="2" charset="0"/>
-              </a:rPr>
-              <a:t>Write</a:t>
-            </a:r>
-            <a:r>
-              <a:rPr lang="en-US" b="0" i="0" dirty="0">
-                <a:solidFill>
-                  <a:srgbClr val="000000"/>
-                </a:solidFill>
-                <a:effectLst/>
-                <a:latin typeface="Roboto" panose="02000000000000000000" pitchFamily="2" charset="0"/>
-              </a:rPr>
-              <a:t>-Around</a:t>
-            </a:r>
-            <a:endParaRPr lang="en-US" dirty="0"/>
-          </a:p>
-        </p:txBody>
-      </p:sp>
-      <p:sp>
-        <p:nvSpPr>
-          <p:cNvPr id="4" name="Rectangle: Rounded Corners 3">
-            <a:extLst>
-              <a:ext uri="{FF2B5EF4-FFF2-40B4-BE49-F238E27FC236}">
-                <a16:creationId xmlns:a16="http://schemas.microsoft.com/office/drawing/2014/main" id="{E8383B85-00BE-4F0D-8606-121986230C70}"/>
-              </a:ext>
-            </a:extLst>
-          </p:cNvPr>
-          <p:cNvSpPr/>
-          <p:nvPr/>
-        </p:nvSpPr>
-        <p:spPr>
-          <a:xfrm>
-            <a:off x="1362075" y="2287368"/>
-            <a:ext cx="1733550" cy="646331"/>
-          </a:xfrm>
-          <a:prstGeom prst="roundRect">
-            <a:avLst/>
-          </a:prstGeom>
-        </p:spPr>
-        <p:style>
-          <a:lnRef idx="2">
-            <a:schemeClr val="accent1">
-              <a:shade val="50000"/>
-            </a:schemeClr>
-          </a:lnRef>
-          <a:fillRef idx="1">
-            <a:schemeClr val="accent1"/>
-          </a:fillRef>
-          <a:effectRef idx="0">
-            <a:schemeClr val="accent1"/>
-          </a:effectRef>
-          <a:fontRef idx="minor">
-            <a:schemeClr val="lt1"/>
-          </a:fontRef>
-        </p:style>
-        <p:txBody>
-          <a:bodyPr rtlCol="0" anchor="ctr"/>
-          <a:lstStyle/>
-          <a:p>
-            <a:pPr algn="ctr"/>
-            <a:r>
-              <a:rPr lang="en-US" dirty="0"/>
-              <a:t>Client</a:t>
-            </a:r>
-          </a:p>
-        </p:txBody>
-      </p:sp>
-      <p:sp>
-        <p:nvSpPr>
-          <p:cNvPr id="5" name="Content Placeholder 4">
-            <a:extLst>
-              <a:ext uri="{FF2B5EF4-FFF2-40B4-BE49-F238E27FC236}">
-                <a16:creationId xmlns:a16="http://schemas.microsoft.com/office/drawing/2014/main" id="{EA6AE321-A5BA-417D-98D0-DC19B4682140}"/>
+          <a:bodyPr>
+            <a:normAutofit/>
+          </a:bodyPr>
+          <a:lstStyle/>
+          <a:p>
+            <a:r>
+              <a:rPr lang="en-US" b="1" dirty="0"/>
+              <a:t>Questions to select Cache</a:t>
+            </a:r>
+          </a:p>
+        </p:txBody>
+      </p:sp>
+      <p:sp>
+        <p:nvSpPr>
+          <p:cNvPr id="3" name="Content Placeholder 2">
+            <a:extLst>
+              <a:ext uri="{FF2B5EF4-FFF2-40B4-BE49-F238E27FC236}">
+                <a16:creationId xmlns:a16="http://schemas.microsoft.com/office/drawing/2014/main" id="{3F7C2987-E128-48CA-A020-CFCDF928FC13}"/>
               </a:ext>
             </a:extLst>
           </p:cNvPr>
@@ -6513,504 +9208,143 @@
             <p:ph idx="1"/>
           </p:nvPr>
         </p:nvSpPr>
-        <p:spPr>
-          <a:xfrm>
-            <a:off x="4381500" y="1771649"/>
-            <a:ext cx="3019425" cy="1666875"/>
-          </a:xfrm>
-          <a:prstGeom prst="roundRect">
-            <a:avLst/>
-          </a:prstGeom>
-        </p:spPr>
-        <p:style>
-          <a:lnRef idx="2">
-            <a:schemeClr val="accent1">
-              <a:shade val="50000"/>
-            </a:schemeClr>
-          </a:lnRef>
-          <a:fillRef idx="1">
-            <a:schemeClr val="accent1"/>
-          </a:fillRef>
-          <a:effectRef idx="0">
-            <a:schemeClr val="accent1"/>
-          </a:effectRef>
-          <a:fontRef idx="minor">
-            <a:schemeClr val="lt1"/>
-          </a:fontRef>
-        </p:style>
-        <p:txBody>
-          <a:bodyPr rtlCol="0" anchor="ctr"/>
-          <a:lstStyle/>
-          <a:p>
-            <a:pPr marL="0" indent="0">
+        <p:spPr/>
+        <p:txBody>
+          <a:bodyPr>
+            <a:normAutofit/>
+          </a:bodyPr>
+          <a:lstStyle/>
+          <a:p>
+            <a:pPr marL="457200" lvl="1" indent="0">
               <a:buNone/>
             </a:pPr>
             <a:r>
-              <a:rPr lang="en-US" dirty="0"/>
-              <a:t>Server / Application</a:t>
-            </a:r>
-          </a:p>
-        </p:txBody>
-      </p:sp>
-      <p:sp>
-        <p:nvSpPr>
-          <p:cNvPr id="6" name="Flowchart: Magnetic Disk 5">
-            <a:extLst>
-              <a:ext uri="{FF2B5EF4-FFF2-40B4-BE49-F238E27FC236}">
-                <a16:creationId xmlns:a16="http://schemas.microsoft.com/office/drawing/2014/main" id="{360E7C2A-681D-4FDF-A38D-27A1777CF18F}"/>
-              </a:ext>
-            </a:extLst>
-          </p:cNvPr>
-          <p:cNvSpPr/>
-          <p:nvPr/>
-        </p:nvSpPr>
-        <p:spPr>
-          <a:xfrm>
-            <a:off x="10258425" y="1942303"/>
-            <a:ext cx="1095375" cy="1325563"/>
-          </a:xfrm>
-          <a:prstGeom prst="flowChartMagneticDisk">
-            <a:avLst/>
-          </a:prstGeom>
-        </p:spPr>
-        <p:style>
-          <a:lnRef idx="2">
-            <a:schemeClr val="accent1">
-              <a:shade val="50000"/>
-            </a:schemeClr>
-          </a:lnRef>
-          <a:fillRef idx="1">
-            <a:schemeClr val="accent1"/>
-          </a:fillRef>
-          <a:effectRef idx="0">
-            <a:schemeClr val="accent1"/>
-          </a:effectRef>
-          <a:fontRef idx="minor">
-            <a:schemeClr val="lt1"/>
-          </a:fontRef>
-        </p:style>
-        <p:txBody>
-          <a:bodyPr rtlCol="0" anchor="ctr"/>
-          <a:lstStyle/>
-          <a:p>
-            <a:pPr algn="ctr"/>
-            <a:r>
-              <a:rPr lang="en-US" dirty="0"/>
-              <a:t>DB</a:t>
-            </a:r>
-          </a:p>
-        </p:txBody>
-      </p:sp>
-      <p:sp>
-        <p:nvSpPr>
-          <p:cNvPr id="7" name="Rectangle: Rounded Corners 6">
-            <a:extLst>
-              <a:ext uri="{FF2B5EF4-FFF2-40B4-BE49-F238E27FC236}">
-                <a16:creationId xmlns:a16="http://schemas.microsoft.com/office/drawing/2014/main" id="{9A733189-6230-4770-AE94-1634E373E191}"/>
-              </a:ext>
-            </a:extLst>
-          </p:cNvPr>
-          <p:cNvSpPr/>
-          <p:nvPr/>
-        </p:nvSpPr>
-        <p:spPr>
-          <a:xfrm>
-            <a:off x="8012906" y="2152648"/>
-            <a:ext cx="1657350" cy="904875"/>
-          </a:xfrm>
-          <a:prstGeom prst="roundRect">
-            <a:avLst/>
-          </a:prstGeom>
-        </p:spPr>
-        <p:style>
-          <a:lnRef idx="2">
-            <a:schemeClr val="accent1">
-              <a:shade val="50000"/>
-            </a:schemeClr>
-          </a:lnRef>
-          <a:fillRef idx="1">
-            <a:schemeClr val="accent1"/>
-          </a:fillRef>
-          <a:effectRef idx="0">
-            <a:schemeClr val="accent1"/>
-          </a:effectRef>
-          <a:fontRef idx="minor">
-            <a:schemeClr val="lt1"/>
-          </a:fontRef>
-        </p:style>
-        <p:txBody>
-          <a:bodyPr rtlCol="0" anchor="ctr"/>
-          <a:lstStyle/>
-          <a:p>
-            <a:pPr algn="ctr"/>
-            <a:r>
-              <a:rPr lang="en-US" dirty="0"/>
-              <a:t>Cache</a:t>
-            </a:r>
-          </a:p>
-        </p:txBody>
-      </p:sp>
-      <p:cxnSp>
-        <p:nvCxnSpPr>
-          <p:cNvPr id="9" name="Straight Arrow Connector 8">
-            <a:extLst>
-              <a:ext uri="{FF2B5EF4-FFF2-40B4-BE49-F238E27FC236}">
-                <a16:creationId xmlns:a16="http://schemas.microsoft.com/office/drawing/2014/main" id="{F036F3B5-B216-4A82-B14B-2598F7803AC4}"/>
-              </a:ext>
-            </a:extLst>
-          </p:cNvPr>
-          <p:cNvCxnSpPr>
-            <a:cxnSpLocks/>
-            <a:stCxn id="4" idx="3"/>
-            <a:endCxn id="5" idx="1"/>
-          </p:cNvCxnSpPr>
-          <p:nvPr/>
-        </p:nvCxnSpPr>
-        <p:spPr>
-          <a:xfrm flipV="1">
-            <a:off x="3095625" y="2605087"/>
-            <a:ext cx="1285875" cy="5447"/>
-          </a:xfrm>
-          <a:prstGeom prst="straightConnector1">
-            <a:avLst/>
-          </a:prstGeom>
-          <a:ln w="57150">
-            <a:tailEnd type="triangle"/>
-          </a:ln>
-        </p:spPr>
-        <p:style>
-          <a:lnRef idx="1">
-            <a:schemeClr val="accent1"/>
-          </a:lnRef>
-          <a:fillRef idx="0">
-            <a:schemeClr val="accent1"/>
-          </a:fillRef>
-          <a:effectRef idx="0">
-            <a:schemeClr val="accent1"/>
-          </a:effectRef>
-          <a:fontRef idx="minor">
-            <a:schemeClr val="tx1"/>
-          </a:fontRef>
-        </p:style>
-      </p:cxnSp>
-      <p:sp>
-        <p:nvSpPr>
-          <p:cNvPr id="20" name="TextBox 19">
-            <a:extLst>
-              <a:ext uri="{FF2B5EF4-FFF2-40B4-BE49-F238E27FC236}">
-                <a16:creationId xmlns:a16="http://schemas.microsoft.com/office/drawing/2014/main" id="{F4D26ACC-C3C1-4A8F-9407-FD3CD50B14C8}"/>
-              </a:ext>
-            </a:extLst>
-          </p:cNvPr>
-          <p:cNvSpPr txBox="1"/>
-          <p:nvPr/>
-        </p:nvSpPr>
-        <p:spPr>
-          <a:xfrm>
-            <a:off x="523875" y="4271961"/>
-            <a:ext cx="11001375" cy="1200329"/>
-          </a:xfrm>
-          <a:prstGeom prst="rect">
-            <a:avLst/>
-          </a:prstGeom>
-          <a:noFill/>
-        </p:spPr>
-        <p:txBody>
-          <a:bodyPr wrap="square" rtlCol="0">
-            <a:spAutoFit/>
-          </a:bodyPr>
-          <a:lstStyle/>
-          <a:p>
-            <a:pPr marL="285750" indent="-285750">
-              <a:buFont typeface="Arial" panose="020B0604020202020204" pitchFamily="34" charset="0"/>
-              <a:buChar char="•"/>
-            </a:pPr>
-            <a:r>
-              <a:rPr lang="en-US" dirty="0"/>
-              <a:t>This pattern will be used when application is Write heavy.  Means more write operation and no latency required.</a:t>
-            </a:r>
-          </a:p>
-          <a:p>
-            <a:pPr marL="285750" indent="-285750">
-              <a:buFont typeface="Arial" panose="020B0604020202020204" pitchFamily="34" charset="0"/>
-              <a:buChar char="•"/>
-            </a:pPr>
-            <a:r>
-              <a:rPr lang="en-US" dirty="0"/>
-              <a:t>Here Application will Write to DB. </a:t>
-            </a:r>
-          </a:p>
-          <a:p>
-            <a:pPr marL="285750" indent="-285750">
-              <a:buFont typeface="Arial" panose="020B0604020202020204" pitchFamily="34" charset="0"/>
-              <a:buChar char="•"/>
-            </a:pPr>
-            <a:r>
-              <a:rPr lang="en-US" dirty="0"/>
-              <a:t>And Read through cache</a:t>
-            </a:r>
-          </a:p>
-          <a:p>
-            <a:pPr marL="285750" indent="-285750">
-              <a:buFont typeface="Arial" panose="020B0604020202020204" pitchFamily="34" charset="0"/>
-              <a:buChar char="•"/>
-            </a:pPr>
-            <a:r>
-              <a:rPr lang="en-US" dirty="0"/>
-              <a:t>Advantage : Latency issue in Write-Through will be addressed here . </a:t>
-            </a:r>
-          </a:p>
-        </p:txBody>
-      </p:sp>
-      <p:cxnSp>
-        <p:nvCxnSpPr>
-          <p:cNvPr id="19" name="Straight Arrow Connector 18">
-            <a:extLst>
-              <a:ext uri="{FF2B5EF4-FFF2-40B4-BE49-F238E27FC236}">
-                <a16:creationId xmlns:a16="http://schemas.microsoft.com/office/drawing/2014/main" id="{D414971D-79C3-4893-87CE-6F8C7994985E}"/>
-              </a:ext>
-            </a:extLst>
-          </p:cNvPr>
-          <p:cNvCxnSpPr>
-            <a:cxnSpLocks/>
-            <a:stCxn id="5" idx="3"/>
-            <a:endCxn id="7" idx="1"/>
-          </p:cNvCxnSpPr>
-          <p:nvPr/>
-        </p:nvCxnSpPr>
-        <p:spPr>
-          <a:xfrm flipV="1">
-            <a:off x="7400925" y="2605086"/>
-            <a:ext cx="611981" cy="1"/>
-          </a:xfrm>
-          <a:prstGeom prst="straightConnector1">
-            <a:avLst/>
-          </a:prstGeom>
-          <a:ln w="57150">
-            <a:tailEnd type="triangle"/>
-          </a:ln>
-        </p:spPr>
-        <p:style>
-          <a:lnRef idx="1">
-            <a:schemeClr val="accent1"/>
-          </a:lnRef>
-          <a:fillRef idx="0">
-            <a:schemeClr val="accent1"/>
-          </a:fillRef>
-          <a:effectRef idx="0">
-            <a:schemeClr val="accent1"/>
-          </a:effectRef>
-          <a:fontRef idx="minor">
-            <a:schemeClr val="tx1"/>
-          </a:fontRef>
-        </p:style>
-      </p:cxnSp>
-      <p:cxnSp>
-        <p:nvCxnSpPr>
-          <p:cNvPr id="23" name="Straight Arrow Connector 22">
-            <a:extLst>
-              <a:ext uri="{FF2B5EF4-FFF2-40B4-BE49-F238E27FC236}">
-                <a16:creationId xmlns:a16="http://schemas.microsoft.com/office/drawing/2014/main" id="{880A5CF1-EBFE-47AD-93C8-C7D113DA50F7}"/>
-              </a:ext>
-            </a:extLst>
-          </p:cNvPr>
-          <p:cNvCxnSpPr>
-            <a:cxnSpLocks/>
-          </p:cNvCxnSpPr>
-          <p:nvPr/>
-        </p:nvCxnSpPr>
-        <p:spPr>
-          <a:xfrm flipV="1">
-            <a:off x="9601200" y="2605085"/>
-            <a:ext cx="611981" cy="1"/>
-          </a:xfrm>
-          <a:prstGeom prst="straightConnector1">
-            <a:avLst/>
-          </a:prstGeom>
-          <a:ln w="57150">
-            <a:tailEnd type="triangle"/>
-          </a:ln>
-        </p:spPr>
-        <p:style>
-          <a:lnRef idx="1">
-            <a:schemeClr val="accent1"/>
-          </a:lnRef>
-          <a:fillRef idx="0">
-            <a:schemeClr val="accent1"/>
-          </a:fillRef>
-          <a:effectRef idx="0">
-            <a:schemeClr val="accent1"/>
-          </a:effectRef>
-          <a:fontRef idx="minor">
-            <a:schemeClr val="tx1"/>
-          </a:fontRef>
-        </p:style>
-      </p:cxnSp>
-      <p:sp>
-        <p:nvSpPr>
-          <p:cNvPr id="8" name="TextBox 7">
-            <a:extLst>
-              <a:ext uri="{FF2B5EF4-FFF2-40B4-BE49-F238E27FC236}">
-                <a16:creationId xmlns:a16="http://schemas.microsoft.com/office/drawing/2014/main" id="{C53FD520-9F30-49E4-B8CF-0757D218314D}"/>
-              </a:ext>
-            </a:extLst>
-          </p:cNvPr>
-          <p:cNvSpPr txBox="1"/>
-          <p:nvPr/>
-        </p:nvSpPr>
-        <p:spPr>
-          <a:xfrm>
-            <a:off x="7591425" y="2152648"/>
-            <a:ext cx="304800" cy="371468"/>
-          </a:xfrm>
-          <a:prstGeom prst="rect">
-            <a:avLst/>
-          </a:prstGeom>
-          <a:noFill/>
-        </p:spPr>
-        <p:txBody>
-          <a:bodyPr wrap="square" rtlCol="0">
-            <a:spAutoFit/>
-          </a:bodyPr>
-          <a:lstStyle/>
-          <a:p>
-            <a:r>
-              <a:rPr lang="en-US" b="1" dirty="0">
-                <a:solidFill>
-                  <a:srgbClr val="FF0000"/>
-                </a:solidFill>
+              <a:rPr lang="en-US" b="0" i="0" dirty="0">
+                <a:solidFill>
+                  <a:srgbClr val="222635"/>
+                </a:solidFill>
+                <a:effectLst/>
+                <a:latin typeface="Cambria" panose="02040503050406030204" pitchFamily="18" charset="0"/>
               </a:rPr>
-              <a:t>R</a:t>
-            </a:r>
-          </a:p>
-        </p:txBody>
-      </p:sp>
-      <p:cxnSp>
-        <p:nvCxnSpPr>
-          <p:cNvPr id="11" name="Connector: Elbow 10">
-            <a:extLst>
-              <a:ext uri="{FF2B5EF4-FFF2-40B4-BE49-F238E27FC236}">
-                <a16:creationId xmlns:a16="http://schemas.microsoft.com/office/drawing/2014/main" id="{A890EB49-AE1D-4184-A4C9-BDC4044B29F3}"/>
-              </a:ext>
-            </a:extLst>
-          </p:cNvPr>
-          <p:cNvCxnSpPr>
-            <a:stCxn id="5" idx="2"/>
-            <a:endCxn id="6" idx="3"/>
-          </p:cNvCxnSpPr>
-          <p:nvPr/>
-        </p:nvCxnSpPr>
-        <p:spPr>
-          <a:xfrm rot="5400000" flipH="1" flipV="1">
-            <a:off x="8263334" y="895745"/>
-            <a:ext cx="170658" cy="4914900"/>
-          </a:xfrm>
-          <a:prstGeom prst="bentConnector3">
-            <a:avLst>
-              <a:gd name="adj1" fmla="val -133952"/>
-            </a:avLst>
-          </a:prstGeom>
-          <a:ln w="57150">
-            <a:tailEnd type="triangle"/>
-          </a:ln>
-        </p:spPr>
-        <p:style>
-          <a:lnRef idx="1">
-            <a:schemeClr val="accent1"/>
-          </a:lnRef>
-          <a:fillRef idx="0">
-            <a:schemeClr val="accent1"/>
-          </a:fillRef>
-          <a:effectRef idx="0">
-            <a:schemeClr val="accent1"/>
-          </a:effectRef>
-          <a:fontRef idx="minor">
-            <a:schemeClr val="tx1"/>
-          </a:fontRef>
-        </p:style>
-      </p:cxnSp>
-      <p:sp>
-        <p:nvSpPr>
-          <p:cNvPr id="15" name="TextBox 14">
-            <a:extLst>
-              <a:ext uri="{FF2B5EF4-FFF2-40B4-BE49-F238E27FC236}">
-                <a16:creationId xmlns:a16="http://schemas.microsoft.com/office/drawing/2014/main" id="{5E3033AD-0290-4DE1-947E-8F9409E4FD51}"/>
-              </a:ext>
-            </a:extLst>
-          </p:cNvPr>
-          <p:cNvSpPr txBox="1"/>
-          <p:nvPr/>
-        </p:nvSpPr>
-        <p:spPr>
-          <a:xfrm>
-            <a:off x="9778603" y="2123676"/>
-            <a:ext cx="304800" cy="371468"/>
-          </a:xfrm>
-          <a:prstGeom prst="rect">
-            <a:avLst/>
-          </a:prstGeom>
-          <a:noFill/>
-        </p:spPr>
-        <p:txBody>
-          <a:bodyPr wrap="square" rtlCol="0">
-            <a:spAutoFit/>
-          </a:bodyPr>
-          <a:lstStyle/>
-          <a:p>
-            <a:r>
-              <a:rPr lang="en-US" b="1" dirty="0">
-                <a:solidFill>
-                  <a:srgbClr val="FF0000"/>
-                </a:solidFill>
+              <a:t>Here are some questions and comparisons that can assist in identifying the most cost-effective and feasible caching solution for you.</a:t>
+            </a:r>
+            <a:br>
+              <a:rPr lang="en-US" b="0" i="0" dirty="0">
+                <a:solidFill>
+                  <a:srgbClr val="222635"/>
+                </a:solidFill>
+                <a:effectLst/>
+                <a:latin typeface="Cambria" panose="02040503050406030204" pitchFamily="18" charset="0"/>
               </a:rPr>
-              <a:t>R</a:t>
-            </a:r>
-          </a:p>
-        </p:txBody>
-      </p:sp>
-      <p:sp>
-        <p:nvSpPr>
-          <p:cNvPr id="16" name="TextBox 15">
-            <a:extLst>
-              <a:ext uri="{FF2B5EF4-FFF2-40B4-BE49-F238E27FC236}">
-                <a16:creationId xmlns:a16="http://schemas.microsoft.com/office/drawing/2014/main" id="{6FE10DFB-31DB-4734-9208-53B4D4674738}"/>
-              </a:ext>
-            </a:extLst>
-          </p:cNvPr>
-          <p:cNvSpPr txBox="1"/>
-          <p:nvPr/>
-        </p:nvSpPr>
-        <p:spPr>
-          <a:xfrm>
-            <a:off x="8284964" y="3298040"/>
-            <a:ext cx="304800" cy="371468"/>
-          </a:xfrm>
-          <a:prstGeom prst="rect">
-            <a:avLst/>
-          </a:prstGeom>
-          <a:noFill/>
-        </p:spPr>
-        <p:txBody>
-          <a:bodyPr wrap="square" rtlCol="0">
-            <a:spAutoFit/>
-          </a:bodyPr>
-          <a:lstStyle/>
-          <a:p>
-            <a:r>
-              <a:rPr lang="en-US" b="1" dirty="0">
-                <a:solidFill>
-                  <a:srgbClr val="FF0000"/>
-                </a:solidFill>
+            </a:br>
+            <a:endParaRPr lang="en-US" b="0" i="0" dirty="0">
+              <a:solidFill>
+                <a:srgbClr val="222635"/>
+              </a:solidFill>
+              <a:effectLst/>
+              <a:latin typeface="Cambria" panose="02040503050406030204" pitchFamily="18" charset="0"/>
+            </a:endParaRPr>
+          </a:p>
+          <a:p>
+            <a:pPr lvl="2"/>
+            <a:r>
+              <a:rPr lang="en-US" b="0" i="0" dirty="0">
+                <a:solidFill>
+                  <a:srgbClr val="222635"/>
+                </a:solidFill>
+                <a:effectLst/>
+                <a:latin typeface="Cambria" panose="02040503050406030204" pitchFamily="18" charset="0"/>
               </a:rPr>
-              <a:t>W</a:t>
-            </a:r>
+              <a:t>Do you need a light-weighted or full-fledged cache solution?</a:t>
+            </a:r>
+          </a:p>
+          <a:p>
+            <a:pPr lvl="2"/>
+            <a:r>
+              <a:rPr lang="en-US" b="0" i="0" dirty="0">
+                <a:solidFill>
+                  <a:srgbClr val="222635"/>
+                </a:solidFill>
+                <a:effectLst/>
+                <a:latin typeface="Cambria" panose="02040503050406030204" pitchFamily="18" charset="0"/>
+              </a:rPr>
+              <a:t>Do you need an open-source, commercial, or framework-provided cache solution?</a:t>
+            </a:r>
+          </a:p>
+          <a:p>
+            <a:pPr lvl="2"/>
+            <a:r>
+              <a:rPr lang="en-US" b="0" i="0" dirty="0">
+                <a:solidFill>
+                  <a:srgbClr val="222635"/>
+                </a:solidFill>
+                <a:effectLst/>
+                <a:latin typeface="Cambria" panose="02040503050406030204" pitchFamily="18" charset="0"/>
+              </a:rPr>
+              <a:t>Do you need in-process or distributed caching?</a:t>
+            </a:r>
+          </a:p>
+          <a:p>
+            <a:pPr lvl="2"/>
+            <a:r>
+              <a:rPr lang="en-US" b="0" i="0" dirty="0">
+                <a:solidFill>
+                  <a:srgbClr val="222635"/>
+                </a:solidFill>
+                <a:effectLst/>
+                <a:latin typeface="Cambria" panose="02040503050406030204" pitchFamily="18" charset="0"/>
+              </a:rPr>
+              <a:t>What’s the trade-off between consistency and latency requirements?</a:t>
+            </a:r>
+          </a:p>
+          <a:p>
+            <a:pPr lvl="2"/>
+            <a:r>
+              <a:rPr lang="en-US" b="0" i="0" dirty="0">
+                <a:solidFill>
+                  <a:srgbClr val="222635"/>
+                </a:solidFill>
+                <a:effectLst/>
+                <a:latin typeface="Cambria" panose="02040503050406030204" pitchFamily="18" charset="0"/>
+              </a:rPr>
+              <a:t>Do you need to maintain the cache for transactional/master data?</a:t>
+            </a:r>
+          </a:p>
+          <a:p>
+            <a:pPr lvl="2"/>
+            <a:r>
+              <a:rPr lang="en-US" b="0" i="0" dirty="0">
+                <a:solidFill>
+                  <a:srgbClr val="222635"/>
+                </a:solidFill>
+                <a:effectLst/>
+                <a:latin typeface="Cambria" panose="02040503050406030204" pitchFamily="18" charset="0"/>
+              </a:rPr>
+              <a:t>Do you need a replicated cache?</a:t>
+            </a:r>
+          </a:p>
+          <a:p>
+            <a:pPr lvl="2"/>
+            <a:r>
+              <a:rPr lang="en-US" b="0" i="0" dirty="0">
+                <a:solidFill>
+                  <a:srgbClr val="222635"/>
+                </a:solidFill>
+                <a:effectLst/>
+                <a:latin typeface="Cambria" panose="02040503050406030204" pitchFamily="18" charset="0"/>
+              </a:rPr>
+              <a:t>What about performance, reliability, scalability, and availability?</a:t>
+            </a:r>
+          </a:p>
+          <a:p>
+            <a:endParaRPr lang="en-US" dirty="0"/>
           </a:p>
         </p:txBody>
       </p:sp>
     </p:spTree>
     <p:extLst>
       <p:ext uri="{BB962C8B-B14F-4D97-AF65-F5344CB8AC3E}">
-        <p14:creationId xmlns:p14="http://schemas.microsoft.com/office/powerpoint/2010/main" val="3652711550"/>
+        <p14:creationId xmlns:p14="http://schemas.microsoft.com/office/powerpoint/2010/main" val="2551474129"/>
       </p:ext>
     </p:extLst>
   </p:cSld>
@@ -7023,6 +9357,14 @@
 <file path=ppt/slides/slide8.xml><?xml version="1.0" encoding="utf-8"?>
 <p:sld xmlns:a="http://schemas.openxmlformats.org/drawingml/2006/main" xmlns:r="http://schemas.openxmlformats.org/officeDocument/2006/relationships" xmlns:p="http://schemas.openxmlformats.org/presentationml/2006/main">
   <p:cSld>
+    <p:bg>
+      <p:bgPr>
+        <a:solidFill>
+          <a:schemeClr val="bg1"/>
+        </a:solidFill>
+        <a:effectLst/>
+      </p:bgPr>
+    </p:bg>
     <p:spTree>
       <p:nvGrpSpPr>
         <p:cNvPr id="1" name=""/>
@@ -7039,69 +9381,39 @@
       </p:grpSpPr>
       <p:sp>
         <p:nvSpPr>
-          <p:cNvPr id="2" name="Title 1">
-            <a:extLst>
-              <a:ext uri="{FF2B5EF4-FFF2-40B4-BE49-F238E27FC236}">
-                <a16:creationId xmlns:a16="http://schemas.microsoft.com/office/drawing/2014/main" id="{4EF8F62C-E012-4E00-A529-5E8CCAD2239E}"/>
+          <p:cNvPr id="12" name="Rectangle 11">
+            <a:extLst>
+              <a:ext uri="{FF2B5EF4-FFF2-40B4-BE49-F238E27FC236}">
+                <a16:creationId xmlns:a16="http://schemas.microsoft.com/office/drawing/2014/main" id="{42A4FC2C-047E-45A5-965D-8E1E3BF09BC6}"/>
+              </a:ext>
+              <a:ext uri="{C183D7F6-B498-43B3-948B-1728B52AA6E4}">
+                <adec:decorative xmlns:adec="http://schemas.microsoft.com/office/drawing/2017/decorative" val="1"/>
               </a:ext>
             </a:extLst>
           </p:cNvPr>
           <p:cNvSpPr>
-            <a:spLocks noGrp="1"/>
+            <a:spLocks noGrp="1" noRot="1" noChangeAspect="1" noMove="1" noResize="1" noEditPoints="1" noAdjustHandles="1" noChangeArrowheads="1" noChangeShapeType="1" noTextEdit="1"/>
           </p:cNvSpPr>
           <p:nvPr>
-            <p:ph type="title"/>
+            <p:extLst>
+              <p:ext uri="{386F3935-93C4-4BCD-93E2-E3B085C9AB24}">
+                <p16:designElem xmlns:p16="http://schemas.microsoft.com/office/powerpoint/2015/main" val="1"/>
+              </p:ext>
+            </p:extLst>
           </p:nvPr>
         </p:nvSpPr>
-        <p:spPr/>
-        <p:txBody>
-          <a:bodyPr/>
-          <a:lstStyle/>
-          <a:p>
-            <a:pPr algn="ctr"/>
-            <a:r>
-              <a:rPr lang="en-US" dirty="0">
-                <a:solidFill>
-                  <a:srgbClr val="000000"/>
-                </a:solidFill>
-                <a:latin typeface="Roboto" panose="02000000000000000000" pitchFamily="2" charset="0"/>
-              </a:rPr>
-              <a:t>Write</a:t>
-            </a:r>
-            <a:r>
-              <a:rPr lang="en-US" b="0" i="0" dirty="0">
-                <a:solidFill>
-                  <a:srgbClr val="000000"/>
-                </a:solidFill>
-                <a:effectLst/>
-                <a:latin typeface="Roboto" panose="02000000000000000000" pitchFamily="2" charset="0"/>
-              </a:rPr>
-              <a:t>-Back</a:t>
-            </a:r>
-            <a:endParaRPr lang="en-US" dirty="0"/>
-          </a:p>
-        </p:txBody>
-      </p:sp>
-      <p:sp>
-        <p:nvSpPr>
-          <p:cNvPr id="4" name="Rectangle: Rounded Corners 3">
-            <a:extLst>
-              <a:ext uri="{FF2B5EF4-FFF2-40B4-BE49-F238E27FC236}">
-                <a16:creationId xmlns:a16="http://schemas.microsoft.com/office/drawing/2014/main" id="{E8383B85-00BE-4F0D-8606-121986230C70}"/>
-              </a:ext>
-            </a:extLst>
-          </p:cNvPr>
-          <p:cNvSpPr/>
-          <p:nvPr/>
-        </p:nvSpPr>
-        <p:spPr>
+        <p:spPr bwMode="white">
           <a:xfrm>
-            <a:off x="1362075" y="2287368"/>
-            <a:ext cx="1733550" cy="646331"/>
-          </a:xfrm>
-          <a:prstGeom prst="roundRect">
+            <a:off x="1524" y="0"/>
+            <a:ext cx="12188952" cy="6858000"/>
+          </a:xfrm>
+          <a:prstGeom prst="rect">
             <a:avLst/>
           </a:prstGeom>
+          <a:noFill/>
+          <a:ln>
+            <a:noFill/>
+          </a:ln>
         </p:spPr>
         <p:style>
           <a:lnRef idx="2">
@@ -7121,679 +9433,140 @@
         </p:style>
         <p:txBody>
           <a:bodyPr rtlCol="0" anchor="ctr"/>
-          <a:lstStyle/>
+          <a:lstStyle>
+            <a:defPPr>
+              <a:defRPr lang="en-US"/>
+            </a:defPPr>
+            <a:lvl1pPr marL="0" algn="l" defTabSz="914400" rtl="0" eaLnBrk="1" latinLnBrk="0" hangingPunct="1">
+              <a:defRPr sz="1800" kern="1200">
+                <a:solidFill>
+                  <a:schemeClr val="lt1"/>
+                </a:solidFill>
+                <a:latin typeface="+mn-lt"/>
+                <a:ea typeface="+mn-ea"/>
+                <a:cs typeface="+mn-cs"/>
+              </a:defRPr>
+            </a:lvl1pPr>
+            <a:lvl2pPr marL="457200" algn="l" defTabSz="914400" rtl="0" eaLnBrk="1" latinLnBrk="0" hangingPunct="1">
+              <a:defRPr sz="1800" kern="1200">
+                <a:solidFill>
+                  <a:schemeClr val="lt1"/>
+                </a:solidFill>
+                <a:latin typeface="+mn-lt"/>
+                <a:ea typeface="+mn-ea"/>
+                <a:cs typeface="+mn-cs"/>
+              </a:defRPr>
+            </a:lvl2pPr>
+            <a:lvl3pPr marL="914400" algn="l" defTabSz="914400" rtl="0" eaLnBrk="1" latinLnBrk="0" hangingPunct="1">
+              <a:defRPr sz="1800" kern="1200">
+                <a:solidFill>
+                  <a:schemeClr val="lt1"/>
+                </a:solidFill>
+                <a:latin typeface="+mn-lt"/>
+                <a:ea typeface="+mn-ea"/>
+                <a:cs typeface="+mn-cs"/>
+              </a:defRPr>
+            </a:lvl3pPr>
+            <a:lvl4pPr marL="1371600" algn="l" defTabSz="914400" rtl="0" eaLnBrk="1" latinLnBrk="0" hangingPunct="1">
+              <a:defRPr sz="1800" kern="1200">
+                <a:solidFill>
+                  <a:schemeClr val="lt1"/>
+                </a:solidFill>
+                <a:latin typeface="+mn-lt"/>
+                <a:ea typeface="+mn-ea"/>
+                <a:cs typeface="+mn-cs"/>
+              </a:defRPr>
+            </a:lvl4pPr>
+            <a:lvl5pPr marL="1828800" algn="l" defTabSz="914400" rtl="0" eaLnBrk="1" latinLnBrk="0" hangingPunct="1">
+              <a:defRPr sz="1800" kern="1200">
+                <a:solidFill>
+                  <a:schemeClr val="lt1"/>
+                </a:solidFill>
+                <a:latin typeface="+mn-lt"/>
+                <a:ea typeface="+mn-ea"/>
+                <a:cs typeface="+mn-cs"/>
+              </a:defRPr>
+            </a:lvl5pPr>
+            <a:lvl6pPr marL="2286000" algn="l" defTabSz="914400" rtl="0" eaLnBrk="1" latinLnBrk="0" hangingPunct="1">
+              <a:defRPr sz="1800" kern="1200">
+                <a:solidFill>
+                  <a:schemeClr val="lt1"/>
+                </a:solidFill>
+                <a:latin typeface="+mn-lt"/>
+                <a:ea typeface="+mn-ea"/>
+                <a:cs typeface="+mn-cs"/>
+              </a:defRPr>
+            </a:lvl6pPr>
+            <a:lvl7pPr marL="2743200" algn="l" defTabSz="914400" rtl="0" eaLnBrk="1" latinLnBrk="0" hangingPunct="1">
+              <a:defRPr sz="1800" kern="1200">
+                <a:solidFill>
+                  <a:schemeClr val="lt1"/>
+                </a:solidFill>
+                <a:latin typeface="+mn-lt"/>
+                <a:ea typeface="+mn-ea"/>
+                <a:cs typeface="+mn-cs"/>
+              </a:defRPr>
+            </a:lvl7pPr>
+            <a:lvl8pPr marL="3200400" algn="l" defTabSz="914400" rtl="0" eaLnBrk="1" latinLnBrk="0" hangingPunct="1">
+              <a:defRPr sz="1800" kern="1200">
+                <a:solidFill>
+                  <a:schemeClr val="lt1"/>
+                </a:solidFill>
+                <a:latin typeface="+mn-lt"/>
+                <a:ea typeface="+mn-ea"/>
+                <a:cs typeface="+mn-cs"/>
+              </a:defRPr>
+            </a:lvl8pPr>
+            <a:lvl9pPr marL="3657600" algn="l" defTabSz="914400" rtl="0" eaLnBrk="1" latinLnBrk="0" hangingPunct="1">
+              <a:defRPr sz="1800" kern="1200">
+                <a:solidFill>
+                  <a:schemeClr val="lt1"/>
+                </a:solidFill>
+                <a:latin typeface="+mn-lt"/>
+                <a:ea typeface="+mn-ea"/>
+                <a:cs typeface="+mn-cs"/>
+              </a:defRPr>
+            </a:lvl9pPr>
+          </a:lstStyle>
           <a:p>
             <a:pPr algn="ctr"/>
-            <a:r>
-              <a:rPr lang="en-US" dirty="0"/>
-              <a:t>Client</a:t>
-            </a:r>
-          </a:p>
-        </p:txBody>
-      </p:sp>
-      <p:sp>
-        <p:nvSpPr>
-          <p:cNvPr id="5" name="Content Placeholder 4">
-            <a:extLst>
-              <a:ext uri="{FF2B5EF4-FFF2-40B4-BE49-F238E27FC236}">
-                <a16:creationId xmlns:a16="http://schemas.microsoft.com/office/drawing/2014/main" id="{EA6AE321-A5BA-417D-98D0-DC19B4682140}"/>
-              </a:ext>
-            </a:extLst>
-          </p:cNvPr>
-          <p:cNvSpPr>
-            <a:spLocks noGrp="1"/>
-          </p:cNvSpPr>
-          <p:nvPr>
-            <p:ph idx="1"/>
-          </p:nvPr>
-        </p:nvSpPr>
+            <a:endParaRPr lang="en-US"/>
+          </a:p>
+        </p:txBody>
+      </p:sp>
+      <p:pic>
+        <p:nvPicPr>
+          <p:cNvPr id="7" name="Picture 6">
+            <a:extLst>
+              <a:ext uri="{FF2B5EF4-FFF2-40B4-BE49-F238E27FC236}">
+                <a16:creationId xmlns:a16="http://schemas.microsoft.com/office/drawing/2014/main" id="{A42DF7CB-A56E-427D-90E1-101E6B41CB01}"/>
+              </a:ext>
+            </a:extLst>
+          </p:cNvPr>
+          <p:cNvPicPr>
+            <a:picLocks noChangeAspect="1"/>
+          </p:cNvPicPr>
+          <p:nvPr/>
+        </p:nvPicPr>
+        <p:blipFill rotWithShape="1">
+          <a:blip r:embed="rId2"/>
+          <a:srcRect t="3866" b="1215"/>
+          <a:stretch/>
+        </p:blipFill>
         <p:spPr>
           <a:xfrm>
-            <a:off x="4381500" y="1771649"/>
-            <a:ext cx="3019425" cy="1666875"/>
-          </a:xfrm>
-          <a:prstGeom prst="roundRect">
-            <a:avLst/>
-          </a:prstGeom>
-        </p:spPr>
-        <p:style>
-          <a:lnRef idx="2">
-            <a:schemeClr val="accent1">
-              <a:shade val="50000"/>
-            </a:schemeClr>
-          </a:lnRef>
-          <a:fillRef idx="1">
-            <a:schemeClr val="accent1"/>
-          </a:fillRef>
-          <a:effectRef idx="0">
-            <a:schemeClr val="accent1"/>
-          </a:effectRef>
-          <a:fontRef idx="minor">
-            <a:schemeClr val="lt1"/>
-          </a:fontRef>
-        </p:style>
-        <p:txBody>
-          <a:bodyPr rtlCol="0" anchor="ctr"/>
-          <a:lstStyle/>
-          <a:p>
-            <a:pPr marL="0" indent="0">
-              <a:buNone/>
-            </a:pPr>
-            <a:r>
-              <a:rPr lang="en-US" dirty="0"/>
-              <a:t>Server / Application</a:t>
-            </a:r>
-          </a:p>
-        </p:txBody>
-      </p:sp>
-      <p:sp>
-        <p:nvSpPr>
-          <p:cNvPr id="6" name="Flowchart: Magnetic Disk 5">
-            <a:extLst>
-              <a:ext uri="{FF2B5EF4-FFF2-40B4-BE49-F238E27FC236}">
-                <a16:creationId xmlns:a16="http://schemas.microsoft.com/office/drawing/2014/main" id="{360E7C2A-681D-4FDF-A38D-27A1777CF18F}"/>
-              </a:ext>
-            </a:extLst>
-          </p:cNvPr>
-          <p:cNvSpPr/>
-          <p:nvPr/>
-        </p:nvSpPr>
-        <p:spPr>
-          <a:xfrm>
-            <a:off x="10258425" y="1942303"/>
-            <a:ext cx="1095375" cy="1325563"/>
-          </a:xfrm>
-          <a:prstGeom prst="flowChartMagneticDisk">
-            <a:avLst/>
-          </a:prstGeom>
-        </p:spPr>
-        <p:style>
-          <a:lnRef idx="2">
-            <a:schemeClr val="accent1">
-              <a:shade val="50000"/>
-            </a:schemeClr>
-          </a:lnRef>
-          <a:fillRef idx="1">
-            <a:schemeClr val="accent1"/>
-          </a:fillRef>
-          <a:effectRef idx="0">
-            <a:schemeClr val="accent1"/>
-          </a:effectRef>
-          <a:fontRef idx="minor">
-            <a:schemeClr val="lt1"/>
-          </a:fontRef>
-        </p:style>
-        <p:txBody>
-          <a:bodyPr rtlCol="0" anchor="ctr"/>
-          <a:lstStyle/>
-          <a:p>
-            <a:pPr algn="ctr"/>
-            <a:r>
-              <a:rPr lang="en-US" dirty="0"/>
-              <a:t>DB</a:t>
-            </a:r>
-          </a:p>
-        </p:txBody>
-      </p:sp>
-      <p:sp>
-        <p:nvSpPr>
-          <p:cNvPr id="7" name="Rectangle: Rounded Corners 6">
-            <a:extLst>
-              <a:ext uri="{FF2B5EF4-FFF2-40B4-BE49-F238E27FC236}">
-                <a16:creationId xmlns:a16="http://schemas.microsoft.com/office/drawing/2014/main" id="{9A733189-6230-4770-AE94-1634E373E191}"/>
-              </a:ext>
-            </a:extLst>
-          </p:cNvPr>
-          <p:cNvSpPr/>
-          <p:nvPr/>
-        </p:nvSpPr>
-        <p:spPr>
-          <a:xfrm>
-            <a:off x="8012906" y="2152648"/>
-            <a:ext cx="1657350" cy="904875"/>
-          </a:xfrm>
-          <a:prstGeom prst="roundRect">
-            <a:avLst/>
-          </a:prstGeom>
-        </p:spPr>
-        <p:style>
-          <a:lnRef idx="2">
-            <a:schemeClr val="accent1">
-              <a:shade val="50000"/>
-            </a:schemeClr>
-          </a:lnRef>
-          <a:fillRef idx="1">
-            <a:schemeClr val="accent1"/>
-          </a:fillRef>
-          <a:effectRef idx="0">
-            <a:schemeClr val="accent1"/>
-          </a:effectRef>
-          <a:fontRef idx="minor">
-            <a:schemeClr val="lt1"/>
-          </a:fontRef>
-        </p:style>
-        <p:txBody>
-          <a:bodyPr rtlCol="0" anchor="ctr"/>
-          <a:lstStyle/>
-          <a:p>
-            <a:pPr algn="ctr"/>
-            <a:r>
-              <a:rPr lang="en-US" dirty="0"/>
-              <a:t>Cache</a:t>
-            </a:r>
-          </a:p>
-        </p:txBody>
-      </p:sp>
-      <p:cxnSp>
-        <p:nvCxnSpPr>
-          <p:cNvPr id="9" name="Straight Arrow Connector 8">
-            <a:extLst>
-              <a:ext uri="{FF2B5EF4-FFF2-40B4-BE49-F238E27FC236}">
-                <a16:creationId xmlns:a16="http://schemas.microsoft.com/office/drawing/2014/main" id="{F036F3B5-B216-4A82-B14B-2598F7803AC4}"/>
-              </a:ext>
-            </a:extLst>
-          </p:cNvPr>
-          <p:cNvCxnSpPr>
-            <a:cxnSpLocks/>
-            <a:stCxn id="4" idx="3"/>
-            <a:endCxn id="5" idx="1"/>
-          </p:cNvCxnSpPr>
-          <p:nvPr/>
-        </p:nvCxnSpPr>
-        <p:spPr>
-          <a:xfrm flipV="1">
-            <a:off x="3095625" y="2605087"/>
-            <a:ext cx="1285875" cy="5447"/>
-          </a:xfrm>
-          <a:prstGeom prst="straightConnector1">
-            <a:avLst/>
-          </a:prstGeom>
-          <a:ln w="57150">
-            <a:tailEnd type="triangle"/>
-          </a:ln>
-        </p:spPr>
-        <p:style>
-          <a:lnRef idx="1">
-            <a:schemeClr val="accent1"/>
-          </a:lnRef>
-          <a:fillRef idx="0">
-            <a:schemeClr val="accent1"/>
-          </a:fillRef>
-          <a:effectRef idx="0">
-            <a:schemeClr val="accent1"/>
-          </a:effectRef>
-          <a:fontRef idx="minor">
-            <a:schemeClr val="tx1"/>
-          </a:fontRef>
-        </p:style>
-      </p:cxnSp>
-      <p:sp>
-        <p:nvSpPr>
-          <p:cNvPr id="20" name="TextBox 19">
-            <a:extLst>
-              <a:ext uri="{FF2B5EF4-FFF2-40B4-BE49-F238E27FC236}">
-                <a16:creationId xmlns:a16="http://schemas.microsoft.com/office/drawing/2014/main" id="{F4D26ACC-C3C1-4A8F-9407-FD3CD50B14C8}"/>
-              </a:ext>
-            </a:extLst>
-          </p:cNvPr>
-          <p:cNvSpPr txBox="1"/>
-          <p:nvPr/>
-        </p:nvSpPr>
-        <p:spPr>
-          <a:xfrm>
-            <a:off x="513715" y="4247467"/>
-            <a:ext cx="11001375" cy="2308324"/>
+            <a:off x="20" y="1282"/>
+            <a:ext cx="12191980" cy="6856718"/>
           </a:xfrm>
           <a:prstGeom prst="rect">
             <a:avLst/>
           </a:prstGeom>
-          <a:noFill/>
-        </p:spPr>
-        <p:txBody>
-          <a:bodyPr wrap="square" rtlCol="0">
-            <a:spAutoFit/>
-          </a:bodyPr>
-          <a:lstStyle/>
-          <a:p>
-            <a:pPr marL="285750" indent="-285750">
-              <a:buFont typeface="Arial" panose="020B0604020202020204" pitchFamily="34" charset="0"/>
-              <a:buChar char="•"/>
-            </a:pPr>
-            <a:r>
-              <a:rPr lang="en-US" dirty="0"/>
-              <a:t>Useful for write heavy workloads. </a:t>
-            </a:r>
-          </a:p>
-          <a:p>
-            <a:pPr marL="285750" indent="-285750">
-              <a:buFont typeface="Arial" panose="020B0604020202020204" pitchFamily="34" charset="0"/>
-              <a:buChar char="•"/>
-            </a:pPr>
-            <a:r>
-              <a:rPr lang="en-US" dirty="0"/>
-              <a:t>Here cache will write the data in bulk to datastore.</a:t>
-            </a:r>
-          </a:p>
-          <a:p>
-            <a:pPr marL="285750" indent="-285750">
-              <a:buFont typeface="Arial" panose="020B0604020202020204" pitchFamily="34" charset="0"/>
-              <a:buChar char="•"/>
-            </a:pPr>
-            <a:r>
-              <a:rPr lang="en-US" dirty="0"/>
-              <a:t>Database failure can be sustained for the time cache hold data.</a:t>
-            </a:r>
-          </a:p>
-          <a:p>
-            <a:pPr marL="285750" indent="-285750">
-              <a:buFont typeface="Arial" panose="020B0604020202020204" pitchFamily="34" charset="0"/>
-              <a:buChar char="•"/>
-            </a:pPr>
-            <a:r>
-              <a:rPr lang="en-US" dirty="0"/>
-              <a:t>Used By various DB implementations</a:t>
-            </a:r>
-          </a:p>
-          <a:p>
-            <a:pPr marL="285750" indent="-285750">
-              <a:buFont typeface="Arial" panose="020B0604020202020204" pitchFamily="34" charset="0"/>
-              <a:buChar char="•"/>
-            </a:pPr>
-            <a:r>
-              <a:rPr lang="en-US" dirty="0"/>
-              <a:t>Disadvantage</a:t>
-            </a:r>
-            <a:r>
-              <a:rPr lang="en-US" dirty="0">
-                <a:solidFill>
-                  <a:srgbClr val="FF0000"/>
-                </a:solidFill>
-              </a:rPr>
-              <a:t> : Cache failure result in system failure</a:t>
-            </a:r>
-            <a:r>
-              <a:rPr lang="en-US" dirty="0"/>
-              <a:t> </a:t>
-            </a:r>
-          </a:p>
-          <a:p>
-            <a:pPr marL="285750" indent="-285750">
-              <a:buFont typeface="Arial" panose="020B0604020202020204" pitchFamily="34" charset="0"/>
-              <a:buChar char="•"/>
-            </a:pPr>
-            <a:endParaRPr lang="en-US" dirty="0"/>
-          </a:p>
-          <a:p>
-            <a:pPr marL="285750" indent="-285750">
-              <a:buFont typeface="Arial" panose="020B0604020202020204" pitchFamily="34" charset="0"/>
-              <a:buChar char="•"/>
-            </a:pPr>
-            <a:endParaRPr lang="en-US" dirty="0"/>
-          </a:p>
-          <a:p>
-            <a:pPr marL="285750" indent="-285750">
-              <a:buFont typeface="Arial" panose="020B0604020202020204" pitchFamily="34" charset="0"/>
-              <a:buChar char="•"/>
-            </a:pPr>
-            <a:endParaRPr lang="en-US" dirty="0"/>
-          </a:p>
-        </p:txBody>
-      </p:sp>
-      <p:cxnSp>
-        <p:nvCxnSpPr>
-          <p:cNvPr id="19" name="Straight Arrow Connector 18">
-            <a:extLst>
-              <a:ext uri="{FF2B5EF4-FFF2-40B4-BE49-F238E27FC236}">
-                <a16:creationId xmlns:a16="http://schemas.microsoft.com/office/drawing/2014/main" id="{D414971D-79C3-4893-87CE-6F8C7994985E}"/>
-              </a:ext>
-            </a:extLst>
-          </p:cNvPr>
-          <p:cNvCxnSpPr>
-            <a:cxnSpLocks/>
-          </p:cNvCxnSpPr>
-          <p:nvPr/>
-        </p:nvCxnSpPr>
-        <p:spPr>
-          <a:xfrm flipV="1">
-            <a:off x="7377707" y="2482091"/>
-            <a:ext cx="611981" cy="1"/>
-          </a:xfrm>
-          <a:prstGeom prst="straightConnector1">
-            <a:avLst/>
-          </a:prstGeom>
-          <a:ln w="57150">
-            <a:tailEnd type="triangle"/>
-          </a:ln>
-        </p:spPr>
-        <p:style>
-          <a:lnRef idx="1">
-            <a:schemeClr val="accent1"/>
-          </a:lnRef>
-          <a:fillRef idx="0">
-            <a:schemeClr val="accent1"/>
-          </a:fillRef>
-          <a:effectRef idx="0">
-            <a:schemeClr val="accent1"/>
-          </a:effectRef>
-          <a:fontRef idx="minor">
-            <a:schemeClr val="tx1"/>
-          </a:fontRef>
-        </p:style>
-      </p:cxnSp>
-      <p:cxnSp>
-        <p:nvCxnSpPr>
-          <p:cNvPr id="23" name="Straight Arrow Connector 22">
-            <a:extLst>
-              <a:ext uri="{FF2B5EF4-FFF2-40B4-BE49-F238E27FC236}">
-                <a16:creationId xmlns:a16="http://schemas.microsoft.com/office/drawing/2014/main" id="{880A5CF1-EBFE-47AD-93C8-C7D113DA50F7}"/>
-              </a:ext>
-            </a:extLst>
-          </p:cNvPr>
-          <p:cNvCxnSpPr>
-            <a:cxnSpLocks/>
-          </p:cNvCxnSpPr>
-          <p:nvPr/>
-        </p:nvCxnSpPr>
-        <p:spPr>
-          <a:xfrm flipV="1">
-            <a:off x="9600009" y="2236568"/>
-            <a:ext cx="754379" cy="20060"/>
-          </a:xfrm>
-          <a:prstGeom prst="straightConnector1">
-            <a:avLst/>
-          </a:prstGeom>
-          <a:ln w="57150">
-            <a:tailEnd type="triangle"/>
-          </a:ln>
-        </p:spPr>
-        <p:style>
-          <a:lnRef idx="1">
-            <a:schemeClr val="accent1"/>
-          </a:lnRef>
-          <a:fillRef idx="0">
-            <a:schemeClr val="accent1"/>
-          </a:fillRef>
-          <a:effectRef idx="0">
-            <a:schemeClr val="accent1"/>
-          </a:effectRef>
-          <a:fontRef idx="minor">
-            <a:schemeClr val="tx1"/>
-          </a:fontRef>
-        </p:style>
-      </p:cxnSp>
-      <p:cxnSp>
-        <p:nvCxnSpPr>
-          <p:cNvPr id="11" name="Straight Arrow Connector 10">
-            <a:extLst>
-              <a:ext uri="{FF2B5EF4-FFF2-40B4-BE49-F238E27FC236}">
-                <a16:creationId xmlns:a16="http://schemas.microsoft.com/office/drawing/2014/main" id="{8062476F-ACE0-4329-B94B-41B106F6D967}"/>
-              </a:ext>
-            </a:extLst>
-          </p:cNvPr>
-          <p:cNvCxnSpPr>
-            <a:cxnSpLocks/>
-          </p:cNvCxnSpPr>
-          <p:nvPr/>
-        </p:nvCxnSpPr>
-        <p:spPr>
-          <a:xfrm flipV="1">
-            <a:off x="9630965" y="2472768"/>
-            <a:ext cx="723423" cy="29529"/>
-          </a:xfrm>
-          <a:prstGeom prst="straightConnector1">
-            <a:avLst/>
-          </a:prstGeom>
-          <a:ln w="57150">
-            <a:tailEnd type="triangle"/>
-          </a:ln>
-        </p:spPr>
-        <p:style>
-          <a:lnRef idx="1">
-            <a:schemeClr val="accent1"/>
-          </a:lnRef>
-          <a:fillRef idx="0">
-            <a:schemeClr val="accent1"/>
-          </a:fillRef>
-          <a:effectRef idx="0">
-            <a:schemeClr val="accent1"/>
-          </a:effectRef>
-          <a:fontRef idx="minor">
-            <a:schemeClr val="tx1"/>
-          </a:fontRef>
-        </p:style>
-      </p:cxnSp>
-      <p:cxnSp>
-        <p:nvCxnSpPr>
-          <p:cNvPr id="12" name="Straight Arrow Connector 11">
-            <a:extLst>
-              <a:ext uri="{FF2B5EF4-FFF2-40B4-BE49-F238E27FC236}">
-                <a16:creationId xmlns:a16="http://schemas.microsoft.com/office/drawing/2014/main" id="{6352F866-37C4-479B-B29E-D7C2CD9930B6}"/>
-              </a:ext>
-            </a:extLst>
-          </p:cNvPr>
-          <p:cNvCxnSpPr>
-            <a:cxnSpLocks/>
-          </p:cNvCxnSpPr>
-          <p:nvPr/>
-        </p:nvCxnSpPr>
-        <p:spPr>
-          <a:xfrm>
-            <a:off x="9658350" y="2747964"/>
-            <a:ext cx="696038" cy="5948"/>
-          </a:xfrm>
-          <a:prstGeom prst="straightConnector1">
-            <a:avLst/>
-          </a:prstGeom>
-          <a:ln w="57150">
-            <a:tailEnd type="triangle"/>
-          </a:ln>
-        </p:spPr>
-        <p:style>
-          <a:lnRef idx="1">
-            <a:schemeClr val="accent1"/>
-          </a:lnRef>
-          <a:fillRef idx="0">
-            <a:schemeClr val="accent1"/>
-          </a:fillRef>
-          <a:effectRef idx="0">
-            <a:schemeClr val="accent1"/>
-          </a:effectRef>
-          <a:fontRef idx="minor">
-            <a:schemeClr val="tx1"/>
-          </a:fontRef>
-        </p:style>
-      </p:cxnSp>
-      <p:cxnSp>
-        <p:nvCxnSpPr>
-          <p:cNvPr id="13" name="Straight Arrow Connector 12">
-            <a:extLst>
-              <a:ext uri="{FF2B5EF4-FFF2-40B4-BE49-F238E27FC236}">
-                <a16:creationId xmlns:a16="http://schemas.microsoft.com/office/drawing/2014/main" id="{5E2F8E6B-F8B0-4F0E-B3F8-E780FB3D4DB8}"/>
-              </a:ext>
-            </a:extLst>
-          </p:cNvPr>
-          <p:cNvCxnSpPr>
-            <a:cxnSpLocks/>
-          </p:cNvCxnSpPr>
-          <p:nvPr/>
-        </p:nvCxnSpPr>
-        <p:spPr>
-          <a:xfrm flipV="1">
-            <a:off x="9622631" y="2963071"/>
-            <a:ext cx="731757" cy="1"/>
-          </a:xfrm>
-          <a:prstGeom prst="straightConnector1">
-            <a:avLst/>
-          </a:prstGeom>
-          <a:ln w="57150">
-            <a:tailEnd type="triangle"/>
-          </a:ln>
-        </p:spPr>
-        <p:style>
-          <a:lnRef idx="1">
-            <a:schemeClr val="accent1"/>
-          </a:lnRef>
-          <a:fillRef idx="0">
-            <a:schemeClr val="accent1"/>
-          </a:fillRef>
-          <a:effectRef idx="0">
-            <a:schemeClr val="accent1"/>
-          </a:effectRef>
-          <a:fontRef idx="minor">
-            <a:schemeClr val="tx1"/>
-          </a:fontRef>
-        </p:style>
-      </p:cxnSp>
-      <p:sp>
-        <p:nvSpPr>
-          <p:cNvPr id="15" name="TextBox 14">
-            <a:extLst>
-              <a:ext uri="{FF2B5EF4-FFF2-40B4-BE49-F238E27FC236}">
-                <a16:creationId xmlns:a16="http://schemas.microsoft.com/office/drawing/2014/main" id="{6406D145-234D-48F4-BBB6-7B92D5C6F9B5}"/>
-              </a:ext>
-            </a:extLst>
-          </p:cNvPr>
-          <p:cNvSpPr txBox="1"/>
-          <p:nvPr/>
-        </p:nvSpPr>
-        <p:spPr>
-          <a:xfrm>
-            <a:off x="7390604" y="2802076"/>
-            <a:ext cx="942976" cy="369332"/>
-          </a:xfrm>
-          <a:prstGeom prst="rect">
-            <a:avLst/>
-          </a:prstGeom>
-          <a:noFill/>
-        </p:spPr>
-        <p:txBody>
-          <a:bodyPr wrap="square" rtlCol="0">
-            <a:spAutoFit/>
-          </a:bodyPr>
-          <a:lstStyle/>
-          <a:p>
-            <a:r>
-              <a:rPr lang="en-US" dirty="0"/>
-              <a:t>Read</a:t>
-            </a:r>
-          </a:p>
-        </p:txBody>
-      </p:sp>
-      <p:cxnSp>
-        <p:nvCxnSpPr>
-          <p:cNvPr id="16" name="Straight Arrow Connector 15">
-            <a:extLst>
-              <a:ext uri="{FF2B5EF4-FFF2-40B4-BE49-F238E27FC236}">
-                <a16:creationId xmlns:a16="http://schemas.microsoft.com/office/drawing/2014/main" id="{2BB20EC3-1BDC-4D00-8335-1E23D6235FB7}"/>
-              </a:ext>
-            </a:extLst>
-          </p:cNvPr>
-          <p:cNvCxnSpPr>
-            <a:cxnSpLocks/>
-          </p:cNvCxnSpPr>
-          <p:nvPr/>
-        </p:nvCxnSpPr>
-        <p:spPr>
-          <a:xfrm flipH="1">
-            <a:off x="7377707" y="2709862"/>
-            <a:ext cx="611981" cy="0"/>
-          </a:xfrm>
-          <a:prstGeom prst="straightConnector1">
-            <a:avLst/>
-          </a:prstGeom>
-          <a:ln w="57150">
-            <a:tailEnd type="triangle"/>
-          </a:ln>
-        </p:spPr>
-        <p:style>
-          <a:lnRef idx="1">
-            <a:schemeClr val="accent1"/>
-          </a:lnRef>
-          <a:fillRef idx="0">
-            <a:schemeClr val="accent1"/>
-          </a:fillRef>
-          <a:effectRef idx="0">
-            <a:schemeClr val="accent1"/>
-          </a:effectRef>
-          <a:fontRef idx="minor">
-            <a:schemeClr val="tx1"/>
-          </a:fontRef>
-        </p:style>
-      </p:cxnSp>
-      <p:sp>
-        <p:nvSpPr>
-          <p:cNvPr id="17" name="TextBox 16">
-            <a:extLst>
-              <a:ext uri="{FF2B5EF4-FFF2-40B4-BE49-F238E27FC236}">
-                <a16:creationId xmlns:a16="http://schemas.microsoft.com/office/drawing/2014/main" id="{95B158BB-40C8-4FC9-9384-3B073839F890}"/>
-              </a:ext>
-            </a:extLst>
-          </p:cNvPr>
-          <p:cNvSpPr txBox="1"/>
-          <p:nvPr/>
-        </p:nvSpPr>
-        <p:spPr>
-          <a:xfrm>
-            <a:off x="7334963" y="2051681"/>
-            <a:ext cx="871856" cy="369332"/>
-          </a:xfrm>
-          <a:prstGeom prst="rect">
-            <a:avLst/>
-          </a:prstGeom>
-          <a:noFill/>
-        </p:spPr>
-        <p:txBody>
-          <a:bodyPr wrap="square" rtlCol="0">
-            <a:spAutoFit/>
-          </a:bodyPr>
-          <a:lstStyle/>
-          <a:p>
-            <a:r>
-              <a:rPr lang="en-US" dirty="0"/>
-              <a:t>Write</a:t>
-            </a:r>
-          </a:p>
-        </p:txBody>
-      </p:sp>
-      <p:sp>
-        <p:nvSpPr>
-          <p:cNvPr id="18" name="TextBox 17">
-            <a:extLst>
-              <a:ext uri="{FF2B5EF4-FFF2-40B4-BE49-F238E27FC236}">
-                <a16:creationId xmlns:a16="http://schemas.microsoft.com/office/drawing/2014/main" id="{0617578C-1288-4CEC-89F8-79B35A7983B0}"/>
-              </a:ext>
-            </a:extLst>
-          </p:cNvPr>
-          <p:cNvSpPr txBox="1"/>
-          <p:nvPr/>
-        </p:nvSpPr>
-        <p:spPr>
-          <a:xfrm>
-            <a:off x="9330212" y="1069740"/>
-            <a:ext cx="1347948" cy="923330"/>
-          </a:xfrm>
-          <a:prstGeom prst="rect">
-            <a:avLst/>
-          </a:prstGeom>
-          <a:noFill/>
-        </p:spPr>
-        <p:txBody>
-          <a:bodyPr wrap="square" rtlCol="0">
-            <a:spAutoFit/>
-          </a:bodyPr>
-          <a:lstStyle/>
-          <a:p>
-            <a:r>
-              <a:rPr lang="en-US" dirty="0"/>
-              <a:t>Caching writes in bulk in DB</a:t>
-            </a:r>
-          </a:p>
-        </p:txBody>
-      </p:sp>
+        </p:spPr>
+      </p:pic>
     </p:spTree>
     <p:extLst>
       <p:ext uri="{BB962C8B-B14F-4D97-AF65-F5344CB8AC3E}">
-        <p14:creationId xmlns:p14="http://schemas.microsoft.com/office/powerpoint/2010/main" val="1920778943"/>
+        <p14:creationId xmlns:p14="http://schemas.microsoft.com/office/powerpoint/2010/main" val="3280868879"/>
       </p:ext>
     </p:extLst>
   </p:cSld>
@@ -7820,19 +9593,49 @@
           <a:chExt cx="0" cy="0"/>
         </a:xfrm>
       </p:grpSpPr>
+      <p:sp>
+        <p:nvSpPr>
+          <p:cNvPr id="2" name="Title 1">
+            <a:extLst>
+              <a:ext uri="{FF2B5EF4-FFF2-40B4-BE49-F238E27FC236}">
+                <a16:creationId xmlns:a16="http://schemas.microsoft.com/office/drawing/2014/main" id="{9FB23523-D1C5-45E2-9AC6-73557D7407F7}"/>
+              </a:ext>
+            </a:extLst>
+          </p:cNvPr>
+          <p:cNvSpPr>
+            <a:spLocks noGrp="1"/>
+          </p:cNvSpPr>
+          <p:nvPr>
+            <p:ph type="title"/>
+          </p:nvPr>
+        </p:nvSpPr>
+        <p:spPr/>
+        <p:txBody>
+          <a:bodyPr/>
+          <a:lstStyle/>
+          <a:p>
+            <a:r>
+              <a:rPr lang="en-US" b="1" dirty="0"/>
+              <a:t>L1/L2 cache flow</a:t>
+            </a:r>
+          </a:p>
+        </p:txBody>
+      </p:sp>
       <p:pic>
         <p:nvPicPr>
-          <p:cNvPr id="15" name="Picture 14">
-            <a:extLst>
-              <a:ext uri="{FF2B5EF4-FFF2-40B4-BE49-F238E27FC236}">
-                <a16:creationId xmlns:a16="http://schemas.microsoft.com/office/drawing/2014/main" id="{E273E1E7-1488-4496-9A96-32F3A61CB603}"/>
+          <p:cNvPr id="5" name="Content Placeholder 4">
+            <a:extLst>
+              <a:ext uri="{FF2B5EF4-FFF2-40B4-BE49-F238E27FC236}">
+                <a16:creationId xmlns:a16="http://schemas.microsoft.com/office/drawing/2014/main" id="{29D4E8FA-23D1-45BC-A58A-B6D4A06F0DE1}"/>
               </a:ext>
             </a:extLst>
           </p:cNvPr>
           <p:cNvPicPr>
-            <a:picLocks noChangeAspect="1"/>
+            <a:picLocks noGrp="1" noChangeAspect="1"/>
           </p:cNvPicPr>
-          <p:nvPr/>
+          <p:nvPr>
+            <p:ph idx="1"/>
+          </p:nvPr>
         </p:nvPicPr>
         <p:blipFill>
           <a:blip r:embed="rId2"/>
@@ -7842,18 +9645,15 @@
         </p:blipFill>
         <p:spPr>
           <a:xfrm>
-            <a:off x="0" y="19755"/>
-            <a:ext cx="12192000" cy="6818489"/>
-          </a:xfrm>
-          <a:prstGeom prst="rect">
-            <a:avLst/>
-          </a:prstGeom>
+            <a:off x="1117601" y="1825625"/>
+            <a:ext cx="10236200" cy="4351338"/>
+          </a:xfrm>
         </p:spPr>
       </p:pic>
     </p:spTree>
     <p:extLst>
       <p:ext uri="{BB962C8B-B14F-4D97-AF65-F5344CB8AC3E}">
-        <p14:creationId xmlns:p14="http://schemas.microsoft.com/office/powerpoint/2010/main" val="513496742"/>
+        <p14:creationId xmlns:p14="http://schemas.microsoft.com/office/powerpoint/2010/main" val="2953653421"/>
       </p:ext>
     </p:extLst>
   </p:cSld>
